--- a/Presentation.pptx
+++ b/Presentation.pptx
@@ -5,26 +5,16 @@
     <p:sldMasterId id="2147483648" r:id="rId4"/>
   </p:sldMasterIdLst>
   <p:notesMasterIdLst>
-    <p:notesMasterId r:id="rId19"/>
+    <p:notesMasterId r:id="rId9"/>
   </p:notesMasterIdLst>
   <p:handoutMasterIdLst>
-    <p:handoutMasterId r:id="rId20"/>
+    <p:handoutMasterId r:id="rId10"/>
   </p:handoutMasterIdLst>
   <p:sldIdLst>
     <p:sldId id="256" r:id="rId5"/>
     <p:sldId id="258" r:id="rId6"/>
     <p:sldId id="262" r:id="rId7"/>
     <p:sldId id="268" r:id="rId8"/>
-    <p:sldId id="269" r:id="rId9"/>
-    <p:sldId id="265" r:id="rId10"/>
-    <p:sldId id="264" r:id="rId11"/>
-    <p:sldId id="263" r:id="rId12"/>
-    <p:sldId id="270" r:id="rId13"/>
-    <p:sldId id="259" r:id="rId14"/>
-    <p:sldId id="260" r:id="rId15"/>
-    <p:sldId id="261" r:id="rId16"/>
-    <p:sldId id="266" r:id="rId17"/>
-    <p:sldId id="271" r:id="rId18"/>
   </p:sldIdLst>
   <p:sldSz cx="12192000" cy="6858000"/>
   <p:notesSz cx="6858000" cy="9144000"/>
@@ -134,3577 +124,6 @@
 </p:presentation>
 </file>
 
-<file path=ppt/diagrams/colors1.xml><?xml version="1.0" encoding="utf-8"?>
-<dgm:colorsDef xmlns:dgm="http://schemas.openxmlformats.org/drawingml/2006/diagram" xmlns:a="http://schemas.openxmlformats.org/drawingml/2006/main" uniqueId="urn:microsoft.com/office/officeart/2005/8/colors/accent1_2">
-  <dgm:title val=""/>
-  <dgm:desc val=""/>
-  <dgm:catLst>
-    <dgm:cat type="accent1" pri="11200"/>
-  </dgm:catLst>
-  <dgm:styleLbl name="node0">
-    <dgm:fillClrLst meth="repeat">
-      <a:schemeClr val="accent1"/>
-    </dgm:fillClrLst>
-    <dgm:linClrLst meth="repeat">
-      <a:schemeClr val="lt1"/>
-    </dgm:linClrLst>
-    <dgm:effectClrLst/>
-    <dgm:txLinClrLst/>
-    <dgm:txFillClrLst/>
-    <dgm:txEffectClrLst/>
-  </dgm:styleLbl>
-  <dgm:styleLbl name="alignNode1">
-    <dgm:fillClrLst meth="repeat">
-      <a:schemeClr val="accent1"/>
-    </dgm:fillClrLst>
-    <dgm:linClrLst meth="repeat">
-      <a:schemeClr val="accent1"/>
-    </dgm:linClrLst>
-    <dgm:effectClrLst/>
-    <dgm:txLinClrLst/>
-    <dgm:txFillClrLst/>
-    <dgm:txEffectClrLst/>
-  </dgm:styleLbl>
-  <dgm:styleLbl name="node1">
-    <dgm:fillClrLst meth="repeat">
-      <a:schemeClr val="accent1"/>
-    </dgm:fillClrLst>
-    <dgm:linClrLst meth="repeat">
-      <a:schemeClr val="lt1"/>
-    </dgm:linClrLst>
-    <dgm:effectClrLst/>
-    <dgm:txLinClrLst/>
-    <dgm:txFillClrLst/>
-    <dgm:txEffectClrLst/>
-  </dgm:styleLbl>
-  <dgm:styleLbl name="lnNode1">
-    <dgm:fillClrLst meth="repeat">
-      <a:schemeClr val="accent1"/>
-    </dgm:fillClrLst>
-    <dgm:linClrLst meth="repeat">
-      <a:schemeClr val="lt1"/>
-    </dgm:linClrLst>
-    <dgm:effectClrLst/>
-    <dgm:txLinClrLst/>
-    <dgm:txFillClrLst/>
-    <dgm:txEffectClrLst/>
-  </dgm:styleLbl>
-  <dgm:styleLbl name="vennNode1">
-    <dgm:fillClrLst meth="repeat">
-      <a:schemeClr val="accent1">
-        <a:alpha val="50000"/>
-      </a:schemeClr>
-    </dgm:fillClrLst>
-    <dgm:linClrLst meth="repeat">
-      <a:schemeClr val="lt1"/>
-    </dgm:linClrLst>
-    <dgm:effectClrLst/>
-    <dgm:txLinClrLst/>
-    <dgm:txFillClrLst/>
-    <dgm:txEffectClrLst/>
-  </dgm:styleLbl>
-  <dgm:styleLbl name="node2">
-    <dgm:fillClrLst meth="repeat">
-      <a:schemeClr val="accent1"/>
-    </dgm:fillClrLst>
-    <dgm:linClrLst meth="repeat">
-      <a:schemeClr val="lt1"/>
-    </dgm:linClrLst>
-    <dgm:effectClrLst/>
-    <dgm:txLinClrLst/>
-    <dgm:txFillClrLst/>
-    <dgm:txEffectClrLst/>
-  </dgm:styleLbl>
-  <dgm:styleLbl name="node3">
-    <dgm:fillClrLst meth="repeat">
-      <a:schemeClr val="accent1"/>
-    </dgm:fillClrLst>
-    <dgm:linClrLst meth="repeat">
-      <a:schemeClr val="lt1"/>
-    </dgm:linClrLst>
-    <dgm:effectClrLst/>
-    <dgm:txLinClrLst/>
-    <dgm:txFillClrLst/>
-    <dgm:txEffectClrLst/>
-  </dgm:styleLbl>
-  <dgm:styleLbl name="node4">
-    <dgm:fillClrLst meth="repeat">
-      <a:schemeClr val="accent1"/>
-    </dgm:fillClrLst>
-    <dgm:linClrLst meth="repeat">
-      <a:schemeClr val="lt1"/>
-    </dgm:linClrLst>
-    <dgm:effectClrLst/>
-    <dgm:txLinClrLst/>
-    <dgm:txFillClrLst/>
-    <dgm:txEffectClrLst/>
-  </dgm:styleLbl>
-  <dgm:styleLbl name="fgImgPlace1">
-    <dgm:fillClrLst meth="repeat">
-      <a:schemeClr val="accent1">
-        <a:tint val="50000"/>
-      </a:schemeClr>
-    </dgm:fillClrLst>
-    <dgm:linClrLst meth="repeat">
-      <a:schemeClr val="lt1"/>
-    </dgm:linClrLst>
-    <dgm:effectClrLst/>
-    <dgm:txLinClrLst/>
-    <dgm:txFillClrLst meth="repeat">
-      <a:schemeClr val="lt1"/>
-    </dgm:txFillClrLst>
-    <dgm:txEffectClrLst/>
-  </dgm:styleLbl>
-  <dgm:styleLbl name="alignImgPlace1">
-    <dgm:fillClrLst meth="repeat">
-      <a:schemeClr val="accent1">
-        <a:tint val="50000"/>
-      </a:schemeClr>
-    </dgm:fillClrLst>
-    <dgm:linClrLst meth="repeat">
-      <a:schemeClr val="lt1"/>
-    </dgm:linClrLst>
-    <dgm:effectClrLst/>
-    <dgm:txLinClrLst/>
-    <dgm:txFillClrLst meth="repeat">
-      <a:schemeClr val="lt1"/>
-    </dgm:txFillClrLst>
-    <dgm:txEffectClrLst/>
-  </dgm:styleLbl>
-  <dgm:styleLbl name="bgImgPlace1">
-    <dgm:fillClrLst meth="repeat">
-      <a:schemeClr val="accent1">
-        <a:tint val="50000"/>
-      </a:schemeClr>
-    </dgm:fillClrLst>
-    <dgm:linClrLst meth="repeat">
-      <a:schemeClr val="lt1"/>
-    </dgm:linClrLst>
-    <dgm:effectClrLst/>
-    <dgm:txLinClrLst/>
-    <dgm:txFillClrLst meth="repeat">
-      <a:schemeClr val="lt1"/>
-    </dgm:txFillClrLst>
-    <dgm:txEffectClrLst/>
-  </dgm:styleLbl>
-  <dgm:styleLbl name="sibTrans2D1">
-    <dgm:fillClrLst meth="repeat">
-      <a:schemeClr val="accent1">
-        <a:tint val="60000"/>
-      </a:schemeClr>
-    </dgm:fillClrLst>
-    <dgm:linClrLst meth="repeat">
-      <a:schemeClr val="accent1">
-        <a:tint val="60000"/>
-      </a:schemeClr>
-    </dgm:linClrLst>
-    <dgm:effectClrLst/>
-    <dgm:txLinClrLst/>
-    <dgm:txFillClrLst/>
-    <dgm:txEffectClrLst/>
-  </dgm:styleLbl>
-  <dgm:styleLbl name="fgSibTrans2D1">
-    <dgm:fillClrLst meth="repeat">
-      <a:schemeClr val="accent1">
-        <a:tint val="60000"/>
-      </a:schemeClr>
-    </dgm:fillClrLst>
-    <dgm:linClrLst meth="repeat">
-      <a:schemeClr val="accent1">
-        <a:tint val="60000"/>
-      </a:schemeClr>
-    </dgm:linClrLst>
-    <dgm:effectClrLst/>
-    <dgm:txLinClrLst/>
-    <dgm:txFillClrLst/>
-    <dgm:txEffectClrLst/>
-  </dgm:styleLbl>
-  <dgm:styleLbl name="bgSibTrans2D1">
-    <dgm:fillClrLst meth="repeat">
-      <a:schemeClr val="accent1">
-        <a:tint val="60000"/>
-      </a:schemeClr>
-    </dgm:fillClrLst>
-    <dgm:linClrLst meth="repeat">
-      <a:schemeClr val="accent1">
-        <a:tint val="60000"/>
-      </a:schemeClr>
-    </dgm:linClrLst>
-    <dgm:effectClrLst/>
-    <dgm:txLinClrLst/>
-    <dgm:txFillClrLst/>
-    <dgm:txEffectClrLst/>
-  </dgm:styleLbl>
-  <dgm:styleLbl name="sibTrans1D1">
-    <dgm:fillClrLst meth="repeat">
-      <a:schemeClr val="accent1"/>
-    </dgm:fillClrLst>
-    <dgm:linClrLst meth="repeat">
-      <a:schemeClr val="accent1"/>
-    </dgm:linClrLst>
-    <dgm:effectClrLst/>
-    <dgm:txLinClrLst/>
-    <dgm:txFillClrLst meth="repeat">
-      <a:schemeClr val="tx1"/>
-    </dgm:txFillClrLst>
-    <dgm:txEffectClrLst/>
-  </dgm:styleLbl>
-  <dgm:styleLbl name="callout">
-    <dgm:fillClrLst meth="repeat">
-      <a:schemeClr val="accent1"/>
-    </dgm:fillClrLst>
-    <dgm:linClrLst meth="repeat">
-      <a:schemeClr val="accent1">
-        <a:tint val="50000"/>
-      </a:schemeClr>
-    </dgm:linClrLst>
-    <dgm:effectClrLst/>
-    <dgm:txLinClrLst/>
-    <dgm:txFillClrLst meth="repeat">
-      <a:schemeClr val="tx1"/>
-    </dgm:txFillClrLst>
-    <dgm:txEffectClrLst/>
-  </dgm:styleLbl>
-  <dgm:styleLbl name="asst0">
-    <dgm:fillClrLst meth="repeat">
-      <a:schemeClr val="accent1"/>
-    </dgm:fillClrLst>
-    <dgm:linClrLst meth="repeat">
-      <a:schemeClr val="lt1"/>
-    </dgm:linClrLst>
-    <dgm:effectClrLst/>
-    <dgm:txLinClrLst/>
-    <dgm:txFillClrLst/>
-    <dgm:txEffectClrLst/>
-  </dgm:styleLbl>
-  <dgm:styleLbl name="asst1">
-    <dgm:fillClrLst meth="repeat">
-      <a:schemeClr val="accent1"/>
-    </dgm:fillClrLst>
-    <dgm:linClrLst meth="repeat">
-      <a:schemeClr val="lt1"/>
-    </dgm:linClrLst>
-    <dgm:effectClrLst/>
-    <dgm:txLinClrLst/>
-    <dgm:txFillClrLst/>
-    <dgm:txEffectClrLst/>
-  </dgm:styleLbl>
-  <dgm:styleLbl name="asst2">
-    <dgm:fillClrLst meth="repeat">
-      <a:schemeClr val="accent1"/>
-    </dgm:fillClrLst>
-    <dgm:linClrLst meth="repeat">
-      <a:schemeClr val="lt1"/>
-    </dgm:linClrLst>
-    <dgm:effectClrLst/>
-    <dgm:txLinClrLst/>
-    <dgm:txFillClrLst/>
-    <dgm:txEffectClrLst/>
-  </dgm:styleLbl>
-  <dgm:styleLbl name="asst3">
-    <dgm:fillClrLst meth="repeat">
-      <a:schemeClr val="accent1"/>
-    </dgm:fillClrLst>
-    <dgm:linClrLst meth="repeat">
-      <a:schemeClr val="lt1"/>
-    </dgm:linClrLst>
-    <dgm:effectClrLst/>
-    <dgm:txLinClrLst/>
-    <dgm:txFillClrLst/>
-    <dgm:txEffectClrLst/>
-  </dgm:styleLbl>
-  <dgm:styleLbl name="asst4">
-    <dgm:fillClrLst meth="repeat">
-      <a:schemeClr val="accent1"/>
-    </dgm:fillClrLst>
-    <dgm:linClrLst meth="repeat">
-      <a:schemeClr val="lt1"/>
-    </dgm:linClrLst>
-    <dgm:effectClrLst/>
-    <dgm:txLinClrLst/>
-    <dgm:txFillClrLst/>
-    <dgm:txEffectClrLst/>
-  </dgm:styleLbl>
-  <dgm:styleLbl name="parChTrans2D1">
-    <dgm:fillClrLst meth="repeat">
-      <a:schemeClr val="accent1">
-        <a:tint val="60000"/>
-      </a:schemeClr>
-    </dgm:fillClrLst>
-    <dgm:linClrLst meth="repeat">
-      <a:schemeClr val="accent1">
-        <a:tint val="60000"/>
-      </a:schemeClr>
-    </dgm:linClrLst>
-    <dgm:effectClrLst/>
-    <dgm:txLinClrLst/>
-    <dgm:txFillClrLst meth="repeat">
-      <a:schemeClr val="lt1"/>
-    </dgm:txFillClrLst>
-    <dgm:txEffectClrLst/>
-  </dgm:styleLbl>
-  <dgm:styleLbl name="parChTrans2D2">
-    <dgm:fillClrLst meth="repeat">
-      <a:schemeClr val="accent1"/>
-    </dgm:fillClrLst>
-    <dgm:linClrLst meth="repeat">
-      <a:schemeClr val="accent1"/>
-    </dgm:linClrLst>
-    <dgm:effectClrLst/>
-    <dgm:txLinClrLst/>
-    <dgm:txFillClrLst meth="repeat">
-      <a:schemeClr val="lt1"/>
-    </dgm:txFillClrLst>
-    <dgm:txEffectClrLst/>
-  </dgm:styleLbl>
-  <dgm:styleLbl name="parChTrans2D3">
-    <dgm:fillClrLst meth="repeat">
-      <a:schemeClr val="accent1"/>
-    </dgm:fillClrLst>
-    <dgm:linClrLst meth="repeat">
-      <a:schemeClr val="accent1"/>
-    </dgm:linClrLst>
-    <dgm:effectClrLst/>
-    <dgm:txLinClrLst/>
-    <dgm:txFillClrLst meth="repeat">
-      <a:schemeClr val="lt1"/>
-    </dgm:txFillClrLst>
-    <dgm:txEffectClrLst/>
-  </dgm:styleLbl>
-  <dgm:styleLbl name="parChTrans2D4">
-    <dgm:fillClrLst meth="repeat">
-      <a:schemeClr val="accent1"/>
-    </dgm:fillClrLst>
-    <dgm:linClrLst meth="repeat">
-      <a:schemeClr val="accent1"/>
-    </dgm:linClrLst>
-    <dgm:effectClrLst/>
-    <dgm:txLinClrLst/>
-    <dgm:txFillClrLst meth="repeat">
-      <a:schemeClr val="lt1"/>
-    </dgm:txFillClrLst>
-    <dgm:txEffectClrLst/>
-  </dgm:styleLbl>
-  <dgm:styleLbl name="parChTrans1D1">
-    <dgm:fillClrLst meth="repeat">
-      <a:schemeClr val="accent1"/>
-    </dgm:fillClrLst>
-    <dgm:linClrLst meth="repeat">
-      <a:schemeClr val="accent1">
-        <a:shade val="60000"/>
-      </a:schemeClr>
-    </dgm:linClrLst>
-    <dgm:effectClrLst/>
-    <dgm:txLinClrLst/>
-    <dgm:txFillClrLst meth="repeat">
-      <a:schemeClr val="tx1"/>
-    </dgm:txFillClrLst>
-    <dgm:txEffectClrLst/>
-  </dgm:styleLbl>
-  <dgm:styleLbl name="parChTrans1D2">
-    <dgm:fillClrLst meth="repeat">
-      <a:schemeClr val="accent1"/>
-    </dgm:fillClrLst>
-    <dgm:linClrLst meth="repeat">
-      <a:schemeClr val="accent1">
-        <a:shade val="60000"/>
-      </a:schemeClr>
-    </dgm:linClrLst>
-    <dgm:effectClrLst/>
-    <dgm:txLinClrLst/>
-    <dgm:txFillClrLst meth="repeat">
-      <a:schemeClr val="tx1"/>
-    </dgm:txFillClrLst>
-    <dgm:txEffectClrLst/>
-  </dgm:styleLbl>
-  <dgm:styleLbl name="parChTrans1D3">
-    <dgm:fillClrLst meth="repeat">
-      <a:schemeClr val="accent1"/>
-    </dgm:fillClrLst>
-    <dgm:linClrLst meth="repeat">
-      <a:schemeClr val="accent1">
-        <a:shade val="80000"/>
-      </a:schemeClr>
-    </dgm:linClrLst>
-    <dgm:effectClrLst/>
-    <dgm:txLinClrLst/>
-    <dgm:txFillClrLst meth="repeat">
-      <a:schemeClr val="tx1"/>
-    </dgm:txFillClrLst>
-    <dgm:txEffectClrLst/>
-  </dgm:styleLbl>
-  <dgm:styleLbl name="parChTrans1D4">
-    <dgm:fillClrLst meth="repeat">
-      <a:schemeClr val="accent1"/>
-    </dgm:fillClrLst>
-    <dgm:linClrLst meth="repeat">
-      <a:schemeClr val="accent1">
-        <a:shade val="80000"/>
-      </a:schemeClr>
-    </dgm:linClrLst>
-    <dgm:effectClrLst/>
-    <dgm:txLinClrLst/>
-    <dgm:txFillClrLst meth="repeat">
-      <a:schemeClr val="tx1"/>
-    </dgm:txFillClrLst>
-    <dgm:txEffectClrLst/>
-  </dgm:styleLbl>
-  <dgm:styleLbl name="fgAcc1">
-    <dgm:fillClrLst meth="repeat">
-      <a:schemeClr val="lt1">
-        <a:alpha val="90000"/>
-      </a:schemeClr>
-    </dgm:fillClrLst>
-    <dgm:linClrLst meth="repeat">
-      <a:schemeClr val="accent1"/>
-    </dgm:linClrLst>
-    <dgm:effectClrLst/>
-    <dgm:txLinClrLst/>
-    <dgm:txFillClrLst meth="repeat">
-      <a:schemeClr val="dk1"/>
-    </dgm:txFillClrLst>
-    <dgm:txEffectClrLst/>
-  </dgm:styleLbl>
-  <dgm:styleLbl name="conFgAcc1">
-    <dgm:fillClrLst meth="repeat">
-      <a:schemeClr val="lt1">
-        <a:alpha val="90000"/>
-      </a:schemeClr>
-    </dgm:fillClrLst>
-    <dgm:linClrLst meth="repeat">
-      <a:schemeClr val="accent1"/>
-    </dgm:linClrLst>
-    <dgm:effectClrLst/>
-    <dgm:txLinClrLst/>
-    <dgm:txFillClrLst meth="repeat">
-      <a:schemeClr val="dk1"/>
-    </dgm:txFillClrLst>
-    <dgm:txEffectClrLst/>
-  </dgm:styleLbl>
-  <dgm:styleLbl name="alignAcc1">
-    <dgm:fillClrLst meth="repeat">
-      <a:schemeClr val="lt1">
-        <a:alpha val="90000"/>
-      </a:schemeClr>
-    </dgm:fillClrLst>
-    <dgm:linClrLst meth="repeat">
-      <a:schemeClr val="accent1"/>
-    </dgm:linClrLst>
-    <dgm:effectClrLst/>
-    <dgm:txLinClrLst/>
-    <dgm:txFillClrLst meth="repeat">
-      <a:schemeClr val="dk1"/>
-    </dgm:txFillClrLst>
-    <dgm:txEffectClrLst/>
-  </dgm:styleLbl>
-  <dgm:styleLbl name="trAlignAcc1">
-    <dgm:fillClrLst meth="repeat">
-      <a:schemeClr val="lt1">
-        <a:alpha val="40000"/>
-      </a:schemeClr>
-    </dgm:fillClrLst>
-    <dgm:linClrLst meth="repeat">
-      <a:schemeClr val="accent1"/>
-    </dgm:linClrLst>
-    <dgm:effectClrLst/>
-    <dgm:txLinClrLst/>
-    <dgm:txFillClrLst meth="repeat">
-      <a:schemeClr val="dk1"/>
-    </dgm:txFillClrLst>
-    <dgm:txEffectClrLst/>
-  </dgm:styleLbl>
-  <dgm:styleLbl name="bgAcc1">
-    <dgm:fillClrLst meth="repeat">
-      <a:schemeClr val="lt1">
-        <a:alpha val="90000"/>
-      </a:schemeClr>
-    </dgm:fillClrLst>
-    <dgm:linClrLst meth="repeat">
-      <a:schemeClr val="accent1"/>
-    </dgm:linClrLst>
-    <dgm:effectClrLst/>
-    <dgm:txLinClrLst/>
-    <dgm:txFillClrLst meth="repeat">
-      <a:schemeClr val="dk1"/>
-    </dgm:txFillClrLst>
-    <dgm:txEffectClrLst/>
-  </dgm:styleLbl>
-  <dgm:styleLbl name="solidFgAcc1">
-    <dgm:fillClrLst meth="repeat">
-      <a:schemeClr val="lt1"/>
-    </dgm:fillClrLst>
-    <dgm:linClrLst meth="repeat">
-      <a:schemeClr val="accent1"/>
-    </dgm:linClrLst>
-    <dgm:effectClrLst/>
-    <dgm:txLinClrLst/>
-    <dgm:txFillClrLst meth="repeat">
-      <a:schemeClr val="dk1"/>
-    </dgm:txFillClrLst>
-    <dgm:txEffectClrLst/>
-  </dgm:styleLbl>
-  <dgm:styleLbl name="solidAlignAcc1">
-    <dgm:fillClrLst meth="repeat">
-      <a:schemeClr val="lt1"/>
-    </dgm:fillClrLst>
-    <dgm:linClrLst meth="repeat">
-      <a:schemeClr val="accent1"/>
-    </dgm:linClrLst>
-    <dgm:effectClrLst/>
-    <dgm:txLinClrLst/>
-    <dgm:txFillClrLst meth="repeat">
-      <a:schemeClr val="dk1"/>
-    </dgm:txFillClrLst>
-    <dgm:txEffectClrLst/>
-  </dgm:styleLbl>
-  <dgm:styleLbl name="solidBgAcc1">
-    <dgm:fillClrLst meth="repeat">
-      <a:schemeClr val="lt1"/>
-    </dgm:fillClrLst>
-    <dgm:linClrLst meth="repeat">
-      <a:schemeClr val="accent1"/>
-    </dgm:linClrLst>
-    <dgm:effectClrLst/>
-    <dgm:txLinClrLst/>
-    <dgm:txFillClrLst meth="repeat">
-      <a:schemeClr val="dk1"/>
-    </dgm:txFillClrLst>
-    <dgm:txEffectClrLst/>
-  </dgm:styleLbl>
-  <dgm:styleLbl name="fgAccFollowNode1">
-    <dgm:fillClrLst meth="repeat">
-      <a:schemeClr val="accent1">
-        <a:alpha val="90000"/>
-        <a:tint val="40000"/>
-      </a:schemeClr>
-    </dgm:fillClrLst>
-    <dgm:linClrLst meth="repeat">
-      <a:schemeClr val="accent1">
-        <a:alpha val="90000"/>
-        <a:tint val="40000"/>
-      </a:schemeClr>
-    </dgm:linClrLst>
-    <dgm:effectClrLst/>
-    <dgm:txLinClrLst/>
-    <dgm:txFillClrLst meth="repeat">
-      <a:schemeClr val="dk1"/>
-    </dgm:txFillClrLst>
-    <dgm:txEffectClrLst/>
-  </dgm:styleLbl>
-  <dgm:styleLbl name="alignAccFollowNode1">
-    <dgm:fillClrLst meth="repeat">
-      <a:schemeClr val="accent1">
-        <a:alpha val="90000"/>
-        <a:tint val="40000"/>
-      </a:schemeClr>
-    </dgm:fillClrLst>
-    <dgm:linClrLst meth="repeat">
-      <a:schemeClr val="accent1">
-        <a:alpha val="90000"/>
-        <a:tint val="40000"/>
-      </a:schemeClr>
-    </dgm:linClrLst>
-    <dgm:effectClrLst/>
-    <dgm:txLinClrLst/>
-    <dgm:txFillClrLst meth="repeat">
-      <a:schemeClr val="dk1"/>
-    </dgm:txFillClrLst>
-    <dgm:txEffectClrLst/>
-  </dgm:styleLbl>
-  <dgm:styleLbl name="bgAccFollowNode1">
-    <dgm:fillClrLst meth="repeat">
-      <a:schemeClr val="accent1">
-        <a:alpha val="90000"/>
-        <a:tint val="40000"/>
-      </a:schemeClr>
-    </dgm:fillClrLst>
-    <dgm:linClrLst meth="repeat">
-      <a:schemeClr val="accent1">
-        <a:alpha val="90000"/>
-        <a:tint val="40000"/>
-      </a:schemeClr>
-    </dgm:linClrLst>
-    <dgm:effectClrLst/>
-    <dgm:txLinClrLst/>
-    <dgm:txFillClrLst meth="repeat">
-      <a:schemeClr val="dk1"/>
-    </dgm:txFillClrLst>
-    <dgm:txEffectClrLst/>
-  </dgm:styleLbl>
-  <dgm:styleLbl name="fgAcc0">
-    <dgm:fillClrLst meth="repeat">
-      <a:schemeClr val="lt1">
-        <a:alpha val="90000"/>
-      </a:schemeClr>
-    </dgm:fillClrLst>
-    <dgm:linClrLst meth="repeat">
-      <a:schemeClr val="accent1"/>
-    </dgm:linClrLst>
-    <dgm:effectClrLst/>
-    <dgm:txLinClrLst/>
-    <dgm:txFillClrLst meth="repeat">
-      <a:schemeClr val="dk1"/>
-    </dgm:txFillClrLst>
-    <dgm:txEffectClrLst/>
-  </dgm:styleLbl>
-  <dgm:styleLbl name="fgAcc2">
-    <dgm:fillClrLst meth="repeat">
-      <a:schemeClr val="lt1">
-        <a:alpha val="90000"/>
-      </a:schemeClr>
-    </dgm:fillClrLst>
-    <dgm:linClrLst meth="repeat">
-      <a:schemeClr val="accent1"/>
-    </dgm:linClrLst>
-    <dgm:effectClrLst/>
-    <dgm:txLinClrLst/>
-    <dgm:txFillClrLst meth="repeat">
-      <a:schemeClr val="dk1"/>
-    </dgm:txFillClrLst>
-    <dgm:txEffectClrLst/>
-  </dgm:styleLbl>
-  <dgm:styleLbl name="fgAcc3">
-    <dgm:fillClrLst meth="repeat">
-      <a:schemeClr val="lt1">
-        <a:alpha val="90000"/>
-      </a:schemeClr>
-    </dgm:fillClrLst>
-    <dgm:linClrLst meth="repeat">
-      <a:schemeClr val="accent1"/>
-    </dgm:linClrLst>
-    <dgm:effectClrLst/>
-    <dgm:txLinClrLst/>
-    <dgm:txFillClrLst meth="repeat">
-      <a:schemeClr val="dk1"/>
-    </dgm:txFillClrLst>
-    <dgm:txEffectClrLst/>
-  </dgm:styleLbl>
-  <dgm:styleLbl name="fgAcc4">
-    <dgm:fillClrLst meth="repeat">
-      <a:schemeClr val="lt1">
-        <a:alpha val="90000"/>
-      </a:schemeClr>
-    </dgm:fillClrLst>
-    <dgm:linClrLst meth="repeat">
-      <a:schemeClr val="accent1"/>
-    </dgm:linClrLst>
-    <dgm:effectClrLst/>
-    <dgm:txLinClrLst/>
-    <dgm:txFillClrLst meth="repeat">
-      <a:schemeClr val="dk1"/>
-    </dgm:txFillClrLst>
-    <dgm:txEffectClrLst/>
-  </dgm:styleLbl>
-  <dgm:styleLbl name="bgShp">
-    <dgm:fillClrLst meth="repeat">
-      <a:schemeClr val="accent1">
-        <a:tint val="40000"/>
-      </a:schemeClr>
-    </dgm:fillClrLst>
-    <dgm:linClrLst meth="repeat">
-      <a:schemeClr val="accent1"/>
-    </dgm:linClrLst>
-    <dgm:effectClrLst/>
-    <dgm:txLinClrLst/>
-    <dgm:txFillClrLst meth="repeat">
-      <a:schemeClr val="dk1"/>
-    </dgm:txFillClrLst>
-    <dgm:txEffectClrLst/>
-  </dgm:styleLbl>
-  <dgm:styleLbl name="dkBgShp">
-    <dgm:fillClrLst meth="repeat">
-      <a:schemeClr val="accent1">
-        <a:shade val="80000"/>
-      </a:schemeClr>
-    </dgm:fillClrLst>
-    <dgm:linClrLst meth="repeat">
-      <a:schemeClr val="accent1"/>
-    </dgm:linClrLst>
-    <dgm:effectClrLst/>
-    <dgm:txLinClrLst/>
-    <dgm:txFillClrLst meth="repeat">
-      <a:schemeClr val="lt1"/>
-    </dgm:txFillClrLst>
-    <dgm:txEffectClrLst/>
-  </dgm:styleLbl>
-  <dgm:styleLbl name="trBgShp">
-    <dgm:fillClrLst meth="repeat">
-      <a:schemeClr val="accent1">
-        <a:tint val="50000"/>
-        <a:alpha val="40000"/>
-      </a:schemeClr>
-    </dgm:fillClrLst>
-    <dgm:linClrLst meth="repeat">
-      <a:schemeClr val="accent1"/>
-    </dgm:linClrLst>
-    <dgm:effectClrLst/>
-    <dgm:txLinClrLst/>
-    <dgm:txFillClrLst meth="repeat">
-      <a:schemeClr val="lt1"/>
-    </dgm:txFillClrLst>
-    <dgm:txEffectClrLst/>
-  </dgm:styleLbl>
-  <dgm:styleLbl name="fgShp">
-    <dgm:fillClrLst meth="repeat">
-      <a:schemeClr val="accent1">
-        <a:tint val="60000"/>
-      </a:schemeClr>
-    </dgm:fillClrLst>
-    <dgm:linClrLst meth="repeat">
-      <a:schemeClr val="lt1"/>
-    </dgm:linClrLst>
-    <dgm:effectClrLst/>
-    <dgm:txLinClrLst/>
-    <dgm:txFillClrLst meth="repeat">
-      <a:schemeClr val="dk1"/>
-    </dgm:txFillClrLst>
-    <dgm:txEffectClrLst/>
-  </dgm:styleLbl>
-  <dgm:styleLbl name="revTx">
-    <dgm:fillClrLst meth="repeat">
-      <a:schemeClr val="lt1">
-        <a:alpha val="0"/>
-      </a:schemeClr>
-    </dgm:fillClrLst>
-    <dgm:linClrLst meth="repeat">
-      <a:schemeClr val="dk1">
-        <a:alpha val="0"/>
-      </a:schemeClr>
-    </dgm:linClrLst>
-    <dgm:effectClrLst/>
-    <dgm:txLinClrLst/>
-    <dgm:txFillClrLst meth="repeat">
-      <a:schemeClr val="tx1"/>
-    </dgm:txFillClrLst>
-    <dgm:txEffectClrLst/>
-  </dgm:styleLbl>
-</dgm:colorsDef>
-</file>
-
-<file path=ppt/diagrams/data1.xml><?xml version="1.0" encoding="utf-8"?>
-<dgm:dataModel xmlns:dgm="http://schemas.openxmlformats.org/drawingml/2006/diagram" xmlns:a="http://schemas.openxmlformats.org/drawingml/2006/main">
-  <dgm:ptLst>
-    <dgm:pt modelId="{0DD8915E-DC14-41D6-9BB5-F49E1C265163}" type="doc">
-      <dgm:prSet loTypeId="urn:microsoft.com/office/officeart/2016/7/layout/HorizontalActionList" loCatId="list" qsTypeId="urn:microsoft.com/office/officeart/2005/8/quickstyle/simple1" qsCatId="simple" csTypeId="urn:microsoft.com/office/officeart/2005/8/colors/accent1_2" csCatId="accent1" phldr="1"/>
-      <dgm:spPr/>
-      <dgm:t>
-        <a:bodyPr/>
-        <a:lstStyle/>
-        <a:p>
-          <a:endParaRPr lang="en-US"/>
-        </a:p>
-      </dgm:t>
-    </dgm:pt>
-    <dgm:pt modelId="{8FE81FEC-2664-411F-AEB3-065F29F52751}">
-      <dgm:prSet custT="1"/>
-      <dgm:spPr/>
-      <dgm:t>
-        <a:bodyPr lIns="182880" tIns="182880" rIns="182880" bIns="182880"/>
-        <a:lstStyle/>
-        <a:p>
-          <a:pPr marL="0" lvl="0" indent="0" algn="l" defTabSz="666750" rtl="0">
-            <a:lnSpc>
-              <a:spcPct val="100000"/>
-            </a:lnSpc>
-            <a:spcBef>
-              <a:spcPct val="0"/>
-            </a:spcBef>
-            <a:spcAft>
-              <a:spcPct val="35000"/>
-            </a:spcAft>
-            <a:buNone/>
-          </a:pPr>
-          <a:r>
-            <a:rPr lang="en-US" sz="1400" kern="1200" spc="50" baseline="0" dirty="0">
-              <a:solidFill>
-                <a:prstClr val="black">
-                  <a:hueOff val="0"/>
-                  <a:satOff val="0"/>
-                  <a:lumOff val="0"/>
-                  <a:alphaOff val="0"/>
-                </a:prstClr>
-              </a:solidFill>
-              <a:latin typeface="Tenorite"/>
-              <a:ea typeface="+mn-ea"/>
-              <a:cs typeface="+mn-cs"/>
-            </a:rPr>
-            <a:t>Deploy strategic networks with compelling e-business needs</a:t>
-          </a:r>
-        </a:p>
-      </dgm:t>
-    </dgm:pt>
-    <dgm:pt modelId="{BCBC007E-0269-421B-9C41-DE26D5C3A822}" type="parTrans" cxnId="{711E093C-AD42-45A4-8D40-A2D39702062E}">
-      <dgm:prSet/>
-      <dgm:spPr/>
-      <dgm:t>
-        <a:bodyPr/>
-        <a:lstStyle/>
-        <a:p>
-          <a:endParaRPr lang="en-US">
-            <a:latin typeface="+mn-lt"/>
-          </a:endParaRPr>
-        </a:p>
-      </dgm:t>
-    </dgm:pt>
-    <dgm:pt modelId="{80230EB7-7230-4881-A631-309C07417378}" type="sibTrans" cxnId="{711E093C-AD42-45A4-8D40-A2D39702062E}">
-      <dgm:prSet/>
-      <dgm:spPr/>
-      <dgm:t>
-        <a:bodyPr/>
-        <a:lstStyle/>
-        <a:p>
-          <a:endParaRPr lang="en-US">
-            <a:latin typeface="+mn-lt"/>
-          </a:endParaRPr>
-        </a:p>
-      </dgm:t>
-    </dgm:pt>
-    <dgm:pt modelId="{73D947E0-108F-4D20-A71E-3CF329F97212}">
-      <dgm:prSet phldr="0" custT="1"/>
-      <dgm:spPr/>
-      <dgm:t>
-        <a:bodyPr/>
-        <a:lstStyle/>
-        <a:p>
-          <a:pPr marL="0" indent="0" algn="ctr" defTabSz="914400" rtl="0" eaLnBrk="1" latinLnBrk="0" hangingPunct="1">
-            <a:lnSpc>
-              <a:spcPct val="90000"/>
-            </a:lnSpc>
-            <a:spcBef>
-              <a:spcPts val="1000"/>
-            </a:spcBef>
-            <a:buFont typeface="Arial" panose="020B0604020202020204" pitchFamily="34" charset="0"/>
-            <a:buNone/>
-          </a:pPr>
-          <a:r>
-            <a:rPr lang="en-US" sz="1600" kern="1200" spc="150" baseline="0" dirty="0">
-              <a:solidFill>
-                <a:schemeClr val="tx1"/>
-              </a:solidFill>
-              <a:latin typeface="+mj-lt"/>
-              <a:ea typeface="+mj-ea"/>
-              <a:cs typeface="+mj-cs"/>
-            </a:rPr>
-            <a:t>PLANNING</a:t>
-          </a:r>
-        </a:p>
-      </dgm:t>
-    </dgm:pt>
-    <dgm:pt modelId="{9D249532-A24D-4D8F-848A-9F42F2E486C9}" type="parTrans" cxnId="{A0077D09-C12C-46D0-8DF7-194B6911362A}">
-      <dgm:prSet/>
-      <dgm:spPr/>
-      <dgm:t>
-        <a:bodyPr/>
-        <a:lstStyle/>
-        <a:p>
-          <a:endParaRPr lang="en-US">
-            <a:latin typeface="+mn-lt"/>
-          </a:endParaRPr>
-        </a:p>
-      </dgm:t>
-    </dgm:pt>
-    <dgm:pt modelId="{AE813459-65AB-4FA9-B717-330DDA6DFA4E}" type="sibTrans" cxnId="{A0077D09-C12C-46D0-8DF7-194B6911362A}">
-      <dgm:prSet/>
-      <dgm:spPr/>
-      <dgm:t>
-        <a:bodyPr/>
-        <a:lstStyle/>
-        <a:p>
-          <a:endParaRPr lang="en-US">
-            <a:latin typeface="+mn-lt"/>
-          </a:endParaRPr>
-        </a:p>
-      </dgm:t>
-    </dgm:pt>
-    <dgm:pt modelId="{30A490C8-22B4-4D68-875C-0F0DE2FF864D}">
-      <dgm:prSet phldr="0" custT="1"/>
-      <dgm:spPr/>
-      <dgm:t>
-        <a:bodyPr/>
-        <a:lstStyle/>
-        <a:p>
-          <a:pPr marL="0">
-            <a:lnSpc>
-              <a:spcPct val="100000"/>
-            </a:lnSpc>
-          </a:pPr>
-          <a:r>
-            <a:rPr lang="en-US" sz="1400" spc="50" baseline="0" dirty="0">
-              <a:latin typeface="+mn-lt"/>
-            </a:rPr>
-            <a:t>Synergize scalable e-commerce</a:t>
-          </a:r>
-        </a:p>
-      </dgm:t>
-    </dgm:pt>
-    <dgm:pt modelId="{035C64B0-4F0C-4FD1-BD23-B1D4C9887CBE}" type="parTrans" cxnId="{381FE1CC-8184-4745-8EB3-6DE11655998D}">
-      <dgm:prSet/>
-      <dgm:spPr/>
-      <dgm:t>
-        <a:bodyPr/>
-        <a:lstStyle/>
-        <a:p>
-          <a:endParaRPr lang="en-US">
-            <a:latin typeface="+mn-lt"/>
-          </a:endParaRPr>
-        </a:p>
-      </dgm:t>
-    </dgm:pt>
-    <dgm:pt modelId="{45495DA8-8707-41E3-A12B-FA5766269C44}" type="sibTrans" cxnId="{381FE1CC-8184-4745-8EB3-6DE11655998D}">
-      <dgm:prSet/>
-      <dgm:spPr/>
-      <dgm:t>
-        <a:bodyPr/>
-        <a:lstStyle/>
-        <a:p>
-          <a:endParaRPr lang="en-US">
-            <a:latin typeface="+mn-lt"/>
-          </a:endParaRPr>
-        </a:p>
-      </dgm:t>
-    </dgm:pt>
-    <dgm:pt modelId="{B1AFA1AF-0FF8-45B3-A6D0-0E255A2F637D}">
-      <dgm:prSet phldr="0" custT="1"/>
-      <dgm:spPr/>
-      <dgm:t>
-        <a:bodyPr/>
-        <a:lstStyle/>
-        <a:p>
-          <a:pPr marL="0"/>
-          <a:r>
-            <a:rPr lang="en-US" sz="1600" kern="1200" spc="150" baseline="0" dirty="0">
-              <a:solidFill>
-                <a:prstClr val="black"/>
-              </a:solidFill>
-              <a:latin typeface="Tenorite"/>
-              <a:ea typeface="+mn-ea"/>
-              <a:cs typeface="+mn-cs"/>
-            </a:rPr>
-            <a:t>MARKETING</a:t>
-          </a:r>
-        </a:p>
-      </dgm:t>
-    </dgm:pt>
-    <dgm:pt modelId="{10C68AF5-481C-45AA-A216-8BBBB04515B9}" type="parTrans" cxnId="{F28D7702-2FC3-49BD-BB13-C989E5EE622A}">
-      <dgm:prSet/>
-      <dgm:spPr/>
-      <dgm:t>
-        <a:bodyPr/>
-        <a:lstStyle/>
-        <a:p>
-          <a:endParaRPr lang="en-US">
-            <a:latin typeface="+mn-lt"/>
-          </a:endParaRPr>
-        </a:p>
-      </dgm:t>
-    </dgm:pt>
-    <dgm:pt modelId="{88649F7A-400B-4056-965D-C9AC0B3AD942}" type="sibTrans" cxnId="{F28D7702-2FC3-49BD-BB13-C989E5EE622A}">
-      <dgm:prSet/>
-      <dgm:spPr/>
-      <dgm:t>
-        <a:bodyPr/>
-        <a:lstStyle/>
-        <a:p>
-          <a:endParaRPr lang="en-US">
-            <a:latin typeface="+mn-lt"/>
-          </a:endParaRPr>
-        </a:p>
-      </dgm:t>
-    </dgm:pt>
-    <dgm:pt modelId="{50418D2B-9486-42DE-AFDD-1D31420040FF}">
-      <dgm:prSet phldr="0" custT="1"/>
-      <dgm:spPr/>
-      <dgm:t>
-        <a:bodyPr/>
-        <a:lstStyle/>
-        <a:p>
-          <a:pPr marL="0">
-            <a:lnSpc>
-              <a:spcPct val="100000"/>
-            </a:lnSpc>
-          </a:pPr>
-          <a:r>
-            <a:rPr lang="en-US" sz="1400" spc="50" baseline="0" dirty="0">
-              <a:latin typeface="+mn-lt"/>
-            </a:rPr>
-            <a:t>Disseminate standardized metrics</a:t>
-          </a:r>
-        </a:p>
-      </dgm:t>
-    </dgm:pt>
-    <dgm:pt modelId="{D5A17F6B-93F5-442B-938A-0F38C281BE88}" type="parTrans" cxnId="{5A5BA622-5DEB-48B9-88D9-C1DE36C711E5}">
-      <dgm:prSet/>
-      <dgm:spPr/>
-      <dgm:t>
-        <a:bodyPr/>
-        <a:lstStyle/>
-        <a:p>
-          <a:endParaRPr lang="en-US">
-            <a:latin typeface="+mn-lt"/>
-          </a:endParaRPr>
-        </a:p>
-      </dgm:t>
-    </dgm:pt>
-    <dgm:pt modelId="{1D87A0A5-8024-4710-846B-D5BFAC785107}" type="sibTrans" cxnId="{5A5BA622-5DEB-48B9-88D9-C1DE36C711E5}">
-      <dgm:prSet/>
-      <dgm:spPr/>
-      <dgm:t>
-        <a:bodyPr/>
-        <a:lstStyle/>
-        <a:p>
-          <a:endParaRPr lang="en-US">
-            <a:latin typeface="+mn-lt"/>
-          </a:endParaRPr>
-        </a:p>
-      </dgm:t>
-    </dgm:pt>
-    <dgm:pt modelId="{E9682B4F-0217-4B50-923E-C104AA24290F}">
-      <dgm:prSet phldr="0" custT="1"/>
-      <dgm:spPr/>
-      <dgm:t>
-        <a:bodyPr/>
-        <a:lstStyle/>
-        <a:p>
-          <a:pPr marL="0" lvl="0" indent="0" algn="ctr" defTabSz="889000">
-            <a:lnSpc>
-              <a:spcPct val="90000"/>
-            </a:lnSpc>
-            <a:spcBef>
-              <a:spcPct val="0"/>
-            </a:spcBef>
-            <a:spcAft>
-              <a:spcPct val="35000"/>
-            </a:spcAft>
-            <a:buNone/>
-          </a:pPr>
-          <a:r>
-            <a:rPr lang="en-US" sz="1600" kern="1200" spc="150" baseline="0" dirty="0">
-              <a:solidFill>
-                <a:prstClr val="black"/>
-              </a:solidFill>
-              <a:latin typeface="Tenorite"/>
-              <a:ea typeface="+mn-ea"/>
-              <a:cs typeface="+mn-cs"/>
-            </a:rPr>
-            <a:t>DESIGN</a:t>
-          </a:r>
-        </a:p>
-      </dgm:t>
-    </dgm:pt>
-    <dgm:pt modelId="{E0F6C4AF-9BBB-4698-91D7-F9AE3EACBD5D}" type="parTrans" cxnId="{6C23D0C9-74B2-4C8B-AB2F-A03B3B0EBE56}">
-      <dgm:prSet/>
-      <dgm:spPr/>
-      <dgm:t>
-        <a:bodyPr/>
-        <a:lstStyle/>
-        <a:p>
-          <a:endParaRPr lang="en-US">
-            <a:latin typeface="+mn-lt"/>
-          </a:endParaRPr>
-        </a:p>
-      </dgm:t>
-    </dgm:pt>
-    <dgm:pt modelId="{B8632E42-D7EB-4C31-877E-6F1B2801851A}" type="sibTrans" cxnId="{6C23D0C9-74B2-4C8B-AB2F-A03B3B0EBE56}">
-      <dgm:prSet/>
-      <dgm:spPr/>
-      <dgm:t>
-        <a:bodyPr/>
-        <a:lstStyle/>
-        <a:p>
-          <a:endParaRPr lang="en-US">
-            <a:latin typeface="+mn-lt"/>
-          </a:endParaRPr>
-        </a:p>
-      </dgm:t>
-    </dgm:pt>
-    <dgm:pt modelId="{0EC0C300-11E4-45CF-8418-973585107209}">
-      <dgm:prSet phldr="0" custT="1"/>
-      <dgm:spPr/>
-      <dgm:t>
-        <a:bodyPr/>
-        <a:lstStyle/>
-        <a:p>
-          <a:pPr marL="0" lvl="0" indent="0" algn="l" defTabSz="666750">
-            <a:lnSpc>
-              <a:spcPct val="100000"/>
-            </a:lnSpc>
-            <a:spcBef>
-              <a:spcPct val="0"/>
-            </a:spcBef>
-            <a:spcAft>
-              <a:spcPct val="35000"/>
-            </a:spcAft>
-            <a:buNone/>
-          </a:pPr>
-          <a:r>
-            <a:rPr lang="en-US" sz="1400" kern="1200" spc="50" baseline="0" dirty="0">
-              <a:solidFill>
-                <a:prstClr val="black">
-                  <a:hueOff val="0"/>
-                  <a:satOff val="0"/>
-                  <a:lumOff val="0"/>
-                  <a:alphaOff val="0"/>
-                </a:prstClr>
-              </a:solidFill>
-              <a:latin typeface="Tenorite"/>
-              <a:ea typeface="+mn-ea"/>
-              <a:cs typeface="+mn-cs"/>
-            </a:rPr>
-            <a:t>Coordinate e-business applications</a:t>
-          </a:r>
-        </a:p>
-      </dgm:t>
-    </dgm:pt>
-    <dgm:pt modelId="{1E4DD98E-100E-46B7-B24A-408BBF69E9FA}" type="parTrans" cxnId="{51563A4F-C0EB-47D6-B5BC-47A4E599AD4B}">
-      <dgm:prSet/>
-      <dgm:spPr/>
-      <dgm:t>
-        <a:bodyPr/>
-        <a:lstStyle/>
-        <a:p>
-          <a:endParaRPr lang="en-US">
-            <a:latin typeface="+mn-lt"/>
-          </a:endParaRPr>
-        </a:p>
-      </dgm:t>
-    </dgm:pt>
-    <dgm:pt modelId="{90FAB5D1-62B3-4FF6-A07D-EE607F529C32}" type="sibTrans" cxnId="{51563A4F-C0EB-47D6-B5BC-47A4E599AD4B}">
-      <dgm:prSet/>
-      <dgm:spPr/>
-      <dgm:t>
-        <a:bodyPr/>
-        <a:lstStyle/>
-        <a:p>
-          <a:endParaRPr lang="en-US">
-            <a:latin typeface="+mn-lt"/>
-          </a:endParaRPr>
-        </a:p>
-      </dgm:t>
-    </dgm:pt>
-    <dgm:pt modelId="{FEB4A941-E9FA-4A86-A673-85FF34B35F20}">
-      <dgm:prSet phldr="0" custT="1"/>
-      <dgm:spPr/>
-      <dgm:t>
-        <a:bodyPr/>
-        <a:lstStyle/>
-        <a:p>
-          <a:pPr marL="0" lvl="0" indent="0" algn="l" defTabSz="666750" rtl="0">
-            <a:lnSpc>
-              <a:spcPct val="100000"/>
-            </a:lnSpc>
-            <a:spcBef>
-              <a:spcPct val="0"/>
-            </a:spcBef>
-            <a:spcAft>
-              <a:spcPct val="35000"/>
-            </a:spcAft>
-            <a:buNone/>
-          </a:pPr>
-          <a:r>
-            <a:rPr lang="en-US" sz="1400" kern="1200" spc="50" baseline="0" dirty="0">
-              <a:solidFill>
-                <a:prstClr val="black">
-                  <a:hueOff val="0"/>
-                  <a:satOff val="0"/>
-                  <a:lumOff val="0"/>
-                  <a:alphaOff val="0"/>
-                </a:prstClr>
-              </a:solidFill>
-              <a:latin typeface="Tenorite"/>
-              <a:ea typeface="+mn-ea"/>
-              <a:cs typeface="+mn-cs"/>
-            </a:rPr>
-            <a:t>Foster holistically superior methodologies</a:t>
-          </a:r>
-        </a:p>
-      </dgm:t>
-    </dgm:pt>
-    <dgm:pt modelId="{39522508-BC4E-4DD5-A744-AFEFFE36DB74}" type="parTrans" cxnId="{F942F56C-9025-4AA1-9B36-C5AE0A93B0F5}">
-      <dgm:prSet/>
-      <dgm:spPr/>
-      <dgm:t>
-        <a:bodyPr/>
-        <a:lstStyle/>
-        <a:p>
-          <a:endParaRPr lang="en-US">
-            <a:latin typeface="+mn-lt"/>
-          </a:endParaRPr>
-        </a:p>
-      </dgm:t>
-    </dgm:pt>
-    <dgm:pt modelId="{97624CC8-6315-4683-B26C-C30D552DA5A6}" type="sibTrans" cxnId="{F942F56C-9025-4AA1-9B36-C5AE0A93B0F5}">
-      <dgm:prSet/>
-      <dgm:spPr/>
-      <dgm:t>
-        <a:bodyPr/>
-        <a:lstStyle/>
-        <a:p>
-          <a:endParaRPr lang="en-US">
-            <a:latin typeface="+mn-lt"/>
-          </a:endParaRPr>
-        </a:p>
-      </dgm:t>
-    </dgm:pt>
-    <dgm:pt modelId="{A2322D3A-7AC2-4C5C-9D7E-EAB2313D47D4}">
-      <dgm:prSet phldr="0" custT="1"/>
-      <dgm:spPr/>
-      <dgm:t>
-        <a:bodyPr/>
-        <a:lstStyle/>
-        <a:p>
-          <a:pPr marL="0" lvl="0" indent="0" algn="ctr" defTabSz="889000">
-            <a:lnSpc>
-              <a:spcPct val="90000"/>
-            </a:lnSpc>
-            <a:spcBef>
-              <a:spcPct val="0"/>
-            </a:spcBef>
-            <a:spcAft>
-              <a:spcPct val="35000"/>
-            </a:spcAft>
-            <a:buNone/>
-          </a:pPr>
-          <a:r>
-            <a:rPr lang="en-US" sz="1600" kern="1200" spc="150" baseline="0" dirty="0">
-              <a:solidFill>
-                <a:prstClr val="black"/>
-              </a:solidFill>
-              <a:latin typeface="Tenorite"/>
-              <a:ea typeface="+mn-ea"/>
-              <a:cs typeface="+mn-cs"/>
-            </a:rPr>
-            <a:t>LAUNCH</a:t>
-          </a:r>
-        </a:p>
-      </dgm:t>
-    </dgm:pt>
-    <dgm:pt modelId="{4A8C15D4-B36F-4764-B4FF-F2AF790D3E17}" type="parTrans" cxnId="{179FAFCF-F878-464E-A8A6-1185EFA0E380}">
-      <dgm:prSet/>
-      <dgm:spPr/>
-      <dgm:t>
-        <a:bodyPr/>
-        <a:lstStyle/>
-        <a:p>
-          <a:endParaRPr lang="en-US">
-            <a:latin typeface="+mn-lt"/>
-          </a:endParaRPr>
-        </a:p>
-      </dgm:t>
-    </dgm:pt>
-    <dgm:pt modelId="{84DE1C3A-3FC7-4DB3-88ED-33F65A71557A}" type="sibTrans" cxnId="{179FAFCF-F878-464E-A8A6-1185EFA0E380}">
-      <dgm:prSet/>
-      <dgm:spPr/>
-      <dgm:t>
-        <a:bodyPr/>
-        <a:lstStyle/>
-        <a:p>
-          <a:endParaRPr lang="en-US">
-            <a:latin typeface="+mn-lt"/>
-          </a:endParaRPr>
-        </a:p>
-      </dgm:t>
-    </dgm:pt>
-    <dgm:pt modelId="{4F85505A-81B6-4FDA-A144-900B71DAD946}">
-      <dgm:prSet phldr="0" custT="1"/>
-      <dgm:spPr/>
-      <dgm:t>
-        <a:bodyPr/>
-        <a:lstStyle/>
-        <a:p>
-          <a:pPr marL="0"/>
-          <a:r>
-            <a:rPr lang="en-US" sz="1600" kern="1200" spc="150" baseline="0" dirty="0">
-              <a:solidFill>
-                <a:prstClr val="black"/>
-              </a:solidFill>
-              <a:latin typeface="Tenorite"/>
-              <a:ea typeface="+mn-ea"/>
-              <a:cs typeface="+mn-cs"/>
-            </a:rPr>
-            <a:t>STRATEGY</a:t>
-          </a:r>
-        </a:p>
-      </dgm:t>
-    </dgm:pt>
-    <dgm:pt modelId="{D9A96E25-7BBE-4DDD-8DDE-B4970D4340A8}" type="parTrans" cxnId="{2D633B56-E147-4EFC-B9EE-6C0413F329B0}">
-      <dgm:prSet/>
-      <dgm:spPr/>
-      <dgm:t>
-        <a:bodyPr/>
-        <a:lstStyle/>
-        <a:p>
-          <a:endParaRPr lang="en-US">
-            <a:latin typeface="+mn-lt"/>
-          </a:endParaRPr>
-        </a:p>
-      </dgm:t>
-    </dgm:pt>
-    <dgm:pt modelId="{68F74A88-49DC-44B1-BC0D-220A7B97601C}" type="sibTrans" cxnId="{2D633B56-E147-4EFC-B9EE-6C0413F329B0}">
-      <dgm:prSet/>
-      <dgm:spPr/>
-      <dgm:t>
-        <a:bodyPr/>
-        <a:lstStyle/>
-        <a:p>
-          <a:endParaRPr lang="en-US">
-            <a:latin typeface="+mn-lt"/>
-          </a:endParaRPr>
-        </a:p>
-      </dgm:t>
-    </dgm:pt>
-    <dgm:pt modelId="{E4B4F7C4-5024-45F0-9FD7-C5068A1AE6C4}" type="pres">
-      <dgm:prSet presAssocID="{0DD8915E-DC14-41D6-9BB5-F49E1C265163}" presName="Name0" presStyleCnt="0">
-        <dgm:presLayoutVars>
-          <dgm:dir/>
-          <dgm:animLvl val="lvl"/>
-          <dgm:resizeHandles val="exact"/>
-        </dgm:presLayoutVars>
-      </dgm:prSet>
-      <dgm:spPr/>
-    </dgm:pt>
-    <dgm:pt modelId="{473E2436-1BC1-4A6C-8568-5C38418F52D1}" type="pres">
-      <dgm:prSet presAssocID="{73D947E0-108F-4D20-A71E-3CF329F97212}" presName="composite" presStyleCnt="0"/>
-      <dgm:spPr/>
-    </dgm:pt>
-    <dgm:pt modelId="{BDBD7220-3F85-45D2-BED6-5BBFBC23EAE3}" type="pres">
-      <dgm:prSet presAssocID="{73D947E0-108F-4D20-A71E-3CF329F97212}" presName="parTx" presStyleLbl="alignNode1" presStyleIdx="0" presStyleCnt="5">
-        <dgm:presLayoutVars>
-          <dgm:chMax val="0"/>
-          <dgm:chPref val="0"/>
-        </dgm:presLayoutVars>
-      </dgm:prSet>
-      <dgm:spPr/>
-    </dgm:pt>
-    <dgm:pt modelId="{22359DD7-1BFB-4900-BAE6-6084F2F57988}" type="pres">
-      <dgm:prSet presAssocID="{73D947E0-108F-4D20-A71E-3CF329F97212}" presName="desTx" presStyleLbl="alignAccFollowNode1" presStyleIdx="0" presStyleCnt="5">
-        <dgm:presLayoutVars/>
-      </dgm:prSet>
-      <dgm:spPr/>
-    </dgm:pt>
-    <dgm:pt modelId="{38C65349-0C40-499F-9765-B6F38C2DC3C3}" type="pres">
-      <dgm:prSet presAssocID="{AE813459-65AB-4FA9-B717-330DDA6DFA4E}" presName="space" presStyleCnt="0"/>
-      <dgm:spPr/>
-    </dgm:pt>
-    <dgm:pt modelId="{C6650FDC-3601-45F5-9125-6E3F90A53F8A}" type="pres">
-      <dgm:prSet presAssocID="{B1AFA1AF-0FF8-45B3-A6D0-0E255A2F637D}" presName="composite" presStyleCnt="0"/>
-      <dgm:spPr/>
-    </dgm:pt>
-    <dgm:pt modelId="{C4F84DEA-2002-4D32-8E80-70EEE05E345A}" type="pres">
-      <dgm:prSet presAssocID="{B1AFA1AF-0FF8-45B3-A6D0-0E255A2F637D}" presName="parTx" presStyleLbl="alignNode1" presStyleIdx="1" presStyleCnt="5">
-        <dgm:presLayoutVars>
-          <dgm:chMax val="0"/>
-          <dgm:chPref val="0"/>
-        </dgm:presLayoutVars>
-      </dgm:prSet>
-      <dgm:spPr/>
-    </dgm:pt>
-    <dgm:pt modelId="{4FEB85EB-D046-4CDB-8A62-BBCE260C4490}" type="pres">
-      <dgm:prSet presAssocID="{B1AFA1AF-0FF8-45B3-A6D0-0E255A2F637D}" presName="desTx" presStyleLbl="alignAccFollowNode1" presStyleIdx="1" presStyleCnt="5">
-        <dgm:presLayoutVars/>
-      </dgm:prSet>
-      <dgm:spPr/>
-    </dgm:pt>
-    <dgm:pt modelId="{40F59683-723F-44D1-8379-95635EED1AA8}" type="pres">
-      <dgm:prSet presAssocID="{88649F7A-400B-4056-965D-C9AC0B3AD942}" presName="space" presStyleCnt="0"/>
-      <dgm:spPr/>
-    </dgm:pt>
-    <dgm:pt modelId="{BB2E4F65-C461-40C3-BC82-6A29AA851F44}" type="pres">
-      <dgm:prSet presAssocID="{E9682B4F-0217-4B50-923E-C104AA24290F}" presName="composite" presStyleCnt="0"/>
-      <dgm:spPr/>
-    </dgm:pt>
-    <dgm:pt modelId="{49B7F8FA-D256-41EF-9327-52A3551D9A60}" type="pres">
-      <dgm:prSet presAssocID="{E9682B4F-0217-4B50-923E-C104AA24290F}" presName="parTx" presStyleLbl="alignNode1" presStyleIdx="2" presStyleCnt="5">
-        <dgm:presLayoutVars>
-          <dgm:chMax val="0"/>
-          <dgm:chPref val="0"/>
-        </dgm:presLayoutVars>
-      </dgm:prSet>
-      <dgm:spPr/>
-    </dgm:pt>
-    <dgm:pt modelId="{6B5FE59C-B471-448A-AA7A-B526DCC4D4CA}" type="pres">
-      <dgm:prSet presAssocID="{E9682B4F-0217-4B50-923E-C104AA24290F}" presName="desTx" presStyleLbl="alignAccFollowNode1" presStyleIdx="2" presStyleCnt="5">
-        <dgm:presLayoutVars/>
-      </dgm:prSet>
-      <dgm:spPr/>
-    </dgm:pt>
-    <dgm:pt modelId="{A91542D9-4FB3-4302-AD03-3D6EF82E6748}" type="pres">
-      <dgm:prSet presAssocID="{B8632E42-D7EB-4C31-877E-6F1B2801851A}" presName="space" presStyleCnt="0"/>
-      <dgm:spPr/>
-    </dgm:pt>
-    <dgm:pt modelId="{1A7C3045-2DAF-4A19-82DB-79436B2E4575}" type="pres">
-      <dgm:prSet presAssocID="{4F85505A-81B6-4FDA-A144-900B71DAD946}" presName="composite" presStyleCnt="0"/>
-      <dgm:spPr/>
-    </dgm:pt>
-    <dgm:pt modelId="{4132ECB1-6BEF-4935-AFA3-B2EAA48FDE7E}" type="pres">
-      <dgm:prSet presAssocID="{4F85505A-81B6-4FDA-A144-900B71DAD946}" presName="parTx" presStyleLbl="alignNode1" presStyleIdx="3" presStyleCnt="5">
-        <dgm:presLayoutVars>
-          <dgm:chMax val="0"/>
-          <dgm:chPref val="0"/>
-        </dgm:presLayoutVars>
-      </dgm:prSet>
-      <dgm:spPr/>
-    </dgm:pt>
-    <dgm:pt modelId="{C42A8BDE-B838-475D-AFDE-17B60D744AB6}" type="pres">
-      <dgm:prSet presAssocID="{4F85505A-81B6-4FDA-A144-900B71DAD946}" presName="desTx" presStyleLbl="alignAccFollowNode1" presStyleIdx="3" presStyleCnt="5">
-        <dgm:presLayoutVars/>
-      </dgm:prSet>
-      <dgm:spPr/>
-    </dgm:pt>
-    <dgm:pt modelId="{D0DC94A3-770A-4810-A89A-7DB7918862F6}" type="pres">
-      <dgm:prSet presAssocID="{68F74A88-49DC-44B1-BC0D-220A7B97601C}" presName="space" presStyleCnt="0"/>
-      <dgm:spPr/>
-    </dgm:pt>
-    <dgm:pt modelId="{647B2244-AC3A-441A-A6FB-6136FA04F429}" type="pres">
-      <dgm:prSet presAssocID="{A2322D3A-7AC2-4C5C-9D7E-EAB2313D47D4}" presName="composite" presStyleCnt="0"/>
-      <dgm:spPr/>
-    </dgm:pt>
-    <dgm:pt modelId="{59606EB9-9F10-4D12-A33F-A242FDCC0D0F}" type="pres">
-      <dgm:prSet presAssocID="{A2322D3A-7AC2-4C5C-9D7E-EAB2313D47D4}" presName="parTx" presStyleLbl="alignNode1" presStyleIdx="4" presStyleCnt="5">
-        <dgm:presLayoutVars>
-          <dgm:chMax val="0"/>
-          <dgm:chPref val="0"/>
-        </dgm:presLayoutVars>
-      </dgm:prSet>
-      <dgm:spPr/>
-    </dgm:pt>
-    <dgm:pt modelId="{C8429E68-36DD-4F6A-A2F4-7CCDADCEFAD1}" type="pres">
-      <dgm:prSet presAssocID="{A2322D3A-7AC2-4C5C-9D7E-EAB2313D47D4}" presName="desTx" presStyleLbl="alignAccFollowNode1" presStyleIdx="4" presStyleCnt="5">
-        <dgm:presLayoutVars/>
-      </dgm:prSet>
-      <dgm:spPr/>
-    </dgm:pt>
-  </dgm:ptLst>
-  <dgm:cxnLst>
-    <dgm:cxn modelId="{F28D7702-2FC3-49BD-BB13-C989E5EE622A}" srcId="{0DD8915E-DC14-41D6-9BB5-F49E1C265163}" destId="{B1AFA1AF-0FF8-45B3-A6D0-0E255A2F637D}" srcOrd="1" destOrd="0" parTransId="{10C68AF5-481C-45AA-A216-8BBBB04515B9}" sibTransId="{88649F7A-400B-4056-965D-C9AC0B3AD942}"/>
-    <dgm:cxn modelId="{31826907-E438-4A1B-A800-F181C547104F}" type="presOf" srcId="{30A490C8-22B4-4D68-875C-0F0DE2FF864D}" destId="{22359DD7-1BFB-4900-BAE6-6084F2F57988}" srcOrd="0" destOrd="0" presId="urn:microsoft.com/office/officeart/2016/7/layout/HorizontalActionList"/>
-    <dgm:cxn modelId="{A0077D09-C12C-46D0-8DF7-194B6911362A}" srcId="{0DD8915E-DC14-41D6-9BB5-F49E1C265163}" destId="{73D947E0-108F-4D20-A71E-3CF329F97212}" srcOrd="0" destOrd="0" parTransId="{9D249532-A24D-4D8F-848A-9F42F2E486C9}" sibTransId="{AE813459-65AB-4FA9-B717-330DDA6DFA4E}"/>
-    <dgm:cxn modelId="{5A5BA622-5DEB-48B9-88D9-C1DE36C711E5}" srcId="{B1AFA1AF-0FF8-45B3-A6D0-0E255A2F637D}" destId="{50418D2B-9486-42DE-AFDD-1D31420040FF}" srcOrd="0" destOrd="0" parTransId="{D5A17F6B-93F5-442B-938A-0F38C281BE88}" sibTransId="{1D87A0A5-8024-4710-846B-D5BFAC785107}"/>
-    <dgm:cxn modelId="{711E093C-AD42-45A4-8D40-A2D39702062E}" srcId="{A2322D3A-7AC2-4C5C-9D7E-EAB2313D47D4}" destId="{8FE81FEC-2664-411F-AEB3-065F29F52751}" srcOrd="0" destOrd="0" parTransId="{BCBC007E-0269-421B-9C41-DE26D5C3A822}" sibTransId="{80230EB7-7230-4881-A631-309C07417378}"/>
-    <dgm:cxn modelId="{77A55366-077C-403B-A9E1-B9C6B5CA3288}" type="presOf" srcId="{73D947E0-108F-4D20-A71E-3CF329F97212}" destId="{BDBD7220-3F85-45D2-BED6-5BBFBC23EAE3}" srcOrd="0" destOrd="0" presId="urn:microsoft.com/office/officeart/2016/7/layout/HorizontalActionList"/>
-    <dgm:cxn modelId="{F942F56C-9025-4AA1-9B36-C5AE0A93B0F5}" srcId="{4F85505A-81B6-4FDA-A144-900B71DAD946}" destId="{FEB4A941-E9FA-4A86-A673-85FF34B35F20}" srcOrd="0" destOrd="0" parTransId="{39522508-BC4E-4DD5-A744-AFEFFE36DB74}" sibTransId="{97624CC8-6315-4683-B26C-C30D552DA5A6}"/>
-    <dgm:cxn modelId="{B7F6ED6E-855A-4A7B-AE18-3BD04546002C}" type="presOf" srcId="{B1AFA1AF-0FF8-45B3-A6D0-0E255A2F637D}" destId="{C4F84DEA-2002-4D32-8E80-70EEE05E345A}" srcOrd="0" destOrd="0" presId="urn:microsoft.com/office/officeart/2016/7/layout/HorizontalActionList"/>
-    <dgm:cxn modelId="{51563A4F-C0EB-47D6-B5BC-47A4E599AD4B}" srcId="{E9682B4F-0217-4B50-923E-C104AA24290F}" destId="{0EC0C300-11E4-45CF-8418-973585107209}" srcOrd="0" destOrd="0" parTransId="{1E4DD98E-100E-46B7-B24A-408BBF69E9FA}" sibTransId="{90FAB5D1-62B3-4FF6-A07D-EE607F529C32}"/>
-    <dgm:cxn modelId="{6291F24F-B536-4688-99BC-6A4CB5E15E15}" type="presOf" srcId="{4F85505A-81B6-4FDA-A144-900B71DAD946}" destId="{4132ECB1-6BEF-4935-AFA3-B2EAA48FDE7E}" srcOrd="0" destOrd="0" presId="urn:microsoft.com/office/officeart/2016/7/layout/HorizontalActionList"/>
-    <dgm:cxn modelId="{2D633B56-E147-4EFC-B9EE-6C0413F329B0}" srcId="{0DD8915E-DC14-41D6-9BB5-F49E1C265163}" destId="{4F85505A-81B6-4FDA-A144-900B71DAD946}" srcOrd="3" destOrd="0" parTransId="{D9A96E25-7BBE-4DDD-8DDE-B4970D4340A8}" sibTransId="{68F74A88-49DC-44B1-BC0D-220A7B97601C}"/>
-    <dgm:cxn modelId="{110097B3-0B24-42EE-9C79-845C028B379B}" type="presOf" srcId="{E9682B4F-0217-4B50-923E-C104AA24290F}" destId="{49B7F8FA-D256-41EF-9327-52A3551D9A60}" srcOrd="0" destOrd="0" presId="urn:microsoft.com/office/officeart/2016/7/layout/HorizontalActionList"/>
-    <dgm:cxn modelId="{C54EA6C2-0E6B-42D8-9A4A-4456127A91A8}" type="presOf" srcId="{A2322D3A-7AC2-4C5C-9D7E-EAB2313D47D4}" destId="{59606EB9-9F10-4D12-A33F-A242FDCC0D0F}" srcOrd="0" destOrd="0" presId="urn:microsoft.com/office/officeart/2016/7/layout/HorizontalActionList"/>
-    <dgm:cxn modelId="{E339F9C8-AD35-4E33-9434-788C81500EB2}" type="presOf" srcId="{8FE81FEC-2664-411F-AEB3-065F29F52751}" destId="{C8429E68-36DD-4F6A-A2F4-7CCDADCEFAD1}" srcOrd="0" destOrd="0" presId="urn:microsoft.com/office/officeart/2016/7/layout/HorizontalActionList"/>
-    <dgm:cxn modelId="{6C23D0C9-74B2-4C8B-AB2F-A03B3B0EBE56}" srcId="{0DD8915E-DC14-41D6-9BB5-F49E1C265163}" destId="{E9682B4F-0217-4B50-923E-C104AA24290F}" srcOrd="2" destOrd="0" parTransId="{E0F6C4AF-9BBB-4698-91D7-F9AE3EACBD5D}" sibTransId="{B8632E42-D7EB-4C31-877E-6F1B2801851A}"/>
-    <dgm:cxn modelId="{381FE1CC-8184-4745-8EB3-6DE11655998D}" srcId="{73D947E0-108F-4D20-A71E-3CF329F97212}" destId="{30A490C8-22B4-4D68-875C-0F0DE2FF864D}" srcOrd="0" destOrd="0" parTransId="{035C64B0-4F0C-4FD1-BD23-B1D4C9887CBE}" sibTransId="{45495DA8-8707-41E3-A12B-FA5766269C44}"/>
-    <dgm:cxn modelId="{179FAFCF-F878-464E-A8A6-1185EFA0E380}" srcId="{0DD8915E-DC14-41D6-9BB5-F49E1C265163}" destId="{A2322D3A-7AC2-4C5C-9D7E-EAB2313D47D4}" srcOrd="4" destOrd="0" parTransId="{4A8C15D4-B36F-4764-B4FF-F2AF790D3E17}" sibTransId="{84DE1C3A-3FC7-4DB3-88ED-33F65A71557A}"/>
-    <dgm:cxn modelId="{8CB96BD1-8B01-481A-B525-C5C507C9951C}" type="presOf" srcId="{0EC0C300-11E4-45CF-8418-973585107209}" destId="{6B5FE59C-B471-448A-AA7A-B526DCC4D4CA}" srcOrd="0" destOrd="0" presId="urn:microsoft.com/office/officeart/2016/7/layout/HorizontalActionList"/>
-    <dgm:cxn modelId="{36A4EED2-16DE-4F21-9B57-BD053CD7ED3D}" type="presOf" srcId="{FEB4A941-E9FA-4A86-A673-85FF34B35F20}" destId="{C42A8BDE-B838-475D-AFDE-17B60D744AB6}" srcOrd="0" destOrd="0" presId="urn:microsoft.com/office/officeart/2016/7/layout/HorizontalActionList"/>
-    <dgm:cxn modelId="{BF1349D4-34AE-476D-8D7B-F3ABAB74304F}" type="presOf" srcId="{50418D2B-9486-42DE-AFDD-1D31420040FF}" destId="{4FEB85EB-D046-4CDB-8A62-BBCE260C4490}" srcOrd="0" destOrd="0" presId="urn:microsoft.com/office/officeart/2016/7/layout/HorizontalActionList"/>
-    <dgm:cxn modelId="{825BC9D8-F515-4FBF-8CF8-23CD32968E1D}" type="presOf" srcId="{0DD8915E-DC14-41D6-9BB5-F49E1C265163}" destId="{E4B4F7C4-5024-45F0-9FD7-C5068A1AE6C4}" srcOrd="0" destOrd="0" presId="urn:microsoft.com/office/officeart/2016/7/layout/HorizontalActionList"/>
-    <dgm:cxn modelId="{E9D2B9D9-3B26-471C-AF45-E02D1C258CD3}" type="presParOf" srcId="{E4B4F7C4-5024-45F0-9FD7-C5068A1AE6C4}" destId="{473E2436-1BC1-4A6C-8568-5C38418F52D1}" srcOrd="0" destOrd="0" presId="urn:microsoft.com/office/officeart/2016/7/layout/HorizontalActionList"/>
-    <dgm:cxn modelId="{A151C920-5872-4C88-8534-922E9C800B9B}" type="presParOf" srcId="{473E2436-1BC1-4A6C-8568-5C38418F52D1}" destId="{BDBD7220-3F85-45D2-BED6-5BBFBC23EAE3}" srcOrd="0" destOrd="0" presId="urn:microsoft.com/office/officeart/2016/7/layout/HorizontalActionList"/>
-    <dgm:cxn modelId="{45373909-AB37-4D9A-936C-DC8447BC111D}" type="presParOf" srcId="{473E2436-1BC1-4A6C-8568-5C38418F52D1}" destId="{22359DD7-1BFB-4900-BAE6-6084F2F57988}" srcOrd="1" destOrd="0" presId="urn:microsoft.com/office/officeart/2016/7/layout/HorizontalActionList"/>
-    <dgm:cxn modelId="{CFC7E7C1-85BC-47FC-BC11-D0BACA8440B9}" type="presParOf" srcId="{E4B4F7C4-5024-45F0-9FD7-C5068A1AE6C4}" destId="{38C65349-0C40-499F-9765-B6F38C2DC3C3}" srcOrd="1" destOrd="0" presId="urn:microsoft.com/office/officeart/2016/7/layout/HorizontalActionList"/>
-    <dgm:cxn modelId="{86FF1107-69E9-4310-A0D8-2BF61292A72B}" type="presParOf" srcId="{E4B4F7C4-5024-45F0-9FD7-C5068A1AE6C4}" destId="{C6650FDC-3601-45F5-9125-6E3F90A53F8A}" srcOrd="2" destOrd="0" presId="urn:microsoft.com/office/officeart/2016/7/layout/HorizontalActionList"/>
-    <dgm:cxn modelId="{1C7F1C64-2F3D-4695-A56C-92B1B848B0C2}" type="presParOf" srcId="{C6650FDC-3601-45F5-9125-6E3F90A53F8A}" destId="{C4F84DEA-2002-4D32-8E80-70EEE05E345A}" srcOrd="0" destOrd="0" presId="urn:microsoft.com/office/officeart/2016/7/layout/HorizontalActionList"/>
-    <dgm:cxn modelId="{DC59A3FF-666D-48A7-B3BE-98A9F829402D}" type="presParOf" srcId="{C6650FDC-3601-45F5-9125-6E3F90A53F8A}" destId="{4FEB85EB-D046-4CDB-8A62-BBCE260C4490}" srcOrd="1" destOrd="0" presId="urn:microsoft.com/office/officeart/2016/7/layout/HorizontalActionList"/>
-    <dgm:cxn modelId="{AAE65B9C-F662-4FAA-8FDB-82E7FB86BB24}" type="presParOf" srcId="{E4B4F7C4-5024-45F0-9FD7-C5068A1AE6C4}" destId="{40F59683-723F-44D1-8379-95635EED1AA8}" srcOrd="3" destOrd="0" presId="urn:microsoft.com/office/officeart/2016/7/layout/HorizontalActionList"/>
-    <dgm:cxn modelId="{F5BE37E3-59D0-4D56-B08C-9B1D93695802}" type="presParOf" srcId="{E4B4F7C4-5024-45F0-9FD7-C5068A1AE6C4}" destId="{BB2E4F65-C461-40C3-BC82-6A29AA851F44}" srcOrd="4" destOrd="0" presId="urn:microsoft.com/office/officeart/2016/7/layout/HorizontalActionList"/>
-    <dgm:cxn modelId="{1FC3B8DB-8632-4AA8-99E5-4F0C12504130}" type="presParOf" srcId="{BB2E4F65-C461-40C3-BC82-6A29AA851F44}" destId="{49B7F8FA-D256-41EF-9327-52A3551D9A60}" srcOrd="0" destOrd="0" presId="urn:microsoft.com/office/officeart/2016/7/layout/HorizontalActionList"/>
-    <dgm:cxn modelId="{03A1CBF9-FFCE-4B8C-9850-8B297556CCF4}" type="presParOf" srcId="{BB2E4F65-C461-40C3-BC82-6A29AA851F44}" destId="{6B5FE59C-B471-448A-AA7A-B526DCC4D4CA}" srcOrd="1" destOrd="0" presId="urn:microsoft.com/office/officeart/2016/7/layout/HorizontalActionList"/>
-    <dgm:cxn modelId="{BAB9C1C4-8A05-4AE7-B42E-55875981524E}" type="presParOf" srcId="{E4B4F7C4-5024-45F0-9FD7-C5068A1AE6C4}" destId="{A91542D9-4FB3-4302-AD03-3D6EF82E6748}" srcOrd="5" destOrd="0" presId="urn:microsoft.com/office/officeart/2016/7/layout/HorizontalActionList"/>
-    <dgm:cxn modelId="{F7DEAAC8-FCAD-4F6B-92BD-91B8342F3277}" type="presParOf" srcId="{E4B4F7C4-5024-45F0-9FD7-C5068A1AE6C4}" destId="{1A7C3045-2DAF-4A19-82DB-79436B2E4575}" srcOrd="6" destOrd="0" presId="urn:microsoft.com/office/officeart/2016/7/layout/HorizontalActionList"/>
-    <dgm:cxn modelId="{13555CA3-20BE-41F8-BD09-0BA8CEE1C702}" type="presParOf" srcId="{1A7C3045-2DAF-4A19-82DB-79436B2E4575}" destId="{4132ECB1-6BEF-4935-AFA3-B2EAA48FDE7E}" srcOrd="0" destOrd="0" presId="urn:microsoft.com/office/officeart/2016/7/layout/HorizontalActionList"/>
-    <dgm:cxn modelId="{0848E8B2-6BD5-4CB6-B7E0-F8F1B1F78E2F}" type="presParOf" srcId="{1A7C3045-2DAF-4A19-82DB-79436B2E4575}" destId="{C42A8BDE-B838-475D-AFDE-17B60D744AB6}" srcOrd="1" destOrd="0" presId="urn:microsoft.com/office/officeart/2016/7/layout/HorizontalActionList"/>
-    <dgm:cxn modelId="{FD5AD2F1-E5D1-4359-99EB-D3225676DF7F}" type="presParOf" srcId="{E4B4F7C4-5024-45F0-9FD7-C5068A1AE6C4}" destId="{D0DC94A3-770A-4810-A89A-7DB7918862F6}" srcOrd="7" destOrd="0" presId="urn:microsoft.com/office/officeart/2016/7/layout/HorizontalActionList"/>
-    <dgm:cxn modelId="{2608DA2F-9259-4A20-98D1-9A5F5780B66F}" type="presParOf" srcId="{E4B4F7C4-5024-45F0-9FD7-C5068A1AE6C4}" destId="{647B2244-AC3A-441A-A6FB-6136FA04F429}" srcOrd="8" destOrd="0" presId="urn:microsoft.com/office/officeart/2016/7/layout/HorizontalActionList"/>
-    <dgm:cxn modelId="{F55613FD-292F-4CCF-A44A-E9FC24D70E0E}" type="presParOf" srcId="{647B2244-AC3A-441A-A6FB-6136FA04F429}" destId="{59606EB9-9F10-4D12-A33F-A242FDCC0D0F}" srcOrd="0" destOrd="0" presId="urn:microsoft.com/office/officeart/2016/7/layout/HorizontalActionList"/>
-    <dgm:cxn modelId="{7B4FE576-C66F-4D92-B6AC-DA1D068316E4}" type="presParOf" srcId="{647B2244-AC3A-441A-A6FB-6136FA04F429}" destId="{C8429E68-36DD-4F6A-A2F4-7CCDADCEFAD1}" srcOrd="1" destOrd="0" presId="urn:microsoft.com/office/officeart/2016/7/layout/HorizontalActionList"/>
-  </dgm:cxnLst>
-  <dgm:bg/>
-  <dgm:whole/>
-  <dgm:extLst>
-    <a:ext uri="http://schemas.microsoft.com/office/drawing/2008/diagram">
-      <dsp:dataModelExt xmlns:dsp="http://schemas.microsoft.com/office/drawing/2008/diagram" relId="rId6" minVer="http://schemas.openxmlformats.org/drawingml/2006/diagram"/>
-    </a:ext>
-  </dgm:extLst>
-</dgm:dataModel>
-</file>
-
-<file path=ppt/diagrams/drawing1.xml><?xml version="1.0" encoding="utf-8"?>
-<dsp:drawing xmlns:dgm="http://schemas.openxmlformats.org/drawingml/2006/diagram" xmlns:dsp="http://schemas.microsoft.com/office/drawing/2008/diagram" xmlns:a="http://schemas.openxmlformats.org/drawingml/2006/main">
-  <dsp:spTree>
-    <dsp:nvGrpSpPr>
-      <dsp:cNvPr id="0" name=""/>
-      <dsp:cNvGrpSpPr/>
-    </dsp:nvGrpSpPr>
-    <dsp:grpSpPr/>
-    <dsp:sp modelId="{BDBD7220-3F85-45D2-BED6-5BBFBC23EAE3}">
-      <dsp:nvSpPr>
-        <dsp:cNvPr id="0" name=""/>
-        <dsp:cNvSpPr/>
-      </dsp:nvSpPr>
-      <dsp:spPr>
-        <a:xfrm>
-          <a:off x="8634" y="748982"/>
-          <a:ext cx="2013350" cy="604005"/>
-        </a:xfrm>
-        <a:prstGeom prst="rect">
-          <a:avLst/>
-        </a:prstGeom>
-        <a:solidFill>
-          <a:schemeClr val="accent1">
-            <a:hueOff val="0"/>
-            <a:satOff val="0"/>
-            <a:lumOff val="0"/>
-            <a:alphaOff val="0"/>
-          </a:schemeClr>
-        </a:solidFill>
-        <a:ln w="12700" cap="flat" cmpd="sng" algn="ctr">
-          <a:solidFill>
-            <a:schemeClr val="accent1">
-              <a:hueOff val="0"/>
-              <a:satOff val="0"/>
-              <a:lumOff val="0"/>
-              <a:alphaOff val="0"/>
-            </a:schemeClr>
-          </a:solidFill>
-          <a:prstDash val="solid"/>
-          <a:miter lim="800000"/>
-        </a:ln>
-        <a:effectLst/>
-      </dsp:spPr>
-      <dsp:style>
-        <a:lnRef idx="2">
-          <a:scrgbClr r="0" g="0" b="0"/>
-        </a:lnRef>
-        <a:fillRef idx="1">
-          <a:scrgbClr r="0" g="0" b="0"/>
-        </a:fillRef>
-        <a:effectRef idx="0">
-          <a:scrgbClr r="0" g="0" b="0"/>
-        </a:effectRef>
-        <a:fontRef idx="minor">
-          <a:schemeClr val="lt1"/>
-        </a:fontRef>
-      </dsp:style>
-      <dsp:txBody>
-        <a:bodyPr spcFirstLastPara="0" vert="horz" wrap="square" lIns="159099" tIns="159099" rIns="159099" bIns="159099" numCol="1" spcCol="1270" anchor="ctr" anchorCtr="0">
-          <a:noAutofit/>
-        </a:bodyPr>
-        <a:lstStyle/>
-        <a:p>
-          <a:pPr marL="0" lvl="0" indent="0" algn="ctr" defTabSz="914400" rtl="0" eaLnBrk="1" latinLnBrk="0" hangingPunct="1">
-            <a:lnSpc>
-              <a:spcPct val="90000"/>
-            </a:lnSpc>
-            <a:spcBef>
-              <a:spcPct val="0"/>
-            </a:spcBef>
-            <a:spcAft>
-              <a:spcPct val="35000"/>
-            </a:spcAft>
-            <a:buFont typeface="Arial" panose="020B0604020202020204" pitchFamily="34" charset="0"/>
-            <a:buNone/>
-          </a:pPr>
-          <a:r>
-            <a:rPr lang="en-US" sz="1600" kern="1200" spc="150" baseline="0" dirty="0">
-              <a:solidFill>
-                <a:schemeClr val="tx1"/>
-              </a:solidFill>
-              <a:latin typeface="+mj-lt"/>
-              <a:ea typeface="+mj-ea"/>
-              <a:cs typeface="+mj-cs"/>
-            </a:rPr>
-            <a:t>PLANNING</a:t>
-          </a:r>
-        </a:p>
-      </dsp:txBody>
-      <dsp:txXfrm>
-        <a:off x="8634" y="748982"/>
-        <a:ext cx="2013350" cy="604005"/>
-      </dsp:txXfrm>
-    </dsp:sp>
-    <dsp:sp modelId="{22359DD7-1BFB-4900-BAE6-6084F2F57988}">
-      <dsp:nvSpPr>
-        <dsp:cNvPr id="0" name=""/>
-        <dsp:cNvSpPr/>
-      </dsp:nvSpPr>
-      <dsp:spPr>
-        <a:xfrm>
-          <a:off x="8634" y="1352987"/>
-          <a:ext cx="2013350" cy="1642942"/>
-        </a:xfrm>
-        <a:prstGeom prst="rect">
-          <a:avLst/>
-        </a:prstGeom>
-        <a:solidFill>
-          <a:schemeClr val="accent1">
-            <a:alpha val="90000"/>
-            <a:tint val="40000"/>
-            <a:hueOff val="0"/>
-            <a:satOff val="0"/>
-            <a:lumOff val="0"/>
-            <a:alphaOff val="0"/>
-          </a:schemeClr>
-        </a:solidFill>
-        <a:ln w="12700" cap="flat" cmpd="sng" algn="ctr">
-          <a:solidFill>
-            <a:schemeClr val="accent1">
-              <a:alpha val="90000"/>
-              <a:tint val="40000"/>
-              <a:hueOff val="0"/>
-              <a:satOff val="0"/>
-              <a:lumOff val="0"/>
-              <a:alphaOff val="0"/>
-            </a:schemeClr>
-          </a:solidFill>
-          <a:prstDash val="solid"/>
-          <a:miter lim="800000"/>
-        </a:ln>
-        <a:effectLst/>
-      </dsp:spPr>
-      <dsp:style>
-        <a:lnRef idx="2">
-          <a:scrgbClr r="0" g="0" b="0"/>
-        </a:lnRef>
-        <a:fillRef idx="1">
-          <a:scrgbClr r="0" g="0" b="0"/>
-        </a:fillRef>
-        <a:effectRef idx="0">
-          <a:scrgbClr r="0" g="0" b="0"/>
-        </a:effectRef>
-        <a:fontRef idx="minor"/>
-      </dsp:style>
-      <dsp:txBody>
-        <a:bodyPr spcFirstLastPara="0" vert="horz" wrap="square" lIns="198874" tIns="198874" rIns="198874" bIns="198874" numCol="1" spcCol="1270" anchor="t" anchorCtr="0">
-          <a:noAutofit/>
-        </a:bodyPr>
-        <a:lstStyle/>
-        <a:p>
-          <a:pPr marL="0" lvl="0" indent="0" algn="l" defTabSz="622300">
-            <a:lnSpc>
-              <a:spcPct val="100000"/>
-            </a:lnSpc>
-            <a:spcBef>
-              <a:spcPct val="0"/>
-            </a:spcBef>
-            <a:spcAft>
-              <a:spcPct val="35000"/>
-            </a:spcAft>
-            <a:buNone/>
-          </a:pPr>
-          <a:r>
-            <a:rPr lang="en-US" sz="1400" kern="1200" spc="50" baseline="0" dirty="0">
-              <a:latin typeface="+mn-lt"/>
-            </a:rPr>
-            <a:t>Synergize scalable e-commerce</a:t>
-          </a:r>
-        </a:p>
-      </dsp:txBody>
-      <dsp:txXfrm>
-        <a:off x="8634" y="1352987"/>
-        <a:ext cx="2013350" cy="1642942"/>
-      </dsp:txXfrm>
-    </dsp:sp>
-    <dsp:sp modelId="{C4F84DEA-2002-4D32-8E80-70EEE05E345A}">
-      <dsp:nvSpPr>
-        <dsp:cNvPr id="0" name=""/>
-        <dsp:cNvSpPr/>
-      </dsp:nvSpPr>
-      <dsp:spPr>
-        <a:xfrm>
-          <a:off x="2129879" y="748982"/>
-          <a:ext cx="2013350" cy="604005"/>
-        </a:xfrm>
-        <a:prstGeom prst="rect">
-          <a:avLst/>
-        </a:prstGeom>
-        <a:solidFill>
-          <a:schemeClr val="accent1">
-            <a:hueOff val="0"/>
-            <a:satOff val="0"/>
-            <a:lumOff val="0"/>
-            <a:alphaOff val="0"/>
-          </a:schemeClr>
-        </a:solidFill>
-        <a:ln w="12700" cap="flat" cmpd="sng" algn="ctr">
-          <a:solidFill>
-            <a:schemeClr val="accent1">
-              <a:hueOff val="0"/>
-              <a:satOff val="0"/>
-              <a:lumOff val="0"/>
-              <a:alphaOff val="0"/>
-            </a:schemeClr>
-          </a:solidFill>
-          <a:prstDash val="solid"/>
-          <a:miter lim="800000"/>
-        </a:ln>
-        <a:effectLst/>
-      </dsp:spPr>
-      <dsp:style>
-        <a:lnRef idx="2">
-          <a:scrgbClr r="0" g="0" b="0"/>
-        </a:lnRef>
-        <a:fillRef idx="1">
-          <a:scrgbClr r="0" g="0" b="0"/>
-        </a:fillRef>
-        <a:effectRef idx="0">
-          <a:scrgbClr r="0" g="0" b="0"/>
-        </a:effectRef>
-        <a:fontRef idx="minor">
-          <a:schemeClr val="lt1"/>
-        </a:fontRef>
-      </dsp:style>
-      <dsp:txBody>
-        <a:bodyPr spcFirstLastPara="0" vert="horz" wrap="square" lIns="159099" tIns="159099" rIns="159099" bIns="159099" numCol="1" spcCol="1270" anchor="ctr" anchorCtr="0">
-          <a:noAutofit/>
-        </a:bodyPr>
-        <a:lstStyle/>
-        <a:p>
-          <a:pPr marL="0" lvl="0" indent="0" algn="ctr" defTabSz="711200">
-            <a:lnSpc>
-              <a:spcPct val="90000"/>
-            </a:lnSpc>
-            <a:spcBef>
-              <a:spcPct val="0"/>
-            </a:spcBef>
-            <a:spcAft>
-              <a:spcPct val="35000"/>
-            </a:spcAft>
-            <a:buNone/>
-          </a:pPr>
-          <a:r>
-            <a:rPr lang="en-US" sz="1600" kern="1200" spc="150" baseline="0" dirty="0">
-              <a:solidFill>
-                <a:prstClr val="black"/>
-              </a:solidFill>
-              <a:latin typeface="Tenorite"/>
-              <a:ea typeface="+mn-ea"/>
-              <a:cs typeface="+mn-cs"/>
-            </a:rPr>
-            <a:t>MARKETING</a:t>
-          </a:r>
-        </a:p>
-      </dsp:txBody>
-      <dsp:txXfrm>
-        <a:off x="2129879" y="748982"/>
-        <a:ext cx="2013350" cy="604005"/>
-      </dsp:txXfrm>
-    </dsp:sp>
-    <dsp:sp modelId="{4FEB85EB-D046-4CDB-8A62-BBCE260C4490}">
-      <dsp:nvSpPr>
-        <dsp:cNvPr id="0" name=""/>
-        <dsp:cNvSpPr/>
-      </dsp:nvSpPr>
-      <dsp:spPr>
-        <a:xfrm>
-          <a:off x="2129879" y="1352987"/>
-          <a:ext cx="2013350" cy="1642942"/>
-        </a:xfrm>
-        <a:prstGeom prst="rect">
-          <a:avLst/>
-        </a:prstGeom>
-        <a:solidFill>
-          <a:schemeClr val="accent1">
-            <a:alpha val="90000"/>
-            <a:tint val="40000"/>
-            <a:hueOff val="0"/>
-            <a:satOff val="0"/>
-            <a:lumOff val="0"/>
-            <a:alphaOff val="0"/>
-          </a:schemeClr>
-        </a:solidFill>
-        <a:ln w="12700" cap="flat" cmpd="sng" algn="ctr">
-          <a:solidFill>
-            <a:schemeClr val="accent1">
-              <a:alpha val="90000"/>
-              <a:tint val="40000"/>
-              <a:hueOff val="0"/>
-              <a:satOff val="0"/>
-              <a:lumOff val="0"/>
-              <a:alphaOff val="0"/>
-            </a:schemeClr>
-          </a:solidFill>
-          <a:prstDash val="solid"/>
-          <a:miter lim="800000"/>
-        </a:ln>
-        <a:effectLst/>
-      </dsp:spPr>
-      <dsp:style>
-        <a:lnRef idx="2">
-          <a:scrgbClr r="0" g="0" b="0"/>
-        </a:lnRef>
-        <a:fillRef idx="1">
-          <a:scrgbClr r="0" g="0" b="0"/>
-        </a:fillRef>
-        <a:effectRef idx="0">
-          <a:scrgbClr r="0" g="0" b="0"/>
-        </a:effectRef>
-        <a:fontRef idx="minor"/>
-      </dsp:style>
-      <dsp:txBody>
-        <a:bodyPr spcFirstLastPara="0" vert="horz" wrap="square" lIns="198874" tIns="198874" rIns="198874" bIns="198874" numCol="1" spcCol="1270" anchor="t" anchorCtr="0">
-          <a:noAutofit/>
-        </a:bodyPr>
-        <a:lstStyle/>
-        <a:p>
-          <a:pPr marL="0" lvl="0" indent="0" algn="l" defTabSz="622300">
-            <a:lnSpc>
-              <a:spcPct val="100000"/>
-            </a:lnSpc>
-            <a:spcBef>
-              <a:spcPct val="0"/>
-            </a:spcBef>
-            <a:spcAft>
-              <a:spcPct val="35000"/>
-            </a:spcAft>
-            <a:buNone/>
-          </a:pPr>
-          <a:r>
-            <a:rPr lang="en-US" sz="1400" kern="1200" spc="50" baseline="0" dirty="0">
-              <a:latin typeface="+mn-lt"/>
-            </a:rPr>
-            <a:t>Disseminate standardized metrics</a:t>
-          </a:r>
-        </a:p>
-      </dsp:txBody>
-      <dsp:txXfrm>
-        <a:off x="2129879" y="1352987"/>
-        <a:ext cx="2013350" cy="1642942"/>
-      </dsp:txXfrm>
-    </dsp:sp>
-    <dsp:sp modelId="{49B7F8FA-D256-41EF-9327-52A3551D9A60}">
-      <dsp:nvSpPr>
-        <dsp:cNvPr id="0" name=""/>
-        <dsp:cNvSpPr/>
-      </dsp:nvSpPr>
-      <dsp:spPr>
-        <a:xfrm>
-          <a:off x="4251124" y="748982"/>
-          <a:ext cx="2013350" cy="604005"/>
-        </a:xfrm>
-        <a:prstGeom prst="rect">
-          <a:avLst/>
-        </a:prstGeom>
-        <a:solidFill>
-          <a:schemeClr val="accent1">
-            <a:hueOff val="0"/>
-            <a:satOff val="0"/>
-            <a:lumOff val="0"/>
-            <a:alphaOff val="0"/>
-          </a:schemeClr>
-        </a:solidFill>
-        <a:ln w="12700" cap="flat" cmpd="sng" algn="ctr">
-          <a:solidFill>
-            <a:schemeClr val="accent1">
-              <a:hueOff val="0"/>
-              <a:satOff val="0"/>
-              <a:lumOff val="0"/>
-              <a:alphaOff val="0"/>
-            </a:schemeClr>
-          </a:solidFill>
-          <a:prstDash val="solid"/>
-          <a:miter lim="800000"/>
-        </a:ln>
-        <a:effectLst/>
-      </dsp:spPr>
-      <dsp:style>
-        <a:lnRef idx="2">
-          <a:scrgbClr r="0" g="0" b="0"/>
-        </a:lnRef>
-        <a:fillRef idx="1">
-          <a:scrgbClr r="0" g="0" b="0"/>
-        </a:fillRef>
-        <a:effectRef idx="0">
-          <a:scrgbClr r="0" g="0" b="0"/>
-        </a:effectRef>
-        <a:fontRef idx="minor">
-          <a:schemeClr val="lt1"/>
-        </a:fontRef>
-      </dsp:style>
-      <dsp:txBody>
-        <a:bodyPr spcFirstLastPara="0" vert="horz" wrap="square" lIns="159099" tIns="159099" rIns="159099" bIns="159099" numCol="1" spcCol="1270" anchor="ctr" anchorCtr="0">
-          <a:noAutofit/>
-        </a:bodyPr>
-        <a:lstStyle/>
-        <a:p>
-          <a:pPr marL="0" lvl="0" indent="0" algn="ctr" defTabSz="889000">
-            <a:lnSpc>
-              <a:spcPct val="90000"/>
-            </a:lnSpc>
-            <a:spcBef>
-              <a:spcPct val="0"/>
-            </a:spcBef>
-            <a:spcAft>
-              <a:spcPct val="35000"/>
-            </a:spcAft>
-            <a:buNone/>
-          </a:pPr>
-          <a:r>
-            <a:rPr lang="en-US" sz="1600" kern="1200" spc="150" baseline="0" dirty="0">
-              <a:solidFill>
-                <a:prstClr val="black"/>
-              </a:solidFill>
-              <a:latin typeface="Tenorite"/>
-              <a:ea typeface="+mn-ea"/>
-              <a:cs typeface="+mn-cs"/>
-            </a:rPr>
-            <a:t>DESIGN</a:t>
-          </a:r>
-        </a:p>
-      </dsp:txBody>
-      <dsp:txXfrm>
-        <a:off x="4251124" y="748982"/>
-        <a:ext cx="2013350" cy="604005"/>
-      </dsp:txXfrm>
-    </dsp:sp>
-    <dsp:sp modelId="{6B5FE59C-B471-448A-AA7A-B526DCC4D4CA}">
-      <dsp:nvSpPr>
-        <dsp:cNvPr id="0" name=""/>
-        <dsp:cNvSpPr/>
-      </dsp:nvSpPr>
-      <dsp:spPr>
-        <a:xfrm>
-          <a:off x="4251124" y="1352987"/>
-          <a:ext cx="2013350" cy="1642942"/>
-        </a:xfrm>
-        <a:prstGeom prst="rect">
-          <a:avLst/>
-        </a:prstGeom>
-        <a:solidFill>
-          <a:schemeClr val="accent1">
-            <a:alpha val="90000"/>
-            <a:tint val="40000"/>
-            <a:hueOff val="0"/>
-            <a:satOff val="0"/>
-            <a:lumOff val="0"/>
-            <a:alphaOff val="0"/>
-          </a:schemeClr>
-        </a:solidFill>
-        <a:ln w="12700" cap="flat" cmpd="sng" algn="ctr">
-          <a:solidFill>
-            <a:schemeClr val="accent1">
-              <a:alpha val="90000"/>
-              <a:tint val="40000"/>
-              <a:hueOff val="0"/>
-              <a:satOff val="0"/>
-              <a:lumOff val="0"/>
-              <a:alphaOff val="0"/>
-            </a:schemeClr>
-          </a:solidFill>
-          <a:prstDash val="solid"/>
-          <a:miter lim="800000"/>
-        </a:ln>
-        <a:effectLst/>
-      </dsp:spPr>
-      <dsp:style>
-        <a:lnRef idx="2">
-          <a:scrgbClr r="0" g="0" b="0"/>
-        </a:lnRef>
-        <a:fillRef idx="1">
-          <a:scrgbClr r="0" g="0" b="0"/>
-        </a:fillRef>
-        <a:effectRef idx="0">
-          <a:scrgbClr r="0" g="0" b="0"/>
-        </a:effectRef>
-        <a:fontRef idx="minor"/>
-      </dsp:style>
-      <dsp:txBody>
-        <a:bodyPr spcFirstLastPara="0" vert="horz" wrap="square" lIns="198874" tIns="198874" rIns="198874" bIns="198874" numCol="1" spcCol="1270" anchor="t" anchorCtr="0">
-          <a:noAutofit/>
-        </a:bodyPr>
-        <a:lstStyle/>
-        <a:p>
-          <a:pPr marL="0" lvl="0" indent="0" algn="l" defTabSz="666750">
-            <a:lnSpc>
-              <a:spcPct val="100000"/>
-            </a:lnSpc>
-            <a:spcBef>
-              <a:spcPct val="0"/>
-            </a:spcBef>
-            <a:spcAft>
-              <a:spcPct val="35000"/>
-            </a:spcAft>
-            <a:buNone/>
-          </a:pPr>
-          <a:r>
-            <a:rPr lang="en-US" sz="1400" kern="1200" spc="50" baseline="0" dirty="0">
-              <a:solidFill>
-                <a:prstClr val="black">
-                  <a:hueOff val="0"/>
-                  <a:satOff val="0"/>
-                  <a:lumOff val="0"/>
-                  <a:alphaOff val="0"/>
-                </a:prstClr>
-              </a:solidFill>
-              <a:latin typeface="Tenorite"/>
-              <a:ea typeface="+mn-ea"/>
-              <a:cs typeface="+mn-cs"/>
-            </a:rPr>
-            <a:t>Coordinate e-business applications</a:t>
-          </a:r>
-        </a:p>
-      </dsp:txBody>
-      <dsp:txXfrm>
-        <a:off x="4251124" y="1352987"/>
-        <a:ext cx="2013350" cy="1642942"/>
-      </dsp:txXfrm>
-    </dsp:sp>
-    <dsp:sp modelId="{4132ECB1-6BEF-4935-AFA3-B2EAA48FDE7E}">
-      <dsp:nvSpPr>
-        <dsp:cNvPr id="0" name=""/>
-        <dsp:cNvSpPr/>
-      </dsp:nvSpPr>
-      <dsp:spPr>
-        <a:xfrm>
-          <a:off x="6372369" y="748982"/>
-          <a:ext cx="2013350" cy="604005"/>
-        </a:xfrm>
-        <a:prstGeom prst="rect">
-          <a:avLst/>
-        </a:prstGeom>
-        <a:solidFill>
-          <a:schemeClr val="accent1">
-            <a:hueOff val="0"/>
-            <a:satOff val="0"/>
-            <a:lumOff val="0"/>
-            <a:alphaOff val="0"/>
-          </a:schemeClr>
-        </a:solidFill>
-        <a:ln w="12700" cap="flat" cmpd="sng" algn="ctr">
-          <a:solidFill>
-            <a:schemeClr val="accent1">
-              <a:hueOff val="0"/>
-              <a:satOff val="0"/>
-              <a:lumOff val="0"/>
-              <a:alphaOff val="0"/>
-            </a:schemeClr>
-          </a:solidFill>
-          <a:prstDash val="solid"/>
-          <a:miter lim="800000"/>
-        </a:ln>
-        <a:effectLst/>
-      </dsp:spPr>
-      <dsp:style>
-        <a:lnRef idx="2">
-          <a:scrgbClr r="0" g="0" b="0"/>
-        </a:lnRef>
-        <a:fillRef idx="1">
-          <a:scrgbClr r="0" g="0" b="0"/>
-        </a:fillRef>
-        <a:effectRef idx="0">
-          <a:scrgbClr r="0" g="0" b="0"/>
-        </a:effectRef>
-        <a:fontRef idx="minor">
-          <a:schemeClr val="lt1"/>
-        </a:fontRef>
-      </dsp:style>
-      <dsp:txBody>
-        <a:bodyPr spcFirstLastPara="0" vert="horz" wrap="square" lIns="159099" tIns="159099" rIns="159099" bIns="159099" numCol="1" spcCol="1270" anchor="ctr" anchorCtr="0">
-          <a:noAutofit/>
-        </a:bodyPr>
-        <a:lstStyle/>
-        <a:p>
-          <a:pPr marL="0" lvl="0" indent="0" algn="ctr" defTabSz="711200">
-            <a:lnSpc>
-              <a:spcPct val="90000"/>
-            </a:lnSpc>
-            <a:spcBef>
-              <a:spcPct val="0"/>
-            </a:spcBef>
-            <a:spcAft>
-              <a:spcPct val="35000"/>
-            </a:spcAft>
-            <a:buNone/>
-          </a:pPr>
-          <a:r>
-            <a:rPr lang="en-US" sz="1600" kern="1200" spc="150" baseline="0" dirty="0">
-              <a:solidFill>
-                <a:prstClr val="black"/>
-              </a:solidFill>
-              <a:latin typeface="Tenorite"/>
-              <a:ea typeface="+mn-ea"/>
-              <a:cs typeface="+mn-cs"/>
-            </a:rPr>
-            <a:t>STRATEGY</a:t>
-          </a:r>
-        </a:p>
-      </dsp:txBody>
-      <dsp:txXfrm>
-        <a:off x="6372369" y="748982"/>
-        <a:ext cx="2013350" cy="604005"/>
-      </dsp:txXfrm>
-    </dsp:sp>
-    <dsp:sp modelId="{C42A8BDE-B838-475D-AFDE-17B60D744AB6}">
-      <dsp:nvSpPr>
-        <dsp:cNvPr id="0" name=""/>
-        <dsp:cNvSpPr/>
-      </dsp:nvSpPr>
-      <dsp:spPr>
-        <a:xfrm>
-          <a:off x="6372369" y="1352987"/>
-          <a:ext cx="2013350" cy="1642942"/>
-        </a:xfrm>
-        <a:prstGeom prst="rect">
-          <a:avLst/>
-        </a:prstGeom>
-        <a:solidFill>
-          <a:schemeClr val="accent1">
-            <a:alpha val="90000"/>
-            <a:tint val="40000"/>
-            <a:hueOff val="0"/>
-            <a:satOff val="0"/>
-            <a:lumOff val="0"/>
-            <a:alphaOff val="0"/>
-          </a:schemeClr>
-        </a:solidFill>
-        <a:ln w="12700" cap="flat" cmpd="sng" algn="ctr">
-          <a:solidFill>
-            <a:schemeClr val="accent1">
-              <a:alpha val="90000"/>
-              <a:tint val="40000"/>
-              <a:hueOff val="0"/>
-              <a:satOff val="0"/>
-              <a:lumOff val="0"/>
-              <a:alphaOff val="0"/>
-            </a:schemeClr>
-          </a:solidFill>
-          <a:prstDash val="solid"/>
-          <a:miter lim="800000"/>
-        </a:ln>
-        <a:effectLst/>
-      </dsp:spPr>
-      <dsp:style>
-        <a:lnRef idx="2">
-          <a:scrgbClr r="0" g="0" b="0"/>
-        </a:lnRef>
-        <a:fillRef idx="1">
-          <a:scrgbClr r="0" g="0" b="0"/>
-        </a:fillRef>
-        <a:effectRef idx="0">
-          <a:scrgbClr r="0" g="0" b="0"/>
-        </a:effectRef>
-        <a:fontRef idx="minor"/>
-      </dsp:style>
-      <dsp:txBody>
-        <a:bodyPr spcFirstLastPara="0" vert="horz" wrap="square" lIns="198874" tIns="198874" rIns="198874" bIns="198874" numCol="1" spcCol="1270" anchor="t" anchorCtr="0">
-          <a:noAutofit/>
-        </a:bodyPr>
-        <a:lstStyle/>
-        <a:p>
-          <a:pPr marL="0" lvl="0" indent="0" algn="l" defTabSz="666750" rtl="0">
-            <a:lnSpc>
-              <a:spcPct val="100000"/>
-            </a:lnSpc>
-            <a:spcBef>
-              <a:spcPct val="0"/>
-            </a:spcBef>
-            <a:spcAft>
-              <a:spcPct val="35000"/>
-            </a:spcAft>
-            <a:buNone/>
-          </a:pPr>
-          <a:r>
-            <a:rPr lang="en-US" sz="1400" kern="1200" spc="50" baseline="0" dirty="0">
-              <a:solidFill>
-                <a:prstClr val="black">
-                  <a:hueOff val="0"/>
-                  <a:satOff val="0"/>
-                  <a:lumOff val="0"/>
-                  <a:alphaOff val="0"/>
-                </a:prstClr>
-              </a:solidFill>
-              <a:latin typeface="Tenorite"/>
-              <a:ea typeface="+mn-ea"/>
-              <a:cs typeface="+mn-cs"/>
-            </a:rPr>
-            <a:t>Foster holistically superior methodologies</a:t>
-          </a:r>
-        </a:p>
-      </dsp:txBody>
-      <dsp:txXfrm>
-        <a:off x="6372369" y="1352987"/>
-        <a:ext cx="2013350" cy="1642942"/>
-      </dsp:txXfrm>
-    </dsp:sp>
-    <dsp:sp modelId="{59606EB9-9F10-4D12-A33F-A242FDCC0D0F}">
-      <dsp:nvSpPr>
-        <dsp:cNvPr id="0" name=""/>
-        <dsp:cNvSpPr/>
-      </dsp:nvSpPr>
-      <dsp:spPr>
-        <a:xfrm>
-          <a:off x="8493615" y="748982"/>
-          <a:ext cx="2013350" cy="604005"/>
-        </a:xfrm>
-        <a:prstGeom prst="rect">
-          <a:avLst/>
-        </a:prstGeom>
-        <a:solidFill>
-          <a:schemeClr val="accent1">
-            <a:hueOff val="0"/>
-            <a:satOff val="0"/>
-            <a:lumOff val="0"/>
-            <a:alphaOff val="0"/>
-          </a:schemeClr>
-        </a:solidFill>
-        <a:ln w="12700" cap="flat" cmpd="sng" algn="ctr">
-          <a:solidFill>
-            <a:schemeClr val="accent1">
-              <a:hueOff val="0"/>
-              <a:satOff val="0"/>
-              <a:lumOff val="0"/>
-              <a:alphaOff val="0"/>
-            </a:schemeClr>
-          </a:solidFill>
-          <a:prstDash val="solid"/>
-          <a:miter lim="800000"/>
-        </a:ln>
-        <a:effectLst/>
-      </dsp:spPr>
-      <dsp:style>
-        <a:lnRef idx="2">
-          <a:scrgbClr r="0" g="0" b="0"/>
-        </a:lnRef>
-        <a:fillRef idx="1">
-          <a:scrgbClr r="0" g="0" b="0"/>
-        </a:fillRef>
-        <a:effectRef idx="0">
-          <a:scrgbClr r="0" g="0" b="0"/>
-        </a:effectRef>
-        <a:fontRef idx="minor">
-          <a:schemeClr val="lt1"/>
-        </a:fontRef>
-      </dsp:style>
-      <dsp:txBody>
-        <a:bodyPr spcFirstLastPara="0" vert="horz" wrap="square" lIns="159099" tIns="159099" rIns="159099" bIns="159099" numCol="1" spcCol="1270" anchor="ctr" anchorCtr="0">
-          <a:noAutofit/>
-        </a:bodyPr>
-        <a:lstStyle/>
-        <a:p>
-          <a:pPr marL="0" lvl="0" indent="0" algn="ctr" defTabSz="889000">
-            <a:lnSpc>
-              <a:spcPct val="90000"/>
-            </a:lnSpc>
-            <a:spcBef>
-              <a:spcPct val="0"/>
-            </a:spcBef>
-            <a:spcAft>
-              <a:spcPct val="35000"/>
-            </a:spcAft>
-            <a:buNone/>
-          </a:pPr>
-          <a:r>
-            <a:rPr lang="en-US" sz="1600" kern="1200" spc="150" baseline="0" dirty="0">
-              <a:solidFill>
-                <a:prstClr val="black"/>
-              </a:solidFill>
-              <a:latin typeface="Tenorite"/>
-              <a:ea typeface="+mn-ea"/>
-              <a:cs typeface="+mn-cs"/>
-            </a:rPr>
-            <a:t>LAUNCH</a:t>
-          </a:r>
-        </a:p>
-      </dsp:txBody>
-      <dsp:txXfrm>
-        <a:off x="8493615" y="748982"/>
-        <a:ext cx="2013350" cy="604005"/>
-      </dsp:txXfrm>
-    </dsp:sp>
-    <dsp:sp modelId="{C8429E68-36DD-4F6A-A2F4-7CCDADCEFAD1}">
-      <dsp:nvSpPr>
-        <dsp:cNvPr id="0" name=""/>
-        <dsp:cNvSpPr/>
-      </dsp:nvSpPr>
-      <dsp:spPr>
-        <a:xfrm>
-          <a:off x="8493615" y="1352987"/>
-          <a:ext cx="2013350" cy="1642942"/>
-        </a:xfrm>
-        <a:prstGeom prst="rect">
-          <a:avLst/>
-        </a:prstGeom>
-        <a:solidFill>
-          <a:schemeClr val="accent1">
-            <a:alpha val="90000"/>
-            <a:tint val="40000"/>
-            <a:hueOff val="0"/>
-            <a:satOff val="0"/>
-            <a:lumOff val="0"/>
-            <a:alphaOff val="0"/>
-          </a:schemeClr>
-        </a:solidFill>
-        <a:ln w="12700" cap="flat" cmpd="sng" algn="ctr">
-          <a:solidFill>
-            <a:schemeClr val="accent1">
-              <a:alpha val="90000"/>
-              <a:tint val="40000"/>
-              <a:hueOff val="0"/>
-              <a:satOff val="0"/>
-              <a:lumOff val="0"/>
-              <a:alphaOff val="0"/>
-            </a:schemeClr>
-          </a:solidFill>
-          <a:prstDash val="solid"/>
-          <a:miter lim="800000"/>
-        </a:ln>
-        <a:effectLst/>
-      </dsp:spPr>
-      <dsp:style>
-        <a:lnRef idx="2">
-          <a:scrgbClr r="0" g="0" b="0"/>
-        </a:lnRef>
-        <a:fillRef idx="1">
-          <a:scrgbClr r="0" g="0" b="0"/>
-        </a:fillRef>
-        <a:effectRef idx="0">
-          <a:scrgbClr r="0" g="0" b="0"/>
-        </a:effectRef>
-        <a:fontRef idx="minor"/>
-      </dsp:style>
-      <dsp:txBody>
-        <a:bodyPr spcFirstLastPara="0" vert="horz" wrap="square" lIns="182880" tIns="182880" rIns="182880" bIns="182880" numCol="1" spcCol="1270" anchor="t" anchorCtr="0">
-          <a:noAutofit/>
-        </a:bodyPr>
-        <a:lstStyle/>
-        <a:p>
-          <a:pPr marL="0" lvl="0" indent="0" algn="l" defTabSz="666750" rtl="0">
-            <a:lnSpc>
-              <a:spcPct val="100000"/>
-            </a:lnSpc>
-            <a:spcBef>
-              <a:spcPct val="0"/>
-            </a:spcBef>
-            <a:spcAft>
-              <a:spcPct val="35000"/>
-            </a:spcAft>
-            <a:buNone/>
-          </a:pPr>
-          <a:r>
-            <a:rPr lang="en-US" sz="1400" kern="1200" spc="50" baseline="0" dirty="0">
-              <a:solidFill>
-                <a:prstClr val="black">
-                  <a:hueOff val="0"/>
-                  <a:satOff val="0"/>
-                  <a:lumOff val="0"/>
-                  <a:alphaOff val="0"/>
-                </a:prstClr>
-              </a:solidFill>
-              <a:latin typeface="Tenorite"/>
-              <a:ea typeface="+mn-ea"/>
-              <a:cs typeface="+mn-cs"/>
-            </a:rPr>
-            <a:t>Deploy strategic networks with compelling e-business needs</a:t>
-          </a:r>
-        </a:p>
-      </dsp:txBody>
-      <dsp:txXfrm>
-        <a:off x="8493615" y="1352987"/>
-        <a:ext cx="2013350" cy="1642942"/>
-      </dsp:txXfrm>
-    </dsp:sp>
-  </dsp:spTree>
-</dsp:drawing>
-</file>
-
-<file path=ppt/diagrams/layout1.xml><?xml version="1.0" encoding="utf-8"?>
-<dgm:layoutDef xmlns:dgm="http://schemas.openxmlformats.org/drawingml/2006/diagram" xmlns:a="http://schemas.openxmlformats.org/drawingml/2006/main" uniqueId="urn:microsoft.com/office/officeart/2016/7/layout/HorizontalActionList">
-  <dgm:title val="Horizontal Action List"/>
-  <dgm:desc val="Used to show non-sequential or grouped lists of information. Works well with large amounts of text. All text has the same level of emphasis, and direction is not implied."/>
-  <dgm:catLst>
-    <dgm:cat type="list" pri="500"/>
-  </dgm:catLst>
-  <dgm:sampData useDef="1">
-    <dgm:dataModel>
-      <dgm:ptLst/>
-      <dgm:bg/>
-      <dgm:whole/>
-    </dgm:dataModel>
-  </dgm:sampData>
-  <dgm:styleData>
-    <dgm:dataModel>
-      <dgm:ptLst>
-        <dgm:pt modelId="0" type="doc"/>
-        <dgm:pt modelId="1"/>
-        <dgm:pt modelId="2"/>
-      </dgm:ptLst>
-      <dgm:cxnLst>
-        <dgm:cxn modelId="3" srcId="0" destId="1" srcOrd="0" destOrd="0"/>
-        <dgm:cxn modelId="4" srcId="0" destId="2" srcOrd="1" destOrd="0"/>
-      </dgm:cxnLst>
-      <dgm:bg/>
-      <dgm:whole/>
-    </dgm:dataModel>
-  </dgm:styleData>
-  <dgm:clrData>
-    <dgm:dataModel>
-      <dgm:ptLst>
-        <dgm:pt modelId="0" type="doc"/>
-        <dgm:pt modelId="1"/>
-        <dgm:pt modelId="2"/>
-        <dgm:pt modelId="3"/>
-        <dgm:pt modelId="4"/>
-      </dgm:ptLst>
-      <dgm:cxnLst>
-        <dgm:cxn modelId="5" srcId="0" destId="1" srcOrd="0" destOrd="0"/>
-        <dgm:cxn modelId="6" srcId="0" destId="2" srcOrd="1" destOrd="0"/>
-        <dgm:cxn modelId="7" srcId="0" destId="3" srcOrd="2" destOrd="0"/>
-        <dgm:cxn modelId="8" srcId="0" destId="4" srcOrd="3" destOrd="0"/>
-      </dgm:cxnLst>
-      <dgm:bg/>
-      <dgm:whole/>
-    </dgm:dataModel>
-  </dgm:clrData>
-  <dgm:layoutNode name="Name0">
-    <dgm:varLst>
-      <dgm:dir/>
-      <dgm:animLvl val="lvl"/>
-      <dgm:resizeHandles val="exact"/>
-    </dgm:varLst>
-    <dgm:choose name="Name1">
-      <dgm:if name="Name2" func="var" arg="dir" op="equ" val="norm">
-        <dgm:alg type="lin"/>
-      </dgm:if>
-      <dgm:else name="Name3">
-        <dgm:alg type="lin">
-          <dgm:param type="linDir" val="fromR"/>
-        </dgm:alg>
-      </dgm:else>
-    </dgm:choose>
-    <dgm:shape xmlns:r="http://schemas.openxmlformats.org/officeDocument/2006/relationships" r:blip="">
-      <dgm:adjLst/>
-    </dgm:shape>
-    <dgm:presOf/>
-    <dgm:constrLst>
-      <dgm:constr type="h" for="ch" forName="composite" refType="h" fact="0.6"/>
-      <dgm:constr type="h" for="des" forName="composite" op="equ"/>
-      <dgm:constr type="w" for="ch" forName="composite" refType="w"/>
-      <dgm:constr type="w" for="des" forName="parTx"/>
-      <dgm:constr type="h" for="des" forName="parTx" op="equ"/>
-      <dgm:constr type="w" for="des" forName="desTx"/>
-      <dgm:constr type="primFontSz" for="des" forName="parTx" val="54"/>
-      <dgm:constr type="primFontSz" for="des" forName="desTx" refType="primFontSz" refFor="des" refForName="parTx" op="lte" fact="0.75"/>
-      <dgm:constr type="h" for="des" forName="desTx" op="equ"/>
-      <dgm:constr type="w" for="ch" forName="space" op="equ" val="3"/>
-    </dgm:constrLst>
-    <dgm:ruleLst>
-      <dgm:rule type="w" for="ch" forName="composite" val="0" fact="NaN" max="NaN"/>
-    </dgm:ruleLst>
-    <dgm:forEach name="Name6" axis="ch" ptType="node">
-      <dgm:layoutNode name="composite">
-        <dgm:alg type="composite"/>
-        <dgm:shape xmlns:r="http://schemas.openxmlformats.org/officeDocument/2006/relationships" r:blip="">
-          <dgm:adjLst/>
-        </dgm:shape>
-        <dgm:presOf/>
-        <dgm:constrLst>
-          <dgm:constr type="l" for="ch" forName="parTx"/>
-          <dgm:constr type="w" for="ch" forName="parTx" refType="w"/>
-          <dgm:constr type="t" for="ch" forName="parTx"/>
-          <dgm:constr type="l" for="ch" forName="desTx"/>
-          <dgm:constr type="w" for="ch" forName="desTx" refType="w" refFor="ch" refForName="parTx"/>
-          <dgm:constr type="t" for="ch" forName="desTx" refType="h" refFor="ch" refForName="parTx"/>
-        </dgm:constrLst>
-        <dgm:ruleLst>
-          <dgm:rule type="h" val="INF" fact="NaN" max="NaN"/>
-        </dgm:ruleLst>
-        <dgm:layoutNode name="parTx" styleLbl="alignNode1">
-          <dgm:varLst>
-            <dgm:chMax val="0"/>
-            <dgm:chPref val="0"/>
-          </dgm:varLst>
-          <dgm:alg type="tx"/>
-          <dgm:shape xmlns:r="http://schemas.openxmlformats.org/officeDocument/2006/relationships" type="rect" r:blip="">
-            <dgm:adjLst/>
-          </dgm:shape>
-          <dgm:presOf axis="self" ptType="node"/>
-          <dgm:constrLst>
-            <dgm:constr type="h" refType="w" op="lte" fact="0.3"/>
-            <dgm:constr type="h"/>
-            <dgm:constr type="tMarg" refType="w" fact="0.224"/>
-            <dgm:constr type="bMarg" refType="w" fact="0.224"/>
-            <dgm:constr type="lMarg" refType="w" fact="0.224"/>
-            <dgm:constr type="rMarg" refType="w" fact="0.224"/>
-          </dgm:constrLst>
-          <dgm:ruleLst>
-            <dgm:rule type="h" val="INF" fact="NaN" max="NaN"/>
-            <dgm:rule type="primFontSz" val="14" fact="NaN" max="NaN"/>
-          </dgm:ruleLst>
-        </dgm:layoutNode>
-        <dgm:layoutNode name="desTx" styleLbl="alignAccFollowNode1">
-          <dgm:varLst/>
-          <dgm:alg type="tx">
-            <dgm:param type="stBulletLvl" val="0"/>
-            <dgm:param type="txAnchorVert" val="t"/>
-            <dgm:param type="parTxLTRAlign" val="l"/>
-            <dgm:param type="shpTxLTRAlignCh" val="l"/>
-            <dgm:param type="parTxRTLAlign" val="r"/>
-            <dgm:param type="shpTxRTLAlignCh" val="r"/>
-          </dgm:alg>
-          <dgm:shape xmlns:r="http://schemas.openxmlformats.org/officeDocument/2006/relationships" type="rect" r:blip="">
-            <dgm:adjLst/>
-          </dgm:shape>
-          <dgm:presOf axis="des" ptType="node"/>
-          <dgm:constrLst>
-            <dgm:constr type="primFontSz" val="28"/>
-            <dgm:constr type="tMarg" refType="w" fact="0.28"/>
-            <dgm:constr type="bMarg" refType="w" fact="0.28"/>
-            <dgm:constr type="lMarg" refType="w" fact="0.28"/>
-            <dgm:constr type="rMarg" refType="w" fact="0.28"/>
-          </dgm:constrLst>
-          <dgm:ruleLst>
-            <dgm:rule type="h" val="INF" fact="NaN" max="NaN"/>
-            <dgm:rule type="primFontSz" val="11" fact="NaN" max="NaN"/>
-          </dgm:ruleLst>
-        </dgm:layoutNode>
-      </dgm:layoutNode>
-      <dgm:forEach name="Name19" axis="followSib" ptType="sibTrans" cnt="1">
-        <dgm:layoutNode name="space">
-          <dgm:alg type="sp"/>
-          <dgm:shape xmlns:r="http://schemas.openxmlformats.org/officeDocument/2006/relationships" r:blip="">
-            <dgm:adjLst/>
-          </dgm:shape>
-          <dgm:presOf/>
-          <dgm:constrLst/>
-          <dgm:ruleLst/>
-        </dgm:layoutNode>
-      </dgm:forEach>
-    </dgm:forEach>
-  </dgm:layoutNode>
-</dgm:layoutDef>
-</file>
-
-<file path=ppt/diagrams/quickStyle1.xml><?xml version="1.0" encoding="utf-8"?>
-<dgm:styleDef xmlns:dgm="http://schemas.openxmlformats.org/drawingml/2006/diagram" xmlns:a="http://schemas.openxmlformats.org/drawingml/2006/main" uniqueId="urn:microsoft.com/office/officeart/2005/8/quickstyle/simple1">
-  <dgm:title val=""/>
-  <dgm:desc val=""/>
-  <dgm:catLst>
-    <dgm:cat type="simple" pri="10100"/>
-  </dgm:catLst>
-  <dgm:scene3d>
-    <a:camera prst="orthographicFront"/>
-    <a:lightRig rig="threePt" dir="t"/>
-  </dgm:scene3d>
-  <dgm:styleLbl name="node0">
-    <dgm:scene3d>
-      <a:camera prst="orthographicFront"/>
-      <a:lightRig rig="threePt" dir="t"/>
-    </dgm:scene3d>
-    <dgm:sp3d/>
-    <dgm:txPr/>
-    <dgm:style>
-      <a:lnRef idx="2">
-        <a:scrgbClr r="0" g="0" b="0"/>
-      </a:lnRef>
-      <a:fillRef idx="1">
-        <a:scrgbClr r="0" g="0" b="0"/>
-      </a:fillRef>
-      <a:effectRef idx="0">
-        <a:scrgbClr r="0" g="0" b="0"/>
-      </a:effectRef>
-      <a:fontRef idx="minor">
-        <a:schemeClr val="lt1"/>
-      </a:fontRef>
-    </dgm:style>
-  </dgm:styleLbl>
-  <dgm:styleLbl name="lnNode1">
-    <dgm:scene3d>
-      <a:camera prst="orthographicFront"/>
-      <a:lightRig rig="threePt" dir="t"/>
-    </dgm:scene3d>
-    <dgm:sp3d/>
-    <dgm:txPr/>
-    <dgm:style>
-      <a:lnRef idx="2">
-        <a:scrgbClr r="0" g="0" b="0"/>
-      </a:lnRef>
-      <a:fillRef idx="1">
-        <a:scrgbClr r="0" g="0" b="0"/>
-      </a:fillRef>
-      <a:effectRef idx="0">
-        <a:scrgbClr r="0" g="0" b="0"/>
-      </a:effectRef>
-      <a:fontRef idx="minor">
-        <a:schemeClr val="lt1"/>
-      </a:fontRef>
-    </dgm:style>
-  </dgm:styleLbl>
-  <dgm:styleLbl name="vennNode1">
-    <dgm:scene3d>
-      <a:camera prst="orthographicFront"/>
-      <a:lightRig rig="threePt" dir="t"/>
-    </dgm:scene3d>
-    <dgm:sp3d/>
-    <dgm:txPr/>
-    <dgm:style>
-      <a:lnRef idx="2">
-        <a:scrgbClr r="0" g="0" b="0"/>
-      </a:lnRef>
-      <a:fillRef idx="1">
-        <a:scrgbClr r="0" g="0" b="0"/>
-      </a:fillRef>
-      <a:effectRef idx="0">
-        <a:scrgbClr r="0" g="0" b="0"/>
-      </a:effectRef>
-      <a:fontRef idx="minor">
-        <a:schemeClr val="tx1"/>
-      </a:fontRef>
-    </dgm:style>
-  </dgm:styleLbl>
-  <dgm:styleLbl name="alignNode1">
-    <dgm:scene3d>
-      <a:camera prst="orthographicFront"/>
-      <a:lightRig rig="threePt" dir="t"/>
-    </dgm:scene3d>
-    <dgm:sp3d/>
-    <dgm:txPr/>
-    <dgm:style>
-      <a:lnRef idx="2">
-        <a:scrgbClr r="0" g="0" b="0"/>
-      </a:lnRef>
-      <a:fillRef idx="1">
-        <a:scrgbClr r="0" g="0" b="0"/>
-      </a:fillRef>
-      <a:effectRef idx="0">
-        <a:scrgbClr r="0" g="0" b="0"/>
-      </a:effectRef>
-      <a:fontRef idx="minor">
-        <a:schemeClr val="lt1"/>
-      </a:fontRef>
-    </dgm:style>
-  </dgm:styleLbl>
-  <dgm:styleLbl name="node1">
-    <dgm:scene3d>
-      <a:camera prst="orthographicFront"/>
-      <a:lightRig rig="threePt" dir="t"/>
-    </dgm:scene3d>
-    <dgm:sp3d/>
-    <dgm:txPr/>
-    <dgm:style>
-      <a:lnRef idx="2">
-        <a:scrgbClr r="0" g="0" b="0"/>
-      </a:lnRef>
-      <a:fillRef idx="1">
-        <a:scrgbClr r="0" g="0" b="0"/>
-      </a:fillRef>
-      <a:effectRef idx="0">
-        <a:scrgbClr r="0" g="0" b="0"/>
-      </a:effectRef>
-      <a:fontRef idx="minor">
-        <a:schemeClr val="lt1"/>
-      </a:fontRef>
-    </dgm:style>
-  </dgm:styleLbl>
-  <dgm:styleLbl name="node2">
-    <dgm:scene3d>
-      <a:camera prst="orthographicFront"/>
-      <a:lightRig rig="threePt" dir="t"/>
-    </dgm:scene3d>
-    <dgm:sp3d/>
-    <dgm:txPr/>
-    <dgm:style>
-      <a:lnRef idx="2">
-        <a:scrgbClr r="0" g="0" b="0"/>
-      </a:lnRef>
-      <a:fillRef idx="1">
-        <a:scrgbClr r="0" g="0" b="0"/>
-      </a:fillRef>
-      <a:effectRef idx="0">
-        <a:scrgbClr r="0" g="0" b="0"/>
-      </a:effectRef>
-      <a:fontRef idx="minor">
-        <a:schemeClr val="lt1"/>
-      </a:fontRef>
-    </dgm:style>
-  </dgm:styleLbl>
-  <dgm:styleLbl name="node3">
-    <dgm:scene3d>
-      <a:camera prst="orthographicFront"/>
-      <a:lightRig rig="threePt" dir="t"/>
-    </dgm:scene3d>
-    <dgm:sp3d/>
-    <dgm:txPr/>
-    <dgm:style>
-      <a:lnRef idx="2">
-        <a:scrgbClr r="0" g="0" b="0"/>
-      </a:lnRef>
-      <a:fillRef idx="1">
-        <a:scrgbClr r="0" g="0" b="0"/>
-      </a:fillRef>
-      <a:effectRef idx="0">
-        <a:scrgbClr r="0" g="0" b="0"/>
-      </a:effectRef>
-      <a:fontRef idx="minor">
-        <a:schemeClr val="lt1"/>
-      </a:fontRef>
-    </dgm:style>
-  </dgm:styleLbl>
-  <dgm:styleLbl name="node4">
-    <dgm:scene3d>
-      <a:camera prst="orthographicFront"/>
-      <a:lightRig rig="threePt" dir="t"/>
-    </dgm:scene3d>
-    <dgm:sp3d/>
-    <dgm:txPr/>
-    <dgm:style>
-      <a:lnRef idx="2">
-        <a:scrgbClr r="0" g="0" b="0"/>
-      </a:lnRef>
-      <a:fillRef idx="1">
-        <a:scrgbClr r="0" g="0" b="0"/>
-      </a:fillRef>
-      <a:effectRef idx="0">
-        <a:scrgbClr r="0" g="0" b="0"/>
-      </a:effectRef>
-      <a:fontRef idx="minor">
-        <a:schemeClr val="lt1"/>
-      </a:fontRef>
-    </dgm:style>
-  </dgm:styleLbl>
-  <dgm:styleLbl name="fgImgPlace1">
-    <dgm:scene3d>
-      <a:camera prst="orthographicFront"/>
-      <a:lightRig rig="threePt" dir="t"/>
-    </dgm:scene3d>
-    <dgm:sp3d/>
-    <dgm:txPr/>
-    <dgm:style>
-      <a:lnRef idx="2">
-        <a:scrgbClr r="0" g="0" b="0"/>
-      </a:lnRef>
-      <a:fillRef idx="1">
-        <a:scrgbClr r="0" g="0" b="0"/>
-      </a:fillRef>
-      <a:effectRef idx="0">
-        <a:scrgbClr r="0" g="0" b="0"/>
-      </a:effectRef>
-      <a:fontRef idx="minor"/>
-    </dgm:style>
-  </dgm:styleLbl>
-  <dgm:styleLbl name="alignImgPlace1">
-    <dgm:scene3d>
-      <a:camera prst="orthographicFront"/>
-      <a:lightRig rig="threePt" dir="t"/>
-    </dgm:scene3d>
-    <dgm:sp3d/>
-    <dgm:txPr/>
-    <dgm:style>
-      <a:lnRef idx="2">
-        <a:scrgbClr r="0" g="0" b="0"/>
-      </a:lnRef>
-      <a:fillRef idx="1">
-        <a:scrgbClr r="0" g="0" b="0"/>
-      </a:fillRef>
-      <a:effectRef idx="0">
-        <a:scrgbClr r="0" g="0" b="0"/>
-      </a:effectRef>
-      <a:fontRef idx="minor"/>
-    </dgm:style>
-  </dgm:styleLbl>
-  <dgm:styleLbl name="bgImgPlace1">
-    <dgm:scene3d>
-      <a:camera prst="orthographicFront"/>
-      <a:lightRig rig="threePt" dir="t"/>
-    </dgm:scene3d>
-    <dgm:sp3d/>
-    <dgm:txPr/>
-    <dgm:style>
-      <a:lnRef idx="2">
-        <a:scrgbClr r="0" g="0" b="0"/>
-      </a:lnRef>
-      <a:fillRef idx="1">
-        <a:scrgbClr r="0" g="0" b="0"/>
-      </a:fillRef>
-      <a:effectRef idx="0">
-        <a:scrgbClr r="0" g="0" b="0"/>
-      </a:effectRef>
-      <a:fontRef idx="minor"/>
-    </dgm:style>
-  </dgm:styleLbl>
-  <dgm:styleLbl name="sibTrans2D1">
-    <dgm:scene3d>
-      <a:camera prst="orthographicFront"/>
-      <a:lightRig rig="threePt" dir="t"/>
-    </dgm:scene3d>
-    <dgm:sp3d/>
-    <dgm:txPr/>
-    <dgm:style>
-      <a:lnRef idx="0">
-        <a:scrgbClr r="0" g="0" b="0"/>
-      </a:lnRef>
-      <a:fillRef idx="1">
-        <a:scrgbClr r="0" g="0" b="0"/>
-      </a:fillRef>
-      <a:effectRef idx="0">
-        <a:scrgbClr r="0" g="0" b="0"/>
-      </a:effectRef>
-      <a:fontRef idx="minor">
-        <a:schemeClr val="lt1"/>
-      </a:fontRef>
-    </dgm:style>
-  </dgm:styleLbl>
-  <dgm:styleLbl name="fgSibTrans2D1">
-    <dgm:scene3d>
-      <a:camera prst="orthographicFront"/>
-      <a:lightRig rig="threePt" dir="t"/>
-    </dgm:scene3d>
-    <dgm:sp3d/>
-    <dgm:txPr/>
-    <dgm:style>
-      <a:lnRef idx="0">
-        <a:scrgbClr r="0" g="0" b="0"/>
-      </a:lnRef>
-      <a:fillRef idx="1">
-        <a:scrgbClr r="0" g="0" b="0"/>
-      </a:fillRef>
-      <a:effectRef idx="0">
-        <a:scrgbClr r="0" g="0" b="0"/>
-      </a:effectRef>
-      <a:fontRef idx="minor">
-        <a:schemeClr val="lt1"/>
-      </a:fontRef>
-    </dgm:style>
-  </dgm:styleLbl>
-  <dgm:styleLbl name="bgSibTrans2D1">
-    <dgm:scene3d>
-      <a:camera prst="orthographicFront"/>
-      <a:lightRig rig="threePt" dir="t"/>
-    </dgm:scene3d>
-    <dgm:sp3d/>
-    <dgm:txPr/>
-    <dgm:style>
-      <a:lnRef idx="0">
-        <a:scrgbClr r="0" g="0" b="0"/>
-      </a:lnRef>
-      <a:fillRef idx="1">
-        <a:scrgbClr r="0" g="0" b="0"/>
-      </a:fillRef>
-      <a:effectRef idx="0">
-        <a:scrgbClr r="0" g="0" b="0"/>
-      </a:effectRef>
-      <a:fontRef idx="minor">
-        <a:schemeClr val="lt1"/>
-      </a:fontRef>
-    </dgm:style>
-  </dgm:styleLbl>
-  <dgm:styleLbl name="sibTrans1D1">
-    <dgm:scene3d>
-      <a:camera prst="orthographicFront"/>
-      <a:lightRig rig="threePt" dir="t"/>
-    </dgm:scene3d>
-    <dgm:sp3d/>
-    <dgm:txPr/>
-    <dgm:style>
-      <a:lnRef idx="1">
-        <a:scrgbClr r="0" g="0" b="0"/>
-      </a:lnRef>
-      <a:fillRef idx="0">
-        <a:scrgbClr r="0" g="0" b="0"/>
-      </a:fillRef>
-      <a:effectRef idx="0">
-        <a:scrgbClr r="0" g="0" b="0"/>
-      </a:effectRef>
-      <a:fontRef idx="minor"/>
-    </dgm:style>
-  </dgm:styleLbl>
-  <dgm:styleLbl name="callout">
-    <dgm:scene3d>
-      <a:camera prst="orthographicFront"/>
-      <a:lightRig rig="threePt" dir="t"/>
-    </dgm:scene3d>
-    <dgm:sp3d/>
-    <dgm:txPr/>
-    <dgm:style>
-      <a:lnRef idx="2">
-        <a:scrgbClr r="0" g="0" b="0"/>
-      </a:lnRef>
-      <a:fillRef idx="1">
-        <a:scrgbClr r="0" g="0" b="0"/>
-      </a:fillRef>
-      <a:effectRef idx="0">
-        <a:scrgbClr r="0" g="0" b="0"/>
-      </a:effectRef>
-      <a:fontRef idx="minor"/>
-    </dgm:style>
-  </dgm:styleLbl>
-  <dgm:styleLbl name="asst0">
-    <dgm:scene3d>
-      <a:camera prst="orthographicFront"/>
-      <a:lightRig rig="threePt" dir="t"/>
-    </dgm:scene3d>
-    <dgm:sp3d/>
-    <dgm:txPr/>
-    <dgm:style>
-      <a:lnRef idx="2">
-        <a:scrgbClr r="0" g="0" b="0"/>
-      </a:lnRef>
-      <a:fillRef idx="1">
-        <a:scrgbClr r="0" g="0" b="0"/>
-      </a:fillRef>
-      <a:effectRef idx="0">
-        <a:scrgbClr r="0" g="0" b="0"/>
-      </a:effectRef>
-      <a:fontRef idx="minor">
-        <a:schemeClr val="lt1"/>
-      </a:fontRef>
-    </dgm:style>
-  </dgm:styleLbl>
-  <dgm:styleLbl name="asst1">
-    <dgm:scene3d>
-      <a:camera prst="orthographicFront"/>
-      <a:lightRig rig="threePt" dir="t"/>
-    </dgm:scene3d>
-    <dgm:sp3d/>
-    <dgm:txPr/>
-    <dgm:style>
-      <a:lnRef idx="2">
-        <a:scrgbClr r="0" g="0" b="0"/>
-      </a:lnRef>
-      <a:fillRef idx="1">
-        <a:scrgbClr r="0" g="0" b="0"/>
-      </a:fillRef>
-      <a:effectRef idx="0">
-        <a:scrgbClr r="0" g="0" b="0"/>
-      </a:effectRef>
-      <a:fontRef idx="minor">
-        <a:schemeClr val="lt1"/>
-      </a:fontRef>
-    </dgm:style>
-  </dgm:styleLbl>
-  <dgm:styleLbl name="asst2">
-    <dgm:scene3d>
-      <a:camera prst="orthographicFront"/>
-      <a:lightRig rig="threePt" dir="t"/>
-    </dgm:scene3d>
-    <dgm:sp3d/>
-    <dgm:txPr/>
-    <dgm:style>
-      <a:lnRef idx="2">
-        <a:scrgbClr r="0" g="0" b="0"/>
-      </a:lnRef>
-      <a:fillRef idx="1">
-        <a:scrgbClr r="0" g="0" b="0"/>
-      </a:fillRef>
-      <a:effectRef idx="0">
-        <a:scrgbClr r="0" g="0" b="0"/>
-      </a:effectRef>
-      <a:fontRef idx="minor">
-        <a:schemeClr val="lt1"/>
-      </a:fontRef>
-    </dgm:style>
-  </dgm:styleLbl>
-  <dgm:styleLbl name="asst3">
-    <dgm:scene3d>
-      <a:camera prst="orthographicFront"/>
-      <a:lightRig rig="threePt" dir="t"/>
-    </dgm:scene3d>
-    <dgm:sp3d/>
-    <dgm:txPr/>
-    <dgm:style>
-      <a:lnRef idx="2">
-        <a:scrgbClr r="0" g="0" b="0"/>
-      </a:lnRef>
-      <a:fillRef idx="1">
-        <a:scrgbClr r="0" g="0" b="0"/>
-      </a:fillRef>
-      <a:effectRef idx="0">
-        <a:scrgbClr r="0" g="0" b="0"/>
-      </a:effectRef>
-      <a:fontRef idx="minor">
-        <a:schemeClr val="lt1"/>
-      </a:fontRef>
-    </dgm:style>
-  </dgm:styleLbl>
-  <dgm:styleLbl name="asst4">
-    <dgm:scene3d>
-      <a:camera prst="orthographicFront"/>
-      <a:lightRig rig="threePt" dir="t"/>
-    </dgm:scene3d>
-    <dgm:sp3d/>
-    <dgm:txPr/>
-    <dgm:style>
-      <a:lnRef idx="2">
-        <a:scrgbClr r="0" g="0" b="0"/>
-      </a:lnRef>
-      <a:fillRef idx="1">
-        <a:scrgbClr r="0" g="0" b="0"/>
-      </a:fillRef>
-      <a:effectRef idx="0">
-        <a:scrgbClr r="0" g="0" b="0"/>
-      </a:effectRef>
-      <a:fontRef idx="minor">
-        <a:schemeClr val="lt1"/>
-      </a:fontRef>
-    </dgm:style>
-  </dgm:styleLbl>
-  <dgm:styleLbl name="parChTrans2D1">
-    <dgm:scene3d>
-      <a:camera prst="orthographicFront"/>
-      <a:lightRig rig="threePt" dir="t"/>
-    </dgm:scene3d>
-    <dgm:sp3d/>
-    <dgm:txPr/>
-    <dgm:style>
-      <a:lnRef idx="2">
-        <a:scrgbClr r="0" g="0" b="0"/>
-      </a:lnRef>
-      <a:fillRef idx="1">
-        <a:scrgbClr r="0" g="0" b="0"/>
-      </a:fillRef>
-      <a:effectRef idx="0">
-        <a:scrgbClr r="0" g="0" b="0"/>
-      </a:effectRef>
-      <a:fontRef idx="minor">
-        <a:schemeClr val="lt1"/>
-      </a:fontRef>
-    </dgm:style>
-  </dgm:styleLbl>
-  <dgm:styleLbl name="parChTrans2D2">
-    <dgm:scene3d>
-      <a:camera prst="orthographicFront"/>
-      <a:lightRig rig="threePt" dir="t"/>
-    </dgm:scene3d>
-    <dgm:sp3d/>
-    <dgm:txPr/>
-    <dgm:style>
-      <a:lnRef idx="2">
-        <a:scrgbClr r="0" g="0" b="0"/>
-      </a:lnRef>
-      <a:fillRef idx="1">
-        <a:scrgbClr r="0" g="0" b="0"/>
-      </a:fillRef>
-      <a:effectRef idx="0">
-        <a:scrgbClr r="0" g="0" b="0"/>
-      </a:effectRef>
-      <a:fontRef idx="minor">
-        <a:schemeClr val="lt1"/>
-      </a:fontRef>
-    </dgm:style>
-  </dgm:styleLbl>
-  <dgm:styleLbl name="parChTrans2D3">
-    <dgm:scene3d>
-      <a:camera prst="orthographicFront"/>
-      <a:lightRig rig="threePt" dir="t"/>
-    </dgm:scene3d>
-    <dgm:sp3d/>
-    <dgm:txPr/>
-    <dgm:style>
-      <a:lnRef idx="2">
-        <a:scrgbClr r="0" g="0" b="0"/>
-      </a:lnRef>
-      <a:fillRef idx="1">
-        <a:scrgbClr r="0" g="0" b="0"/>
-      </a:fillRef>
-      <a:effectRef idx="0">
-        <a:scrgbClr r="0" g="0" b="0"/>
-      </a:effectRef>
-      <a:fontRef idx="minor">
-        <a:schemeClr val="lt1"/>
-      </a:fontRef>
-    </dgm:style>
-  </dgm:styleLbl>
-  <dgm:styleLbl name="parChTrans2D4">
-    <dgm:scene3d>
-      <a:camera prst="orthographicFront"/>
-      <a:lightRig rig="threePt" dir="t"/>
-    </dgm:scene3d>
-    <dgm:sp3d/>
-    <dgm:txPr/>
-    <dgm:style>
-      <a:lnRef idx="2">
-        <a:scrgbClr r="0" g="0" b="0"/>
-      </a:lnRef>
-      <a:fillRef idx="1">
-        <a:scrgbClr r="0" g="0" b="0"/>
-      </a:fillRef>
-      <a:effectRef idx="0">
-        <a:scrgbClr r="0" g="0" b="0"/>
-      </a:effectRef>
-      <a:fontRef idx="minor">
-        <a:schemeClr val="lt1"/>
-      </a:fontRef>
-    </dgm:style>
-  </dgm:styleLbl>
-  <dgm:styleLbl name="parChTrans1D1">
-    <dgm:scene3d>
-      <a:camera prst="orthographicFront"/>
-      <a:lightRig rig="threePt" dir="t"/>
-    </dgm:scene3d>
-    <dgm:sp3d/>
-    <dgm:txPr/>
-    <dgm:style>
-      <a:lnRef idx="2">
-        <a:scrgbClr r="0" g="0" b="0"/>
-      </a:lnRef>
-      <a:fillRef idx="0">
-        <a:scrgbClr r="0" g="0" b="0"/>
-      </a:fillRef>
-      <a:effectRef idx="0">
-        <a:scrgbClr r="0" g="0" b="0"/>
-      </a:effectRef>
-      <a:fontRef idx="minor"/>
-    </dgm:style>
-  </dgm:styleLbl>
-  <dgm:styleLbl name="parChTrans1D2">
-    <dgm:scene3d>
-      <a:camera prst="orthographicFront"/>
-      <a:lightRig rig="threePt" dir="t"/>
-    </dgm:scene3d>
-    <dgm:sp3d/>
-    <dgm:txPr/>
-    <dgm:style>
-      <a:lnRef idx="2">
-        <a:scrgbClr r="0" g="0" b="0"/>
-      </a:lnRef>
-      <a:fillRef idx="0">
-        <a:scrgbClr r="0" g="0" b="0"/>
-      </a:fillRef>
-      <a:effectRef idx="0">
-        <a:scrgbClr r="0" g="0" b="0"/>
-      </a:effectRef>
-      <a:fontRef idx="minor"/>
-    </dgm:style>
-  </dgm:styleLbl>
-  <dgm:styleLbl name="parChTrans1D3">
-    <dgm:scene3d>
-      <a:camera prst="orthographicFront"/>
-      <a:lightRig rig="threePt" dir="t"/>
-    </dgm:scene3d>
-    <dgm:sp3d/>
-    <dgm:txPr/>
-    <dgm:style>
-      <a:lnRef idx="2">
-        <a:scrgbClr r="0" g="0" b="0"/>
-      </a:lnRef>
-      <a:fillRef idx="0">
-        <a:scrgbClr r="0" g="0" b="0"/>
-      </a:fillRef>
-      <a:effectRef idx="0">
-        <a:scrgbClr r="0" g="0" b="0"/>
-      </a:effectRef>
-      <a:fontRef idx="minor"/>
-    </dgm:style>
-  </dgm:styleLbl>
-  <dgm:styleLbl name="parChTrans1D4">
-    <dgm:scene3d>
-      <a:camera prst="orthographicFront"/>
-      <a:lightRig rig="threePt" dir="t"/>
-    </dgm:scene3d>
-    <dgm:sp3d/>
-    <dgm:txPr/>
-    <dgm:style>
-      <a:lnRef idx="2">
-        <a:scrgbClr r="0" g="0" b="0"/>
-      </a:lnRef>
-      <a:fillRef idx="0">
-        <a:scrgbClr r="0" g="0" b="0"/>
-      </a:fillRef>
-      <a:effectRef idx="0">
-        <a:scrgbClr r="0" g="0" b="0"/>
-      </a:effectRef>
-      <a:fontRef idx="minor"/>
-    </dgm:style>
-  </dgm:styleLbl>
-  <dgm:styleLbl name="fgAcc1">
-    <dgm:scene3d>
-      <a:camera prst="orthographicFront"/>
-      <a:lightRig rig="threePt" dir="t"/>
-    </dgm:scene3d>
-    <dgm:sp3d/>
-    <dgm:txPr/>
-    <dgm:style>
-      <a:lnRef idx="2">
-        <a:scrgbClr r="0" g="0" b="0"/>
-      </a:lnRef>
-      <a:fillRef idx="1">
-        <a:scrgbClr r="0" g="0" b="0"/>
-      </a:fillRef>
-      <a:effectRef idx="0">
-        <a:scrgbClr r="0" g="0" b="0"/>
-      </a:effectRef>
-      <a:fontRef idx="minor"/>
-    </dgm:style>
-  </dgm:styleLbl>
-  <dgm:styleLbl name="conFgAcc1">
-    <dgm:scene3d>
-      <a:camera prst="orthographicFront"/>
-      <a:lightRig rig="threePt" dir="t"/>
-    </dgm:scene3d>
-    <dgm:sp3d/>
-    <dgm:txPr/>
-    <dgm:style>
-      <a:lnRef idx="2">
-        <a:scrgbClr r="0" g="0" b="0"/>
-      </a:lnRef>
-      <a:fillRef idx="1">
-        <a:scrgbClr r="0" g="0" b="0"/>
-      </a:fillRef>
-      <a:effectRef idx="0">
-        <a:scrgbClr r="0" g="0" b="0"/>
-      </a:effectRef>
-      <a:fontRef idx="minor"/>
-    </dgm:style>
-  </dgm:styleLbl>
-  <dgm:styleLbl name="alignAcc1">
-    <dgm:scene3d>
-      <a:camera prst="orthographicFront"/>
-      <a:lightRig rig="threePt" dir="t"/>
-    </dgm:scene3d>
-    <dgm:sp3d/>
-    <dgm:txPr/>
-    <dgm:style>
-      <a:lnRef idx="2">
-        <a:scrgbClr r="0" g="0" b="0"/>
-      </a:lnRef>
-      <a:fillRef idx="1">
-        <a:scrgbClr r="0" g="0" b="0"/>
-      </a:fillRef>
-      <a:effectRef idx="0">
-        <a:scrgbClr r="0" g="0" b="0"/>
-      </a:effectRef>
-      <a:fontRef idx="minor"/>
-    </dgm:style>
-  </dgm:styleLbl>
-  <dgm:styleLbl name="trAlignAcc1">
-    <dgm:scene3d>
-      <a:camera prst="orthographicFront"/>
-      <a:lightRig rig="threePt" dir="t"/>
-    </dgm:scene3d>
-    <dgm:sp3d/>
-    <dgm:txPr/>
-    <dgm:style>
-      <a:lnRef idx="1">
-        <a:scrgbClr r="0" g="0" b="0"/>
-      </a:lnRef>
-      <a:fillRef idx="1">
-        <a:scrgbClr r="0" g="0" b="0"/>
-      </a:fillRef>
-      <a:effectRef idx="0">
-        <a:scrgbClr r="0" g="0" b="0"/>
-      </a:effectRef>
-      <a:fontRef idx="minor"/>
-    </dgm:style>
-  </dgm:styleLbl>
-  <dgm:styleLbl name="bgAcc1">
-    <dgm:scene3d>
-      <a:camera prst="orthographicFront"/>
-      <a:lightRig rig="threePt" dir="t"/>
-    </dgm:scene3d>
-    <dgm:sp3d/>
-    <dgm:txPr/>
-    <dgm:style>
-      <a:lnRef idx="2">
-        <a:scrgbClr r="0" g="0" b="0"/>
-      </a:lnRef>
-      <a:fillRef idx="1">
-        <a:scrgbClr r="0" g="0" b="0"/>
-      </a:fillRef>
-      <a:effectRef idx="0">
-        <a:scrgbClr r="0" g="0" b="0"/>
-      </a:effectRef>
-      <a:fontRef idx="minor"/>
-    </dgm:style>
-  </dgm:styleLbl>
-  <dgm:styleLbl name="solidFgAcc1">
-    <dgm:scene3d>
-      <a:camera prst="orthographicFront"/>
-      <a:lightRig rig="threePt" dir="t"/>
-    </dgm:scene3d>
-    <dgm:sp3d/>
-    <dgm:txPr/>
-    <dgm:style>
-      <a:lnRef idx="2">
-        <a:scrgbClr r="0" g="0" b="0"/>
-      </a:lnRef>
-      <a:fillRef idx="1">
-        <a:scrgbClr r="0" g="0" b="0"/>
-      </a:fillRef>
-      <a:effectRef idx="0">
-        <a:scrgbClr r="0" g="0" b="0"/>
-      </a:effectRef>
-      <a:fontRef idx="minor"/>
-    </dgm:style>
-  </dgm:styleLbl>
-  <dgm:styleLbl name="solidAlignAcc1">
-    <dgm:scene3d>
-      <a:camera prst="orthographicFront"/>
-      <a:lightRig rig="threePt" dir="t"/>
-    </dgm:scene3d>
-    <dgm:sp3d/>
-    <dgm:txPr/>
-    <dgm:style>
-      <a:lnRef idx="2">
-        <a:scrgbClr r="0" g="0" b="0"/>
-      </a:lnRef>
-      <a:fillRef idx="1">
-        <a:scrgbClr r="0" g="0" b="0"/>
-      </a:fillRef>
-      <a:effectRef idx="0">
-        <a:scrgbClr r="0" g="0" b="0"/>
-      </a:effectRef>
-      <a:fontRef idx="minor"/>
-    </dgm:style>
-  </dgm:styleLbl>
-  <dgm:styleLbl name="solidBgAcc1">
-    <dgm:scene3d>
-      <a:camera prst="orthographicFront"/>
-      <a:lightRig rig="threePt" dir="t"/>
-    </dgm:scene3d>
-    <dgm:sp3d/>
-    <dgm:txPr/>
-    <dgm:style>
-      <a:lnRef idx="2">
-        <a:scrgbClr r="0" g="0" b="0"/>
-      </a:lnRef>
-      <a:fillRef idx="1">
-        <a:scrgbClr r="0" g="0" b="0"/>
-      </a:fillRef>
-      <a:effectRef idx="0">
-        <a:scrgbClr r="0" g="0" b="0"/>
-      </a:effectRef>
-      <a:fontRef idx="minor"/>
-    </dgm:style>
-  </dgm:styleLbl>
-  <dgm:styleLbl name="fgAccFollowNode1">
-    <dgm:scene3d>
-      <a:camera prst="orthographicFront"/>
-      <a:lightRig rig="threePt" dir="t"/>
-    </dgm:scene3d>
-    <dgm:sp3d/>
-    <dgm:txPr/>
-    <dgm:style>
-      <a:lnRef idx="2">
-        <a:scrgbClr r="0" g="0" b="0"/>
-      </a:lnRef>
-      <a:fillRef idx="1">
-        <a:scrgbClr r="0" g="0" b="0"/>
-      </a:fillRef>
-      <a:effectRef idx="0">
-        <a:scrgbClr r="0" g="0" b="0"/>
-      </a:effectRef>
-      <a:fontRef idx="minor"/>
-    </dgm:style>
-  </dgm:styleLbl>
-  <dgm:styleLbl name="alignAccFollowNode1">
-    <dgm:scene3d>
-      <a:camera prst="orthographicFront"/>
-      <a:lightRig rig="threePt" dir="t"/>
-    </dgm:scene3d>
-    <dgm:sp3d/>
-    <dgm:txPr/>
-    <dgm:style>
-      <a:lnRef idx="2">
-        <a:scrgbClr r="0" g="0" b="0"/>
-      </a:lnRef>
-      <a:fillRef idx="1">
-        <a:scrgbClr r="0" g="0" b="0"/>
-      </a:fillRef>
-      <a:effectRef idx="0">
-        <a:scrgbClr r="0" g="0" b="0"/>
-      </a:effectRef>
-      <a:fontRef idx="minor"/>
-    </dgm:style>
-  </dgm:styleLbl>
-  <dgm:styleLbl name="bgAccFollowNode1">
-    <dgm:scene3d>
-      <a:camera prst="orthographicFront"/>
-      <a:lightRig rig="threePt" dir="t"/>
-    </dgm:scene3d>
-    <dgm:sp3d/>
-    <dgm:txPr/>
-    <dgm:style>
-      <a:lnRef idx="2">
-        <a:scrgbClr r="0" g="0" b="0"/>
-      </a:lnRef>
-      <a:fillRef idx="1">
-        <a:scrgbClr r="0" g="0" b="0"/>
-      </a:fillRef>
-      <a:effectRef idx="0">
-        <a:scrgbClr r="0" g="0" b="0"/>
-      </a:effectRef>
-      <a:fontRef idx="minor"/>
-    </dgm:style>
-  </dgm:styleLbl>
-  <dgm:styleLbl name="fgAcc0">
-    <dgm:scene3d>
-      <a:camera prst="orthographicFront"/>
-      <a:lightRig rig="threePt" dir="t"/>
-    </dgm:scene3d>
-    <dgm:sp3d/>
-    <dgm:txPr/>
-    <dgm:style>
-      <a:lnRef idx="2">
-        <a:scrgbClr r="0" g="0" b="0"/>
-      </a:lnRef>
-      <a:fillRef idx="1">
-        <a:scrgbClr r="0" g="0" b="0"/>
-      </a:fillRef>
-      <a:effectRef idx="0">
-        <a:scrgbClr r="0" g="0" b="0"/>
-      </a:effectRef>
-      <a:fontRef idx="minor"/>
-    </dgm:style>
-  </dgm:styleLbl>
-  <dgm:styleLbl name="fgAcc2">
-    <dgm:scene3d>
-      <a:camera prst="orthographicFront"/>
-      <a:lightRig rig="threePt" dir="t"/>
-    </dgm:scene3d>
-    <dgm:sp3d/>
-    <dgm:txPr/>
-    <dgm:style>
-      <a:lnRef idx="2">
-        <a:scrgbClr r="0" g="0" b="0"/>
-      </a:lnRef>
-      <a:fillRef idx="1">
-        <a:scrgbClr r="0" g="0" b="0"/>
-      </a:fillRef>
-      <a:effectRef idx="0">
-        <a:scrgbClr r="0" g="0" b="0"/>
-      </a:effectRef>
-      <a:fontRef idx="minor"/>
-    </dgm:style>
-  </dgm:styleLbl>
-  <dgm:styleLbl name="fgAcc3">
-    <dgm:scene3d>
-      <a:camera prst="orthographicFront"/>
-      <a:lightRig rig="threePt" dir="t"/>
-    </dgm:scene3d>
-    <dgm:sp3d/>
-    <dgm:txPr/>
-    <dgm:style>
-      <a:lnRef idx="2">
-        <a:scrgbClr r="0" g="0" b="0"/>
-      </a:lnRef>
-      <a:fillRef idx="1">
-        <a:scrgbClr r="0" g="0" b="0"/>
-      </a:fillRef>
-      <a:effectRef idx="0">
-        <a:scrgbClr r="0" g="0" b="0"/>
-      </a:effectRef>
-      <a:fontRef idx="minor"/>
-    </dgm:style>
-  </dgm:styleLbl>
-  <dgm:styleLbl name="fgAcc4">
-    <dgm:scene3d>
-      <a:camera prst="orthographicFront"/>
-      <a:lightRig rig="threePt" dir="t"/>
-    </dgm:scene3d>
-    <dgm:sp3d/>
-    <dgm:txPr/>
-    <dgm:style>
-      <a:lnRef idx="2">
-        <a:scrgbClr r="0" g="0" b="0"/>
-      </a:lnRef>
-      <a:fillRef idx="1">
-        <a:scrgbClr r="0" g="0" b="0"/>
-      </a:fillRef>
-      <a:effectRef idx="0">
-        <a:scrgbClr r="0" g="0" b="0"/>
-      </a:effectRef>
-      <a:fontRef idx="minor"/>
-    </dgm:style>
-  </dgm:styleLbl>
-  <dgm:styleLbl name="bgShp">
-    <dgm:scene3d>
-      <a:camera prst="orthographicFront"/>
-      <a:lightRig rig="threePt" dir="t"/>
-    </dgm:scene3d>
-    <dgm:sp3d/>
-    <dgm:txPr/>
-    <dgm:style>
-      <a:lnRef idx="0">
-        <a:scrgbClr r="0" g="0" b="0"/>
-      </a:lnRef>
-      <a:fillRef idx="1">
-        <a:scrgbClr r="0" g="0" b="0"/>
-      </a:fillRef>
-      <a:effectRef idx="0">
-        <a:scrgbClr r="0" g="0" b="0"/>
-      </a:effectRef>
-      <a:fontRef idx="minor"/>
-    </dgm:style>
-  </dgm:styleLbl>
-  <dgm:styleLbl name="dkBgShp">
-    <dgm:scene3d>
-      <a:camera prst="orthographicFront"/>
-      <a:lightRig rig="threePt" dir="t"/>
-    </dgm:scene3d>
-    <dgm:sp3d/>
-    <dgm:txPr/>
-    <dgm:style>
-      <a:lnRef idx="0">
-        <a:scrgbClr r="0" g="0" b="0"/>
-      </a:lnRef>
-      <a:fillRef idx="1">
-        <a:scrgbClr r="0" g="0" b="0"/>
-      </a:fillRef>
-      <a:effectRef idx="0">
-        <a:scrgbClr r="0" g="0" b="0"/>
-      </a:effectRef>
-      <a:fontRef idx="minor"/>
-    </dgm:style>
-  </dgm:styleLbl>
-  <dgm:styleLbl name="trBgShp">
-    <dgm:scene3d>
-      <a:camera prst="orthographicFront"/>
-      <a:lightRig rig="threePt" dir="t"/>
-    </dgm:scene3d>
-    <dgm:sp3d/>
-    <dgm:txPr/>
-    <dgm:style>
-      <a:lnRef idx="0">
-        <a:scrgbClr r="0" g="0" b="0"/>
-      </a:lnRef>
-      <a:fillRef idx="1">
-        <a:scrgbClr r="0" g="0" b="0"/>
-      </a:fillRef>
-      <a:effectRef idx="0">
-        <a:scrgbClr r="0" g="0" b="0"/>
-      </a:effectRef>
-      <a:fontRef idx="minor"/>
-    </dgm:style>
-  </dgm:styleLbl>
-  <dgm:styleLbl name="fgShp">
-    <dgm:scene3d>
-      <a:camera prst="orthographicFront"/>
-      <a:lightRig rig="threePt" dir="t"/>
-    </dgm:scene3d>
-    <dgm:sp3d/>
-    <dgm:txPr/>
-    <dgm:style>
-      <a:lnRef idx="2">
-        <a:scrgbClr r="0" g="0" b="0"/>
-      </a:lnRef>
-      <a:fillRef idx="1">
-        <a:scrgbClr r="0" g="0" b="0"/>
-      </a:fillRef>
-      <a:effectRef idx="0">
-        <a:scrgbClr r="0" g="0" b="0"/>
-      </a:effectRef>
-      <a:fontRef idx="minor"/>
-    </dgm:style>
-  </dgm:styleLbl>
-  <dgm:styleLbl name="revTx">
-    <dgm:scene3d>
-      <a:camera prst="orthographicFront"/>
-      <a:lightRig rig="threePt" dir="t"/>
-    </dgm:scene3d>
-    <dgm:sp3d/>
-    <dgm:txPr/>
-    <dgm:style>
-      <a:lnRef idx="0">
-        <a:scrgbClr r="0" g="0" b="0"/>
-      </a:lnRef>
-      <a:fillRef idx="0">
-        <a:scrgbClr r="0" g="0" b="0"/>
-      </a:fillRef>
-      <a:effectRef idx="0">
-        <a:scrgbClr r="0" g="0" b="0"/>
-      </a:effectRef>
-      <a:fontRef idx="minor"/>
-    </dgm:style>
-  </dgm:styleLbl>
-</dgm:styleDef>
-</file>
-
 <file path=ppt/handoutMasters/handoutMaster1.xml><?xml version="1.0" encoding="utf-8"?>
 <p:handoutMaster xmlns:a="http://schemas.openxmlformats.org/drawingml/2006/main" xmlns:r="http://schemas.openxmlformats.org/officeDocument/2006/relationships" xmlns:p="http://schemas.openxmlformats.org/presentationml/2006/main">
   <p:cSld>
@@ -3799,7 +218,7 @@
           <a:p>
             <a:fld id="{B56F32FC-4BD9-442A-A8C6-51598C909FE3}" type="datetimeFigureOut">
               <a:rPr lang="en-US" smtClean="0"/>
-              <a:t>11/27/2022</a:t>
+              <a:t>11/29/2022</a:t>
             </a:fld>
             <a:endParaRPr lang="en-US" dirty="0"/>
           </a:p>
@@ -3877,7 +296,7 @@
           <a:p>
             <a:fld id="{28EEFA9E-C190-4F5C-8394-BD5F1CD55C02}" type="slidenum">
               <a:rPr lang="en-US" smtClean="0"/>
-              <a:t>‹#›</a:t>
+              <a:t>‹N›</a:t>
             </a:fld>
             <a:endParaRPr lang="en-US" dirty="0"/>
           </a:p>
@@ -3976,7 +395,7 @@
           <a:p>
             <a:fld id="{056371FA-A98D-41E8-93F4-09945841298A}" type="datetimeFigureOut">
               <a:rPr lang="en-US" smtClean="0"/>
-              <a:t>11/27/2022</a:t>
+              <a:t>11/29/2022</a:t>
             </a:fld>
             <a:endParaRPr lang="en-US" dirty="0"/>
           </a:p>
@@ -4134,7 +553,7 @@
           <a:p>
             <a:fld id="{22289C57-55D7-40A4-A101-E74FAC7A092B}" type="slidenum">
               <a:rPr lang="en-US" smtClean="0"/>
-              <a:t>‹#›</a:t>
+              <a:t>‹N›</a:t>
             </a:fld>
             <a:endParaRPr lang="en-US" dirty="0"/>
           </a:p>
@@ -4719,7 +1138,7 @@
             <a:fld id="{A49DFD55-3C28-40EF-9E31-A92D2E4017FF}" type="slidenum">
               <a:rPr lang="en-US" smtClean="0"/>
               <a:pPr/>
-              <a:t>‹#›</a:t>
+              <a:t>‹N›</a:t>
             </a:fld>
             <a:endParaRPr lang="en-US" dirty="0"/>
           </a:p>
@@ -5330,7 +1749,7 @@
             <a:fld id="{A49DFD55-3C28-40EF-9E31-A92D2E4017FF}" type="slidenum">
               <a:rPr lang="en-US" smtClean="0"/>
               <a:pPr/>
-              <a:t>‹#›</a:t>
+              <a:t>‹N›</a:t>
             </a:fld>
             <a:endParaRPr lang="en-US" dirty="0"/>
           </a:p>
@@ -6065,7 +2484,7 @@
             <a:fld id="{A49DFD55-3C28-40EF-9E31-A92D2E4017FF}" type="slidenum">
               <a:rPr lang="en-US" smtClean="0"/>
               <a:pPr/>
-              <a:t>‹#›</a:t>
+              <a:t>‹N›</a:t>
             </a:fld>
             <a:endParaRPr lang="en-US" dirty="0"/>
           </a:p>
@@ -6829,7 +3248,7 @@
             <a:fld id="{A49DFD55-3C28-40EF-9E31-A92D2E4017FF}" type="slidenum">
               <a:rPr lang="en-US" smtClean="0"/>
               <a:pPr/>
-              <a:t>‹#›</a:t>
+              <a:t>‹N›</a:t>
             </a:fld>
             <a:endParaRPr lang="en-US" dirty="0"/>
           </a:p>
@@ -7363,7 +3782,7 @@
             <a:fld id="{A49DFD55-3C28-40EF-9E31-A92D2E4017FF}" type="slidenum">
               <a:rPr lang="en-US" smtClean="0"/>
               <a:pPr/>
-              <a:t>‹#›</a:t>
+              <a:t>‹N›</a:t>
             </a:fld>
             <a:endParaRPr lang="en-US" dirty="0"/>
           </a:p>
@@ -7683,7 +4102,7 @@
             <a:fld id="{A49DFD55-3C28-40EF-9E31-A92D2E4017FF}" type="slidenum">
               <a:rPr lang="en-US" smtClean="0"/>
               <a:pPr/>
-              <a:t>‹#›</a:t>
+              <a:t>‹N›</a:t>
             </a:fld>
             <a:endParaRPr lang="en-US" dirty="0"/>
           </a:p>
@@ -8032,7 +4451,7 @@
             <a:fld id="{A49DFD55-3C28-40EF-9E31-A92D2E4017FF}" type="slidenum">
               <a:rPr lang="en-US" smtClean="0"/>
               <a:pPr/>
-              <a:t>‹#›</a:t>
+              <a:t>‹N›</a:t>
             </a:fld>
             <a:endParaRPr lang="en-US" dirty="0"/>
           </a:p>
@@ -8344,7 +4763,7 @@
             <a:fld id="{A49DFD55-3C28-40EF-9E31-A92D2E4017FF}" type="slidenum">
               <a:rPr lang="en-US" smtClean="0"/>
               <a:pPr/>
-              <a:t>‹#›</a:t>
+              <a:t>‹N›</a:t>
             </a:fld>
             <a:endParaRPr lang="en-US" dirty="0"/>
           </a:p>
@@ -8817,7 +5236,7 @@
             <a:fld id="{A49DFD55-3C28-40EF-9E31-A92D2E4017FF}" type="slidenum">
               <a:rPr lang="en-US" smtClean="0"/>
               <a:pPr/>
-              <a:t>‹#›</a:t>
+              <a:t>‹N›</a:t>
             </a:fld>
             <a:endParaRPr lang="en-US" dirty="0"/>
           </a:p>
@@ -9059,7 +5478,7 @@
             <a:fld id="{A49DFD55-3C28-40EF-9E31-A92D2E4017FF}" type="slidenum">
               <a:rPr lang="en-US" smtClean="0"/>
               <a:pPr/>
-              <a:t>‹#›</a:t>
+              <a:t>‹N›</a:t>
             </a:fld>
             <a:endParaRPr lang="en-US" dirty="0"/>
           </a:p>
@@ -9365,7 +5784,7 @@
             <a:fld id="{A49DFD55-3C28-40EF-9E31-A92D2E4017FF}" type="slidenum">
               <a:rPr lang="en-US" smtClean="0"/>
               <a:pPr/>
-              <a:t>‹#›</a:t>
+              <a:t>‹N›</a:t>
             </a:fld>
             <a:endParaRPr lang="en-US" dirty="0"/>
           </a:p>
@@ -10385,7 +6804,7 @@
             <a:fld id="{A49DFD55-3C28-40EF-9E31-A92D2E4017FF}" type="slidenum">
               <a:rPr lang="en-US" smtClean="0"/>
               <a:pPr/>
-              <a:t>‹#›</a:t>
+              <a:t>‹N›</a:t>
             </a:fld>
             <a:endParaRPr lang="en-US" dirty="0"/>
           </a:p>
@@ -12472,7 +8891,7 @@
             <a:fld id="{A49DFD55-3C28-40EF-9E31-A92D2E4017FF}" type="slidenum">
               <a:rPr lang="en-US" smtClean="0"/>
               <a:pPr/>
-              <a:t>‹#›</a:t>
+              <a:t>‹N›</a:t>
             </a:fld>
             <a:endParaRPr lang="en-US" dirty="0"/>
           </a:p>
@@ -12751,7 +9170,7 @@
           <a:p>
             <a:fld id="{A49DFD55-3C28-40EF-9E31-A92D2E4017FF}" type="slidenum">
               <a:rPr lang="en-US" smtClean="0"/>
-              <a:t>‹#›</a:t>
+              <a:t>‹N›</a:t>
             </a:fld>
             <a:endParaRPr lang="en-US" dirty="0"/>
           </a:p>
@@ -13164,1556 +9583,6 @@
 </p:sld>
 </file>
 
-<file path=ppt/slides/slide10.xml><?xml version="1.0" encoding="utf-8"?>
-<p:sld xmlns:a="http://schemas.openxmlformats.org/drawingml/2006/main" xmlns:r="http://schemas.openxmlformats.org/officeDocument/2006/relationships" xmlns:p="http://schemas.openxmlformats.org/presentationml/2006/main">
-  <p:cSld>
-    <p:spTree>
-      <p:nvGrpSpPr>
-        <p:cNvPr id="1" name=""/>
-        <p:cNvGrpSpPr/>
-        <p:nvPr/>
-      </p:nvGrpSpPr>
-      <p:grpSpPr>
-        <a:xfrm>
-          <a:off x="0" y="0"/>
-          <a:ext cx="0" cy="0"/>
-          <a:chOff x="0" y="0"/>
-          <a:chExt cx="0" cy="0"/>
-        </a:xfrm>
-      </p:grpSpPr>
-      <p:sp>
-        <p:nvSpPr>
-          <p:cNvPr id="2" name="Title 1">
-            <a:extLst>
-              <a:ext uri="{FF2B5EF4-FFF2-40B4-BE49-F238E27FC236}">
-                <a16:creationId xmlns:a16="http://schemas.microsoft.com/office/drawing/2014/main" id="{FA93DB88-62DD-4C41-977F-D59BEF14EE76}"/>
-              </a:ext>
-            </a:extLst>
-          </p:cNvPr>
-          <p:cNvSpPr>
-            <a:spLocks noGrp="1"/>
-          </p:cNvSpPr>
-          <p:nvPr>
-            <p:ph type="title"/>
-          </p:nvPr>
-        </p:nvSpPr>
-        <p:spPr>
-          <a:xfrm>
-            <a:off x="838200" y="5509419"/>
-            <a:ext cx="4082142" cy="585788"/>
-          </a:xfrm>
-        </p:spPr>
-        <p:txBody>
-          <a:bodyPr/>
-          <a:lstStyle/>
-          <a:p>
-            <a:r>
-              <a:rPr lang="en-US" dirty="0"/>
-              <a:t>TIMELINE</a:t>
-            </a:r>
-          </a:p>
-        </p:txBody>
-      </p:sp>
-      <p:sp>
-        <p:nvSpPr>
-          <p:cNvPr id="3" name="Text Placeholder 2">
-            <a:extLst>
-              <a:ext uri="{FF2B5EF4-FFF2-40B4-BE49-F238E27FC236}">
-                <a16:creationId xmlns:a16="http://schemas.microsoft.com/office/drawing/2014/main" id="{AEF37E83-2D8B-42EF-A2C4-5D2BBDB1F05B}"/>
-              </a:ext>
-            </a:extLst>
-          </p:cNvPr>
-          <p:cNvSpPr>
-            <a:spLocks noGrp="1"/>
-          </p:cNvSpPr>
-          <p:nvPr>
-            <p:ph type="body" sz="quarter" idx="13"/>
-          </p:nvPr>
-        </p:nvSpPr>
-        <p:spPr>
-          <a:xfrm>
-            <a:off x="166074" y="1507772"/>
-            <a:ext cx="2141764" cy="514350"/>
-          </a:xfrm>
-        </p:spPr>
-        <p:txBody>
-          <a:bodyPr/>
-          <a:lstStyle/>
-          <a:p>
-            <a:r>
-              <a:rPr lang="en-US" dirty="0"/>
-              <a:t>Q1</a:t>
-            </a:r>
-          </a:p>
-        </p:txBody>
-      </p:sp>
-      <p:sp>
-        <p:nvSpPr>
-          <p:cNvPr id="4" name="Text Placeholder 3">
-            <a:extLst>
-              <a:ext uri="{FF2B5EF4-FFF2-40B4-BE49-F238E27FC236}">
-                <a16:creationId xmlns:a16="http://schemas.microsoft.com/office/drawing/2014/main" id="{B0D77839-2CFD-4BC8-85DA-9EE69CCE1B20}"/>
-              </a:ext>
-            </a:extLst>
-          </p:cNvPr>
-          <p:cNvSpPr>
-            <a:spLocks noGrp="1"/>
-          </p:cNvSpPr>
-          <p:nvPr>
-            <p:ph type="body" sz="quarter" idx="14"/>
-          </p:nvPr>
-        </p:nvSpPr>
-        <p:spPr>
-          <a:xfrm>
-            <a:off x="732131" y="2584097"/>
-            <a:ext cx="2141764" cy="514350"/>
-          </a:xfrm>
-        </p:spPr>
-        <p:txBody>
-          <a:bodyPr/>
-          <a:lstStyle/>
-          <a:p>
-            <a:r>
-              <a:rPr lang="en-US" dirty="0"/>
-              <a:t>Q2</a:t>
-            </a:r>
-          </a:p>
-        </p:txBody>
-      </p:sp>
-      <p:sp>
-        <p:nvSpPr>
-          <p:cNvPr id="5" name="Text Placeholder 4">
-            <a:extLst>
-              <a:ext uri="{FF2B5EF4-FFF2-40B4-BE49-F238E27FC236}">
-                <a16:creationId xmlns:a16="http://schemas.microsoft.com/office/drawing/2014/main" id="{57E386FF-C90F-4484-A843-D4BA75FFF002}"/>
-              </a:ext>
-            </a:extLst>
-          </p:cNvPr>
-          <p:cNvSpPr>
-            <a:spLocks noGrp="1"/>
-          </p:cNvSpPr>
-          <p:nvPr>
-            <p:ph type="body" sz="quarter" idx="15"/>
-          </p:nvPr>
-        </p:nvSpPr>
-        <p:spPr>
-          <a:xfrm>
-            <a:off x="1338556" y="3660422"/>
-            <a:ext cx="2141764" cy="514350"/>
-          </a:xfrm>
-        </p:spPr>
-        <p:txBody>
-          <a:bodyPr/>
-          <a:lstStyle/>
-          <a:p>
-            <a:r>
-              <a:rPr lang="en-US" dirty="0"/>
-              <a:t>Q3</a:t>
-            </a:r>
-          </a:p>
-        </p:txBody>
-      </p:sp>
-      <p:sp>
-        <p:nvSpPr>
-          <p:cNvPr id="6" name="Text Placeholder 5">
-            <a:extLst>
-              <a:ext uri="{FF2B5EF4-FFF2-40B4-BE49-F238E27FC236}">
-                <a16:creationId xmlns:a16="http://schemas.microsoft.com/office/drawing/2014/main" id="{F30780D1-5C1B-411C-81ED-7B9970FCBF8A}"/>
-              </a:ext>
-            </a:extLst>
-          </p:cNvPr>
-          <p:cNvSpPr>
-            <a:spLocks noGrp="1"/>
-          </p:cNvSpPr>
-          <p:nvPr>
-            <p:ph type="body" sz="quarter" idx="16"/>
-          </p:nvPr>
-        </p:nvSpPr>
-        <p:spPr>
-          <a:xfrm>
-            <a:off x="1922756" y="4736748"/>
-            <a:ext cx="2141764" cy="514350"/>
-          </a:xfrm>
-        </p:spPr>
-        <p:txBody>
-          <a:bodyPr/>
-          <a:lstStyle/>
-          <a:p>
-            <a:r>
-              <a:rPr lang="en-US" dirty="0"/>
-              <a:t>Q4</a:t>
-            </a:r>
-          </a:p>
-        </p:txBody>
-      </p:sp>
-      <p:sp>
-        <p:nvSpPr>
-          <p:cNvPr id="12" name="Text Placeholder 11">
-            <a:extLst>
-              <a:ext uri="{FF2B5EF4-FFF2-40B4-BE49-F238E27FC236}">
-                <a16:creationId xmlns:a16="http://schemas.microsoft.com/office/drawing/2014/main" id="{FABE7D8B-D1CD-44C0-AD2D-2ABA67684E97}"/>
-              </a:ext>
-            </a:extLst>
-          </p:cNvPr>
-          <p:cNvSpPr>
-            <a:spLocks noGrp="1"/>
-          </p:cNvSpPr>
-          <p:nvPr>
-            <p:ph type="body" sz="quarter" idx="17"/>
-          </p:nvPr>
-        </p:nvSpPr>
-        <p:spPr>
-          <a:xfrm>
-            <a:off x="4401536" y="1613528"/>
-            <a:ext cx="5102680" cy="1010842"/>
-          </a:xfrm>
-        </p:spPr>
-        <p:txBody>
-          <a:bodyPr>
-            <a:normAutofit/>
-          </a:bodyPr>
-          <a:lstStyle/>
-          <a:p>
-            <a:r>
-              <a:rPr lang="en-US" dirty="0"/>
-              <a:t>Synergize scalable e-commerce</a:t>
-            </a:r>
-          </a:p>
-        </p:txBody>
-      </p:sp>
-      <p:sp>
-        <p:nvSpPr>
-          <p:cNvPr id="13" name="Text Placeholder 12">
-            <a:extLst>
-              <a:ext uri="{FF2B5EF4-FFF2-40B4-BE49-F238E27FC236}">
-                <a16:creationId xmlns:a16="http://schemas.microsoft.com/office/drawing/2014/main" id="{8C2F0B15-120C-423F-8EE5-F303B19D5CC5}"/>
-              </a:ext>
-            </a:extLst>
-          </p:cNvPr>
-          <p:cNvSpPr>
-            <a:spLocks noGrp="1"/>
-          </p:cNvSpPr>
-          <p:nvPr>
-            <p:ph type="body" sz="quarter" idx="18"/>
-          </p:nvPr>
-        </p:nvSpPr>
-        <p:spPr>
-          <a:xfrm>
-            <a:off x="4986029" y="2682564"/>
-            <a:ext cx="5102680" cy="1010842"/>
-          </a:xfrm>
-        </p:spPr>
-        <p:txBody>
-          <a:bodyPr>
-            <a:normAutofit/>
-          </a:bodyPr>
-          <a:lstStyle/>
-          <a:p>
-            <a:r>
-              <a:rPr lang="en-US" dirty="0"/>
-              <a:t>Coordinate e-business applications</a:t>
-            </a:r>
-          </a:p>
-        </p:txBody>
-      </p:sp>
-      <p:sp>
-        <p:nvSpPr>
-          <p:cNvPr id="14" name="Text Placeholder 13">
-            <a:extLst>
-              <a:ext uri="{FF2B5EF4-FFF2-40B4-BE49-F238E27FC236}">
-                <a16:creationId xmlns:a16="http://schemas.microsoft.com/office/drawing/2014/main" id="{300D2644-F516-41F1-A88D-93673EA209A4}"/>
-              </a:ext>
-            </a:extLst>
-          </p:cNvPr>
-          <p:cNvSpPr>
-            <a:spLocks noGrp="1"/>
-          </p:cNvSpPr>
-          <p:nvPr>
-            <p:ph type="body" sz="quarter" idx="19"/>
-          </p:nvPr>
-        </p:nvSpPr>
-        <p:spPr>
-          <a:xfrm>
-            <a:off x="5576938" y="3755394"/>
-            <a:ext cx="5102680" cy="1010842"/>
-          </a:xfrm>
-        </p:spPr>
-        <p:txBody>
-          <a:bodyPr>
-            <a:normAutofit/>
-          </a:bodyPr>
-          <a:lstStyle/>
-          <a:p>
-            <a:r>
-              <a:rPr lang="en-US" dirty="0"/>
-              <a:t>Deploy strategic networks with compelling e-business needs</a:t>
-            </a:r>
-          </a:p>
-        </p:txBody>
-      </p:sp>
-      <p:sp>
-        <p:nvSpPr>
-          <p:cNvPr id="15" name="Text Placeholder 14">
-            <a:extLst>
-              <a:ext uri="{FF2B5EF4-FFF2-40B4-BE49-F238E27FC236}">
-                <a16:creationId xmlns:a16="http://schemas.microsoft.com/office/drawing/2014/main" id="{9405A1F0-98C1-4B11-8D9A-3C009ADC44D0}"/>
-              </a:ext>
-            </a:extLst>
-          </p:cNvPr>
-          <p:cNvSpPr>
-            <a:spLocks noGrp="1"/>
-          </p:cNvSpPr>
-          <p:nvPr>
-            <p:ph type="body" sz="quarter" idx="20"/>
-          </p:nvPr>
-        </p:nvSpPr>
-        <p:spPr>
-          <a:xfrm>
-            <a:off x="6175280" y="4824430"/>
-            <a:ext cx="5102680" cy="1010842"/>
-          </a:xfrm>
-        </p:spPr>
-        <p:txBody>
-          <a:bodyPr>
-            <a:normAutofit/>
-          </a:bodyPr>
-          <a:lstStyle/>
-          <a:p>
-            <a:r>
-              <a:rPr lang="en-US" dirty="0"/>
-              <a:t>Disseminate standardized metrics</a:t>
-            </a:r>
-          </a:p>
-        </p:txBody>
-      </p:sp>
-      <p:sp>
-        <p:nvSpPr>
-          <p:cNvPr id="16" name="Date Placeholder 15">
-            <a:extLst>
-              <a:ext uri="{FF2B5EF4-FFF2-40B4-BE49-F238E27FC236}">
-                <a16:creationId xmlns:a16="http://schemas.microsoft.com/office/drawing/2014/main" id="{24238BD7-9B10-4E64-B1B4-FDE6DD70AA60}"/>
-              </a:ext>
-            </a:extLst>
-          </p:cNvPr>
-          <p:cNvSpPr>
-            <a:spLocks noGrp="1"/>
-          </p:cNvSpPr>
-          <p:nvPr>
-            <p:ph type="dt" sz="half" idx="10"/>
-          </p:nvPr>
-        </p:nvSpPr>
-        <p:spPr>
-          <a:xfrm>
-            <a:off x="838200" y="6356350"/>
-            <a:ext cx="2743200" cy="365125"/>
-          </a:xfrm>
-        </p:spPr>
-        <p:txBody>
-          <a:bodyPr/>
-          <a:lstStyle/>
-          <a:p>
-            <a:r>
-              <a:rPr lang="en-US" dirty="0"/>
-              <a:t>20XX</a:t>
-            </a:r>
-          </a:p>
-        </p:txBody>
-      </p:sp>
-      <p:sp>
-        <p:nvSpPr>
-          <p:cNvPr id="17" name="Footer Placeholder 16">
-            <a:extLst>
-              <a:ext uri="{FF2B5EF4-FFF2-40B4-BE49-F238E27FC236}">
-                <a16:creationId xmlns:a16="http://schemas.microsoft.com/office/drawing/2014/main" id="{CD3D67B7-A821-49FC-94BE-19EDE9D319A5}"/>
-              </a:ext>
-            </a:extLst>
-          </p:cNvPr>
-          <p:cNvSpPr>
-            <a:spLocks noGrp="1"/>
-          </p:cNvSpPr>
-          <p:nvPr>
-            <p:ph type="ftr" sz="quarter" idx="11"/>
-          </p:nvPr>
-        </p:nvSpPr>
-        <p:spPr>
-          <a:xfrm>
-            <a:off x="6749143" y="6356350"/>
-            <a:ext cx="3775981" cy="365125"/>
-          </a:xfrm>
-        </p:spPr>
-        <p:txBody>
-          <a:bodyPr/>
-          <a:lstStyle/>
-          <a:p>
-            <a:r>
-              <a:rPr lang="en-US" dirty="0"/>
-              <a:t>PRESENTATION TITLE</a:t>
-            </a:r>
-          </a:p>
-        </p:txBody>
-      </p:sp>
-      <p:sp>
-        <p:nvSpPr>
-          <p:cNvPr id="18" name="Slide Number Placeholder 17">
-            <a:extLst>
-              <a:ext uri="{FF2B5EF4-FFF2-40B4-BE49-F238E27FC236}">
-                <a16:creationId xmlns:a16="http://schemas.microsoft.com/office/drawing/2014/main" id="{C8D6D0E8-3983-4B7D-ADB2-077E17AD3BD0}"/>
-              </a:ext>
-            </a:extLst>
-          </p:cNvPr>
-          <p:cNvSpPr>
-            <a:spLocks noGrp="1"/>
-          </p:cNvSpPr>
-          <p:nvPr>
-            <p:ph type="sldNum" sz="quarter" idx="12"/>
-          </p:nvPr>
-        </p:nvSpPr>
-        <p:spPr>
-          <a:xfrm>
-            <a:off x="10810874" y="6356350"/>
-            <a:ext cx="542925" cy="365125"/>
-          </a:xfrm>
-        </p:spPr>
-        <p:txBody>
-          <a:bodyPr/>
-          <a:lstStyle/>
-          <a:p>
-            <a:fld id="{A49DFD55-3C28-40EF-9E31-A92D2E4017FF}" type="slidenum">
-              <a:rPr lang="en-US" smtClean="0"/>
-              <a:pPr/>
-              <a:t>10</a:t>
-            </a:fld>
-            <a:endParaRPr lang="en-US" dirty="0"/>
-          </a:p>
-        </p:txBody>
-      </p:sp>
-    </p:spTree>
-    <p:extLst>
-      <p:ext uri="{BB962C8B-B14F-4D97-AF65-F5344CB8AC3E}">
-        <p14:creationId xmlns:p14="http://schemas.microsoft.com/office/powerpoint/2010/main" val="332104327"/>
-      </p:ext>
-    </p:extLst>
-  </p:cSld>
-  <p:clrMapOvr>
-    <a:masterClrMapping/>
-  </p:clrMapOvr>
-</p:sld>
-</file>
-
-<file path=ppt/slides/slide11.xml><?xml version="1.0" encoding="utf-8"?>
-<p:sld xmlns:a="http://schemas.openxmlformats.org/drawingml/2006/main" xmlns:r="http://schemas.openxmlformats.org/officeDocument/2006/relationships" xmlns:p="http://schemas.openxmlformats.org/presentationml/2006/main">
-  <p:cSld>
-    <p:spTree>
-      <p:nvGrpSpPr>
-        <p:cNvPr id="1" name=""/>
-        <p:cNvGrpSpPr/>
-        <p:nvPr/>
-      </p:nvGrpSpPr>
-      <p:grpSpPr>
-        <a:xfrm>
-          <a:off x="0" y="0"/>
-          <a:ext cx="0" cy="0"/>
-          <a:chOff x="0" y="0"/>
-          <a:chExt cx="0" cy="0"/>
-        </a:xfrm>
-      </p:grpSpPr>
-      <p:sp>
-        <p:nvSpPr>
-          <p:cNvPr id="2" name="Title 1">
-            <a:extLst>
-              <a:ext uri="{FF2B5EF4-FFF2-40B4-BE49-F238E27FC236}">
-                <a16:creationId xmlns:a16="http://schemas.microsoft.com/office/drawing/2014/main" id="{09140014-73D5-419B-8867-972BB18D52D4}"/>
-              </a:ext>
-            </a:extLst>
-          </p:cNvPr>
-          <p:cNvSpPr>
-            <a:spLocks noGrp="1"/>
-          </p:cNvSpPr>
-          <p:nvPr>
-            <p:ph type="title"/>
-          </p:nvPr>
-        </p:nvSpPr>
-        <p:spPr>
-          <a:xfrm>
-            <a:off x="2933700" y="892177"/>
-            <a:ext cx="8421688" cy="1325563"/>
-          </a:xfrm>
-        </p:spPr>
-        <p:txBody>
-          <a:bodyPr/>
-          <a:lstStyle/>
-          <a:p>
-            <a:r>
-              <a:rPr lang="en-US" dirty="0"/>
-              <a:t>AREAS OF FOCUS</a:t>
-            </a:r>
-          </a:p>
-        </p:txBody>
-      </p:sp>
-      <p:sp>
-        <p:nvSpPr>
-          <p:cNvPr id="3" name="Text Placeholder 2">
-            <a:extLst>
-              <a:ext uri="{FF2B5EF4-FFF2-40B4-BE49-F238E27FC236}">
-                <a16:creationId xmlns:a16="http://schemas.microsoft.com/office/drawing/2014/main" id="{A45AD8B9-3719-4696-A80F-16A618C5D134}"/>
-              </a:ext>
-            </a:extLst>
-          </p:cNvPr>
-          <p:cNvSpPr>
-            <a:spLocks noGrp="1"/>
-          </p:cNvSpPr>
-          <p:nvPr>
-            <p:ph type="body" idx="1"/>
-          </p:nvPr>
-        </p:nvSpPr>
-        <p:spPr>
-          <a:xfrm>
-            <a:off x="2933700" y="2776936"/>
-            <a:ext cx="3924300" cy="823912"/>
-          </a:xfrm>
-        </p:spPr>
-        <p:txBody>
-          <a:bodyPr/>
-          <a:lstStyle/>
-          <a:p>
-            <a:r>
-              <a:rPr lang="en-US" dirty="0"/>
-              <a:t>B2B MARKET SCENARIOS</a:t>
-            </a:r>
-          </a:p>
-        </p:txBody>
-      </p:sp>
-      <p:sp>
-        <p:nvSpPr>
-          <p:cNvPr id="4" name="Content Placeholder 3">
-            <a:extLst>
-              <a:ext uri="{FF2B5EF4-FFF2-40B4-BE49-F238E27FC236}">
-                <a16:creationId xmlns:a16="http://schemas.microsoft.com/office/drawing/2014/main" id="{33D8731E-4977-402E-8BFD-895B4D0544CC}"/>
-              </a:ext>
-            </a:extLst>
-          </p:cNvPr>
-          <p:cNvSpPr>
-            <a:spLocks noGrp="1"/>
-          </p:cNvSpPr>
-          <p:nvPr>
-            <p:ph sz="half" idx="2"/>
-          </p:nvPr>
-        </p:nvSpPr>
-        <p:spPr>
-          <a:xfrm>
-            <a:off x="2933700" y="3834606"/>
-            <a:ext cx="3924300" cy="1997867"/>
-          </a:xfrm>
-        </p:spPr>
-        <p:txBody>
-          <a:bodyPr>
-            <a:normAutofit/>
-          </a:bodyPr>
-          <a:lstStyle/>
-          <a:p>
-            <a:r>
-              <a:rPr lang="en-US" dirty="0"/>
-              <a:t>Develop winning strategies to keep ahead of the competition</a:t>
-            </a:r>
-          </a:p>
-          <a:p>
-            <a:r>
-              <a:rPr lang="en-US" dirty="0"/>
-              <a:t>​Capitalize on low hanging fruit to identify a ballpark value</a:t>
-            </a:r>
-          </a:p>
-          <a:p>
-            <a:r>
-              <a:rPr lang="en-US" dirty="0"/>
-              <a:t>​Visualize customer directed convergence​</a:t>
-            </a:r>
-          </a:p>
-        </p:txBody>
-      </p:sp>
-      <p:sp>
-        <p:nvSpPr>
-          <p:cNvPr id="5" name="Text Placeholder 4">
-            <a:extLst>
-              <a:ext uri="{FF2B5EF4-FFF2-40B4-BE49-F238E27FC236}">
-                <a16:creationId xmlns:a16="http://schemas.microsoft.com/office/drawing/2014/main" id="{91CDEC5F-B8EE-4BC1-843F-13135E6E7AB2}"/>
-              </a:ext>
-            </a:extLst>
-          </p:cNvPr>
-          <p:cNvSpPr>
-            <a:spLocks noGrp="1"/>
-          </p:cNvSpPr>
-          <p:nvPr>
-            <p:ph type="body" sz="quarter" idx="3"/>
-          </p:nvPr>
-        </p:nvSpPr>
-        <p:spPr>
-          <a:xfrm>
-            <a:off x="7410173" y="2776936"/>
-            <a:ext cx="3943627" cy="823912"/>
-          </a:xfrm>
-        </p:spPr>
-        <p:txBody>
-          <a:bodyPr/>
-          <a:lstStyle/>
-          <a:p>
-            <a:r>
-              <a:rPr lang="en-US" dirty="0"/>
-              <a:t>CLOUD-BASED OPPORTUNITIES</a:t>
-            </a:r>
-          </a:p>
-        </p:txBody>
-      </p:sp>
-      <p:sp>
-        <p:nvSpPr>
-          <p:cNvPr id="6" name="Content Placeholder 5">
-            <a:extLst>
-              <a:ext uri="{FF2B5EF4-FFF2-40B4-BE49-F238E27FC236}">
-                <a16:creationId xmlns:a16="http://schemas.microsoft.com/office/drawing/2014/main" id="{50B65871-FA95-449A-B8BC-90486DE532EF}"/>
-              </a:ext>
-            </a:extLst>
-          </p:cNvPr>
-          <p:cNvSpPr>
-            <a:spLocks noGrp="1"/>
-          </p:cNvSpPr>
-          <p:nvPr>
-            <p:ph sz="quarter" idx="4"/>
-          </p:nvPr>
-        </p:nvSpPr>
-        <p:spPr>
-          <a:xfrm>
-            <a:off x="7410173" y="3834606"/>
-            <a:ext cx="3943627" cy="1997867"/>
-          </a:xfrm>
-        </p:spPr>
-        <p:txBody>
-          <a:bodyPr>
-            <a:normAutofit/>
-          </a:bodyPr>
-          <a:lstStyle/>
-          <a:p>
-            <a:r>
-              <a:rPr lang="en-US" dirty="0"/>
-              <a:t>Iterative approaches to corporate strategy</a:t>
-            </a:r>
-          </a:p>
-          <a:p>
-            <a:r>
-              <a:rPr lang="en-US" dirty="0"/>
-              <a:t>​Establish a management framework from the inside​</a:t>
-            </a:r>
-          </a:p>
-        </p:txBody>
-      </p:sp>
-      <p:sp>
-        <p:nvSpPr>
-          <p:cNvPr id="7" name="Date Placeholder 6">
-            <a:extLst>
-              <a:ext uri="{FF2B5EF4-FFF2-40B4-BE49-F238E27FC236}">
-                <a16:creationId xmlns:a16="http://schemas.microsoft.com/office/drawing/2014/main" id="{B2A46C4A-D036-4440-BB64-6754F4FF27C1}"/>
-              </a:ext>
-            </a:extLst>
-          </p:cNvPr>
-          <p:cNvSpPr>
-            <a:spLocks noGrp="1"/>
-          </p:cNvSpPr>
-          <p:nvPr>
-            <p:ph type="dt" sz="half" idx="10"/>
-          </p:nvPr>
-        </p:nvSpPr>
-        <p:spPr>
-          <a:xfrm>
-            <a:off x="838200" y="6356350"/>
-            <a:ext cx="2743200" cy="365125"/>
-          </a:xfrm>
-        </p:spPr>
-        <p:txBody>
-          <a:bodyPr/>
-          <a:lstStyle/>
-          <a:p>
-            <a:r>
-              <a:rPr lang="en-US" dirty="0"/>
-              <a:t>20XX</a:t>
-            </a:r>
-          </a:p>
-        </p:txBody>
-      </p:sp>
-      <p:sp>
-        <p:nvSpPr>
-          <p:cNvPr id="8" name="Footer Placeholder 7">
-            <a:extLst>
-              <a:ext uri="{FF2B5EF4-FFF2-40B4-BE49-F238E27FC236}">
-                <a16:creationId xmlns:a16="http://schemas.microsoft.com/office/drawing/2014/main" id="{905F172A-5D5D-43CD-A187-DA0D303F4144}"/>
-              </a:ext>
-            </a:extLst>
-          </p:cNvPr>
-          <p:cNvSpPr>
-            <a:spLocks noGrp="1"/>
-          </p:cNvSpPr>
-          <p:nvPr>
-            <p:ph type="ftr" sz="quarter" idx="11"/>
-          </p:nvPr>
-        </p:nvSpPr>
-        <p:spPr>
-          <a:xfrm>
-            <a:off x="4038600" y="6356350"/>
-            <a:ext cx="4114800" cy="365125"/>
-          </a:xfrm>
-        </p:spPr>
-        <p:txBody>
-          <a:bodyPr/>
-          <a:lstStyle/>
-          <a:p>
-            <a:r>
-              <a:rPr lang="en-US" dirty="0"/>
-              <a:t>PRESENTATION TITLE</a:t>
-            </a:r>
-          </a:p>
-        </p:txBody>
-      </p:sp>
-      <p:sp>
-        <p:nvSpPr>
-          <p:cNvPr id="9" name="Slide Number Placeholder 8">
-            <a:extLst>
-              <a:ext uri="{FF2B5EF4-FFF2-40B4-BE49-F238E27FC236}">
-                <a16:creationId xmlns:a16="http://schemas.microsoft.com/office/drawing/2014/main" id="{C396FFDC-ADE8-4009-A466-A81787258E88}"/>
-              </a:ext>
-            </a:extLst>
-          </p:cNvPr>
-          <p:cNvSpPr>
-            <a:spLocks noGrp="1"/>
-          </p:cNvSpPr>
-          <p:nvPr>
-            <p:ph type="sldNum" sz="quarter" idx="12"/>
-          </p:nvPr>
-        </p:nvSpPr>
-        <p:spPr>
-          <a:xfrm>
-            <a:off x="8610600" y="6356350"/>
-            <a:ext cx="2743200" cy="365125"/>
-          </a:xfrm>
-        </p:spPr>
-        <p:txBody>
-          <a:bodyPr/>
-          <a:lstStyle/>
-          <a:p>
-            <a:fld id="{A49DFD55-3C28-40EF-9E31-A92D2E4017FF}" type="slidenum">
-              <a:rPr lang="en-US" smtClean="0"/>
-              <a:pPr/>
-              <a:t>11</a:t>
-            </a:fld>
-            <a:endParaRPr lang="en-US" dirty="0"/>
-          </a:p>
-        </p:txBody>
-      </p:sp>
-    </p:spTree>
-    <p:extLst>
-      <p:ext uri="{BB962C8B-B14F-4D97-AF65-F5344CB8AC3E}">
-        <p14:creationId xmlns:p14="http://schemas.microsoft.com/office/powerpoint/2010/main" val="1663780162"/>
-      </p:ext>
-    </p:extLst>
-  </p:cSld>
-  <p:clrMapOvr>
-    <a:masterClrMapping/>
-  </p:clrMapOvr>
-</p:sld>
-</file>
-
-<file path=ppt/slides/slide12.xml><?xml version="1.0" encoding="utf-8"?>
-<p:sld xmlns:a="http://schemas.openxmlformats.org/drawingml/2006/main" xmlns:r="http://schemas.openxmlformats.org/officeDocument/2006/relationships" xmlns:p="http://schemas.openxmlformats.org/presentationml/2006/main">
-  <p:cSld>
-    <p:spTree>
-      <p:nvGrpSpPr>
-        <p:cNvPr id="1" name=""/>
-        <p:cNvGrpSpPr/>
-        <p:nvPr/>
-      </p:nvGrpSpPr>
-      <p:grpSpPr>
-        <a:xfrm>
-          <a:off x="0" y="0"/>
-          <a:ext cx="0" cy="0"/>
-          <a:chOff x="0" y="0"/>
-          <a:chExt cx="0" cy="0"/>
-        </a:xfrm>
-      </p:grpSpPr>
-      <p:sp>
-        <p:nvSpPr>
-          <p:cNvPr id="2" name="Title 1">
-            <a:extLst>
-              <a:ext uri="{FF2B5EF4-FFF2-40B4-BE49-F238E27FC236}">
-                <a16:creationId xmlns:a16="http://schemas.microsoft.com/office/drawing/2014/main" id="{C4CA0637-CCAA-425E-A57A-6205AFDC8B8C}"/>
-              </a:ext>
-            </a:extLst>
-          </p:cNvPr>
-          <p:cNvSpPr>
-            <a:spLocks noGrp="1"/>
-          </p:cNvSpPr>
-          <p:nvPr>
-            <p:ph type="title"/>
-          </p:nvPr>
-        </p:nvSpPr>
-        <p:spPr>
-          <a:xfrm>
-            <a:off x="1885156" y="892177"/>
-            <a:ext cx="8421688" cy="1325563"/>
-          </a:xfrm>
-        </p:spPr>
-        <p:txBody>
-          <a:bodyPr/>
-          <a:lstStyle/>
-          <a:p>
-            <a:r>
-              <a:rPr lang="en-US" dirty="0"/>
-              <a:t>HOW WE GET THERE</a:t>
-            </a:r>
-          </a:p>
-        </p:txBody>
-      </p:sp>
-      <p:sp>
-        <p:nvSpPr>
-          <p:cNvPr id="3" name="Text Placeholder 2">
-            <a:extLst>
-              <a:ext uri="{FF2B5EF4-FFF2-40B4-BE49-F238E27FC236}">
-                <a16:creationId xmlns:a16="http://schemas.microsoft.com/office/drawing/2014/main" id="{D851C395-6BC4-4F00-B40B-069DBBB7C08B}"/>
-              </a:ext>
-            </a:extLst>
-          </p:cNvPr>
-          <p:cNvSpPr>
-            <a:spLocks noGrp="1"/>
-          </p:cNvSpPr>
-          <p:nvPr>
-            <p:ph type="body" idx="1"/>
-          </p:nvPr>
-        </p:nvSpPr>
-        <p:spPr>
-          <a:xfrm>
-            <a:off x="1243104" y="2776936"/>
-            <a:ext cx="2882475" cy="823912"/>
-          </a:xfrm>
-        </p:spPr>
-        <p:txBody>
-          <a:bodyPr/>
-          <a:lstStyle/>
-          <a:p>
-            <a:r>
-              <a:rPr lang="en-US" dirty="0"/>
-              <a:t>ROI</a:t>
-            </a:r>
-          </a:p>
-        </p:txBody>
-      </p:sp>
-      <p:sp>
-        <p:nvSpPr>
-          <p:cNvPr id="4" name="Content Placeholder 3">
-            <a:extLst>
-              <a:ext uri="{FF2B5EF4-FFF2-40B4-BE49-F238E27FC236}">
-                <a16:creationId xmlns:a16="http://schemas.microsoft.com/office/drawing/2014/main" id="{A1D16151-9486-4A03-AE3A-F1CC562E0564}"/>
-              </a:ext>
-            </a:extLst>
-          </p:cNvPr>
-          <p:cNvSpPr>
-            <a:spLocks noGrp="1"/>
-          </p:cNvSpPr>
-          <p:nvPr>
-            <p:ph sz="half" idx="2"/>
-          </p:nvPr>
-        </p:nvSpPr>
-        <p:spPr>
-          <a:xfrm>
-            <a:off x="1243104" y="3834606"/>
-            <a:ext cx="2882475" cy="1997867"/>
-          </a:xfrm>
-        </p:spPr>
-        <p:txBody>
-          <a:bodyPr>
-            <a:normAutofit/>
-          </a:bodyPr>
-          <a:lstStyle/>
-          <a:p>
-            <a:r>
-              <a:rPr lang="en-US" dirty="0"/>
-              <a:t>Envision multimedia-based expertise and cross-media growth strategies​</a:t>
-            </a:r>
-          </a:p>
-          <a:p>
-            <a:r>
-              <a:rPr lang="en-US" dirty="0"/>
-              <a:t>​Engage worldwide methodologies with web-enabled technologies​</a:t>
-            </a:r>
-          </a:p>
-        </p:txBody>
-      </p:sp>
-      <p:sp>
-        <p:nvSpPr>
-          <p:cNvPr id="5" name="Text Placeholder 4">
-            <a:extLst>
-              <a:ext uri="{FF2B5EF4-FFF2-40B4-BE49-F238E27FC236}">
-                <a16:creationId xmlns:a16="http://schemas.microsoft.com/office/drawing/2014/main" id="{DDE59236-37DD-4582-A2A0-3F9A13A3B55D}"/>
-              </a:ext>
-            </a:extLst>
-          </p:cNvPr>
-          <p:cNvSpPr>
-            <a:spLocks noGrp="1"/>
-          </p:cNvSpPr>
-          <p:nvPr>
-            <p:ph type="body" sz="quarter" idx="3"/>
-          </p:nvPr>
-        </p:nvSpPr>
-        <p:spPr>
-          <a:xfrm>
-            <a:off x="4647665" y="2776936"/>
-            <a:ext cx="2896671" cy="823912"/>
-          </a:xfrm>
-        </p:spPr>
-        <p:txBody>
-          <a:bodyPr/>
-          <a:lstStyle/>
-          <a:p>
-            <a:r>
-              <a:rPr lang="en-US" dirty="0"/>
-              <a:t>NICHE MARKETS </a:t>
-            </a:r>
-          </a:p>
-        </p:txBody>
-      </p:sp>
-      <p:sp>
-        <p:nvSpPr>
-          <p:cNvPr id="6" name="Content Placeholder 5">
-            <a:extLst>
-              <a:ext uri="{FF2B5EF4-FFF2-40B4-BE49-F238E27FC236}">
-                <a16:creationId xmlns:a16="http://schemas.microsoft.com/office/drawing/2014/main" id="{DE1CCF0F-F0BB-42D7-B3C2-C29336739F32}"/>
-              </a:ext>
-            </a:extLst>
-          </p:cNvPr>
-          <p:cNvSpPr>
-            <a:spLocks noGrp="1"/>
-          </p:cNvSpPr>
-          <p:nvPr>
-            <p:ph sz="quarter" idx="4"/>
-          </p:nvPr>
-        </p:nvSpPr>
-        <p:spPr>
-          <a:xfrm>
-            <a:off x="4647665" y="3834606"/>
-            <a:ext cx="2896671" cy="1997867"/>
-          </a:xfrm>
-        </p:spPr>
-        <p:txBody>
-          <a:bodyPr>
-            <a:normAutofit/>
-          </a:bodyPr>
-          <a:lstStyle/>
-          <a:p>
-            <a:r>
-              <a:rPr lang="en-US" dirty="0"/>
-              <a:t>Pursue scalable customer service through sustainable strategies​</a:t>
-            </a:r>
-          </a:p>
-          <a:p>
-            <a:r>
-              <a:rPr lang="en-US" dirty="0"/>
-              <a:t>Engage top-line web services with cutting-edge deliverables​​​</a:t>
-            </a:r>
-          </a:p>
-        </p:txBody>
-      </p:sp>
-      <p:sp>
-        <p:nvSpPr>
-          <p:cNvPr id="7" name="Text Placeholder 6">
-            <a:extLst>
-              <a:ext uri="{FF2B5EF4-FFF2-40B4-BE49-F238E27FC236}">
-                <a16:creationId xmlns:a16="http://schemas.microsoft.com/office/drawing/2014/main" id="{1F939793-2181-4A3D-9C5A-CE676CC83EC0}"/>
-              </a:ext>
-            </a:extLst>
-          </p:cNvPr>
-          <p:cNvSpPr>
-            <a:spLocks noGrp="1"/>
-          </p:cNvSpPr>
-          <p:nvPr>
-            <p:ph type="body" idx="13"/>
-          </p:nvPr>
-        </p:nvSpPr>
-        <p:spPr>
-          <a:xfrm>
-            <a:off x="8066421" y="2776936"/>
-            <a:ext cx="2882475" cy="823912"/>
-          </a:xfrm>
-        </p:spPr>
-        <p:txBody>
-          <a:bodyPr/>
-          <a:lstStyle/>
-          <a:p>
-            <a:r>
-              <a:rPr lang="en-US" dirty="0"/>
-              <a:t>SUPPLY CHAINS</a:t>
-            </a:r>
-          </a:p>
-        </p:txBody>
-      </p:sp>
-      <p:sp>
-        <p:nvSpPr>
-          <p:cNvPr id="8" name="Content Placeholder 7">
-            <a:extLst>
-              <a:ext uri="{FF2B5EF4-FFF2-40B4-BE49-F238E27FC236}">
-                <a16:creationId xmlns:a16="http://schemas.microsoft.com/office/drawing/2014/main" id="{C9FA0B0D-7B36-4D63-86BD-20E6E1B6A0D8}"/>
-              </a:ext>
-            </a:extLst>
-          </p:cNvPr>
-          <p:cNvSpPr>
-            <a:spLocks noGrp="1"/>
-          </p:cNvSpPr>
-          <p:nvPr>
-            <p:ph sz="half" idx="14"/>
-          </p:nvPr>
-        </p:nvSpPr>
-        <p:spPr>
-          <a:xfrm>
-            <a:off x="8066421" y="3834606"/>
-            <a:ext cx="2882475" cy="1997867"/>
-          </a:xfrm>
-        </p:spPr>
-        <p:txBody>
-          <a:bodyPr>
-            <a:normAutofit/>
-          </a:bodyPr>
-          <a:lstStyle/>
-          <a:p>
-            <a:r>
-              <a:rPr lang="en-US" dirty="0"/>
-              <a:t>Cultivate one-to-one customer service with robust ideas​</a:t>
-            </a:r>
-          </a:p>
-          <a:p>
-            <a:r>
-              <a:rPr lang="en-US" dirty="0"/>
-              <a:t>Maximize timely deliverables for real-time schemas​</a:t>
-            </a:r>
-          </a:p>
-        </p:txBody>
-      </p:sp>
-      <p:sp>
-        <p:nvSpPr>
-          <p:cNvPr id="9" name="Date Placeholder 8">
-            <a:extLst>
-              <a:ext uri="{FF2B5EF4-FFF2-40B4-BE49-F238E27FC236}">
-                <a16:creationId xmlns:a16="http://schemas.microsoft.com/office/drawing/2014/main" id="{B86AD343-7149-4E7C-BD28-3080F25980CF}"/>
-              </a:ext>
-            </a:extLst>
-          </p:cNvPr>
-          <p:cNvSpPr>
-            <a:spLocks noGrp="1"/>
-          </p:cNvSpPr>
-          <p:nvPr>
-            <p:ph type="dt" sz="half" idx="10"/>
-          </p:nvPr>
-        </p:nvSpPr>
-        <p:spPr>
-          <a:xfrm>
-            <a:off x="838200" y="6356350"/>
-            <a:ext cx="2743200" cy="365125"/>
-          </a:xfrm>
-        </p:spPr>
-        <p:txBody>
-          <a:bodyPr/>
-          <a:lstStyle/>
-          <a:p>
-            <a:r>
-              <a:rPr lang="en-US" dirty="0"/>
-              <a:t>20XX</a:t>
-            </a:r>
-          </a:p>
-        </p:txBody>
-      </p:sp>
-      <p:sp>
-        <p:nvSpPr>
-          <p:cNvPr id="10" name="Footer Placeholder 9">
-            <a:extLst>
-              <a:ext uri="{FF2B5EF4-FFF2-40B4-BE49-F238E27FC236}">
-                <a16:creationId xmlns:a16="http://schemas.microsoft.com/office/drawing/2014/main" id="{A865CC01-A53B-495A-820C-BEC2680EDC42}"/>
-              </a:ext>
-            </a:extLst>
-          </p:cNvPr>
-          <p:cNvSpPr>
-            <a:spLocks noGrp="1"/>
-          </p:cNvSpPr>
-          <p:nvPr>
-            <p:ph type="ftr" sz="quarter" idx="11"/>
-          </p:nvPr>
-        </p:nvSpPr>
-        <p:spPr>
-          <a:xfrm>
-            <a:off x="4038600" y="6356350"/>
-            <a:ext cx="4114800" cy="365125"/>
-          </a:xfrm>
-        </p:spPr>
-        <p:txBody>
-          <a:bodyPr/>
-          <a:lstStyle/>
-          <a:p>
-            <a:r>
-              <a:rPr lang="en-US" dirty="0"/>
-              <a:t>PRESENTATION TITLE</a:t>
-            </a:r>
-          </a:p>
-        </p:txBody>
-      </p:sp>
-      <p:sp>
-        <p:nvSpPr>
-          <p:cNvPr id="11" name="Slide Number Placeholder 10">
-            <a:extLst>
-              <a:ext uri="{FF2B5EF4-FFF2-40B4-BE49-F238E27FC236}">
-                <a16:creationId xmlns:a16="http://schemas.microsoft.com/office/drawing/2014/main" id="{7AE81C1E-A7C3-40CD-9C11-0C03A2221292}"/>
-              </a:ext>
-            </a:extLst>
-          </p:cNvPr>
-          <p:cNvSpPr>
-            <a:spLocks noGrp="1"/>
-          </p:cNvSpPr>
-          <p:nvPr>
-            <p:ph type="sldNum" sz="quarter" idx="12"/>
-          </p:nvPr>
-        </p:nvSpPr>
-        <p:spPr>
-          <a:xfrm>
-            <a:off x="8610600" y="6356350"/>
-            <a:ext cx="2743200" cy="365125"/>
-          </a:xfrm>
-        </p:spPr>
-        <p:txBody>
-          <a:bodyPr/>
-          <a:lstStyle/>
-          <a:p>
-            <a:fld id="{A49DFD55-3C28-40EF-9E31-A92D2E4017FF}" type="slidenum">
-              <a:rPr lang="en-US" smtClean="0"/>
-              <a:pPr/>
-              <a:t>12</a:t>
-            </a:fld>
-            <a:endParaRPr lang="en-US" dirty="0"/>
-          </a:p>
-        </p:txBody>
-      </p:sp>
-    </p:spTree>
-    <p:extLst>
-      <p:ext uri="{BB962C8B-B14F-4D97-AF65-F5344CB8AC3E}">
-        <p14:creationId xmlns:p14="http://schemas.microsoft.com/office/powerpoint/2010/main" val="1429429409"/>
-      </p:ext>
-    </p:extLst>
-  </p:cSld>
-  <p:clrMapOvr>
-    <a:masterClrMapping/>
-  </p:clrMapOvr>
-</p:sld>
-</file>
-
-<file path=ppt/slides/slide13.xml><?xml version="1.0" encoding="utf-8"?>
-<p:sld xmlns:a="http://schemas.openxmlformats.org/drawingml/2006/main" xmlns:r="http://schemas.openxmlformats.org/officeDocument/2006/relationships" xmlns:p="http://schemas.openxmlformats.org/presentationml/2006/main">
-  <p:cSld>
-    <p:spTree>
-      <p:nvGrpSpPr>
-        <p:cNvPr id="1" name=""/>
-        <p:cNvGrpSpPr/>
-        <p:nvPr/>
-      </p:nvGrpSpPr>
-      <p:grpSpPr>
-        <a:xfrm>
-          <a:off x="0" y="0"/>
-          <a:ext cx="0" cy="0"/>
-          <a:chOff x="0" y="0"/>
-          <a:chExt cx="0" cy="0"/>
-        </a:xfrm>
-      </p:grpSpPr>
-      <p:sp>
-        <p:nvSpPr>
-          <p:cNvPr id="2" name="Title 1">
-            <a:extLst>
-              <a:ext uri="{FF2B5EF4-FFF2-40B4-BE49-F238E27FC236}">
-                <a16:creationId xmlns:a16="http://schemas.microsoft.com/office/drawing/2014/main" id="{4518FC28-E0BD-4387-B8BE-9965D1A57FF1}"/>
-              </a:ext>
-            </a:extLst>
-          </p:cNvPr>
-          <p:cNvSpPr>
-            <a:spLocks noGrp="1"/>
-          </p:cNvSpPr>
-          <p:nvPr>
-            <p:ph type="title"/>
-          </p:nvPr>
-        </p:nvSpPr>
-        <p:spPr>
-          <a:xfrm>
-            <a:off x="5476875" y="1671639"/>
-            <a:ext cx="5111750" cy="1204912"/>
-          </a:xfrm>
-        </p:spPr>
-        <p:txBody>
-          <a:bodyPr/>
-          <a:lstStyle/>
-          <a:p>
-            <a:r>
-              <a:rPr lang="en-US" dirty="0"/>
-              <a:t>SUMMARY</a:t>
-            </a:r>
-          </a:p>
-        </p:txBody>
-      </p:sp>
-      <p:sp>
-        <p:nvSpPr>
-          <p:cNvPr id="3" name="Text Placeholder 2">
-            <a:extLst>
-              <a:ext uri="{FF2B5EF4-FFF2-40B4-BE49-F238E27FC236}">
-                <a16:creationId xmlns:a16="http://schemas.microsoft.com/office/drawing/2014/main" id="{FED19BCA-B61F-4EA6-A1FB-CCA3BD8506FB}"/>
-              </a:ext>
-            </a:extLst>
-          </p:cNvPr>
-          <p:cNvSpPr>
-            <a:spLocks noGrp="1"/>
-          </p:cNvSpPr>
-          <p:nvPr>
-            <p:ph type="body" idx="1"/>
-          </p:nvPr>
-        </p:nvSpPr>
-        <p:spPr>
-          <a:xfrm>
-            <a:off x="5476875" y="3660774"/>
-            <a:ext cx="5111750" cy="1525588"/>
-          </a:xfrm>
-        </p:spPr>
-        <p:txBody>
-          <a:bodyPr>
-            <a:normAutofit/>
-          </a:bodyPr>
-          <a:lstStyle/>
-          <a:p>
-            <a:r>
-              <a:rPr lang="en-US" dirty="0"/>
-              <a:t>At Contoso, we believe in giving 110%. By using our next-generation data architecture, we help organizations virtually manage agile workflows. We thrive because of our market knowledge and great team behind our product. As our CEO says, "Efficiencies will come from proactively transforming how we do business."​</a:t>
-            </a:r>
-          </a:p>
-        </p:txBody>
-      </p:sp>
-      <p:sp>
-        <p:nvSpPr>
-          <p:cNvPr id="4" name="Date Placeholder 3">
-            <a:extLst>
-              <a:ext uri="{FF2B5EF4-FFF2-40B4-BE49-F238E27FC236}">
-                <a16:creationId xmlns:a16="http://schemas.microsoft.com/office/drawing/2014/main" id="{00560550-EE65-43CE-B899-F421E74287A1}"/>
-              </a:ext>
-            </a:extLst>
-          </p:cNvPr>
-          <p:cNvSpPr>
-            <a:spLocks noGrp="1"/>
-          </p:cNvSpPr>
-          <p:nvPr>
-            <p:ph type="dt" sz="half" idx="10"/>
-          </p:nvPr>
-        </p:nvSpPr>
-        <p:spPr>
-          <a:xfrm>
-            <a:off x="838200" y="6356350"/>
-            <a:ext cx="2743200" cy="365125"/>
-          </a:xfrm>
-        </p:spPr>
-        <p:txBody>
-          <a:bodyPr/>
-          <a:lstStyle/>
-          <a:p>
-            <a:r>
-              <a:rPr lang="en-US" dirty="0"/>
-              <a:t>20XX</a:t>
-            </a:r>
-          </a:p>
-        </p:txBody>
-      </p:sp>
-      <p:sp>
-        <p:nvSpPr>
-          <p:cNvPr id="5" name="Footer Placeholder 4">
-            <a:extLst>
-              <a:ext uri="{FF2B5EF4-FFF2-40B4-BE49-F238E27FC236}">
-                <a16:creationId xmlns:a16="http://schemas.microsoft.com/office/drawing/2014/main" id="{4135E32A-1A8C-43D2-9C6E-12887B4DEDFB}"/>
-              </a:ext>
-            </a:extLst>
-          </p:cNvPr>
-          <p:cNvSpPr>
-            <a:spLocks noGrp="1"/>
-          </p:cNvSpPr>
-          <p:nvPr>
-            <p:ph type="ftr" sz="quarter" idx="11"/>
-          </p:nvPr>
-        </p:nvSpPr>
-        <p:spPr>
-          <a:xfrm>
-            <a:off x="4038600" y="6356350"/>
-            <a:ext cx="4114800" cy="365125"/>
-          </a:xfrm>
-        </p:spPr>
-        <p:txBody>
-          <a:bodyPr/>
-          <a:lstStyle/>
-          <a:p>
-            <a:r>
-              <a:rPr lang="en-US" dirty="0"/>
-              <a:t>PRESENTATION TITLE</a:t>
-            </a:r>
-          </a:p>
-        </p:txBody>
-      </p:sp>
-      <p:sp>
-        <p:nvSpPr>
-          <p:cNvPr id="6" name="Slide Number Placeholder 5">
-            <a:extLst>
-              <a:ext uri="{FF2B5EF4-FFF2-40B4-BE49-F238E27FC236}">
-                <a16:creationId xmlns:a16="http://schemas.microsoft.com/office/drawing/2014/main" id="{7C4B8313-9270-4128-8674-3A3E42B806BC}"/>
-              </a:ext>
-            </a:extLst>
-          </p:cNvPr>
-          <p:cNvSpPr>
-            <a:spLocks noGrp="1"/>
-          </p:cNvSpPr>
-          <p:nvPr>
-            <p:ph type="sldNum" sz="quarter" idx="12"/>
-          </p:nvPr>
-        </p:nvSpPr>
-        <p:spPr>
-          <a:xfrm>
-            <a:off x="8610600" y="6356350"/>
-            <a:ext cx="2743200" cy="365125"/>
-          </a:xfrm>
-        </p:spPr>
-        <p:txBody>
-          <a:bodyPr/>
-          <a:lstStyle/>
-          <a:p>
-            <a:fld id="{A49DFD55-3C28-40EF-9E31-A92D2E4017FF}" type="slidenum">
-              <a:rPr lang="en-US" smtClean="0"/>
-              <a:pPr/>
-              <a:t>13</a:t>
-            </a:fld>
-            <a:endParaRPr lang="en-US" dirty="0"/>
-          </a:p>
-        </p:txBody>
-      </p:sp>
-    </p:spTree>
-    <p:extLst>
-      <p:ext uri="{BB962C8B-B14F-4D97-AF65-F5344CB8AC3E}">
-        <p14:creationId xmlns:p14="http://schemas.microsoft.com/office/powerpoint/2010/main" val="1742861620"/>
-      </p:ext>
-    </p:extLst>
-  </p:cSld>
-  <p:clrMapOvr>
-    <a:masterClrMapping/>
-  </p:clrMapOvr>
-</p:sld>
-</file>
-
-<file path=ppt/slides/slide14.xml><?xml version="1.0" encoding="utf-8"?>
-<p:sld xmlns:a="http://schemas.openxmlformats.org/drawingml/2006/main" xmlns:r="http://schemas.openxmlformats.org/officeDocument/2006/relationships" xmlns:p="http://schemas.openxmlformats.org/presentationml/2006/main">
-  <p:cSld>
-    <p:spTree>
-      <p:nvGrpSpPr>
-        <p:cNvPr id="1" name=""/>
-        <p:cNvGrpSpPr/>
-        <p:nvPr/>
-      </p:nvGrpSpPr>
-      <p:grpSpPr>
-        <a:xfrm>
-          <a:off x="0" y="0"/>
-          <a:ext cx="0" cy="0"/>
-          <a:chOff x="0" y="0"/>
-          <a:chExt cx="0" cy="0"/>
-        </a:xfrm>
-      </p:grpSpPr>
-      <p:sp>
-        <p:nvSpPr>
-          <p:cNvPr id="2" name="Title 1">
-            <a:extLst>
-              <a:ext uri="{FF2B5EF4-FFF2-40B4-BE49-F238E27FC236}">
-                <a16:creationId xmlns:a16="http://schemas.microsoft.com/office/drawing/2014/main" id="{8BDF1EDE-5423-435C-B149-87AB1BC22B83}"/>
-              </a:ext>
-            </a:extLst>
-          </p:cNvPr>
-          <p:cNvSpPr>
-            <a:spLocks noGrp="1"/>
-          </p:cNvSpPr>
-          <p:nvPr>
-            <p:ph type="ctrTitle"/>
-          </p:nvPr>
-        </p:nvSpPr>
-        <p:spPr>
-          <a:xfrm>
-            <a:off x="4267200" y="1615736"/>
-            <a:ext cx="4179570" cy="1524735"/>
-          </a:xfrm>
-        </p:spPr>
-        <p:txBody>
-          <a:bodyPr/>
-          <a:lstStyle/>
-          <a:p>
-            <a:r>
-              <a:rPr lang="en-US" dirty="0"/>
-              <a:t>THANK YOU</a:t>
-            </a:r>
-          </a:p>
-        </p:txBody>
-      </p:sp>
-      <p:sp>
-        <p:nvSpPr>
-          <p:cNvPr id="3" name="Subtitle 2">
-            <a:extLst>
-              <a:ext uri="{FF2B5EF4-FFF2-40B4-BE49-F238E27FC236}">
-                <a16:creationId xmlns:a16="http://schemas.microsoft.com/office/drawing/2014/main" id="{AF64C29E-DF30-4DC6-AB95-2016F9A703B6}"/>
-              </a:ext>
-            </a:extLst>
-          </p:cNvPr>
-          <p:cNvSpPr>
-            <a:spLocks noGrp="1"/>
-          </p:cNvSpPr>
-          <p:nvPr>
-            <p:ph type="subTitle" idx="1"/>
-          </p:nvPr>
-        </p:nvSpPr>
-        <p:spPr>
-          <a:xfrm>
-            <a:off x="4267200" y="3238103"/>
-            <a:ext cx="4179570" cy="1371997"/>
-          </a:xfrm>
-        </p:spPr>
-        <p:txBody>
-          <a:bodyPr>
-            <a:normAutofit/>
-          </a:bodyPr>
-          <a:lstStyle/>
-          <a:p>
-            <a:r>
-              <a:rPr lang="en-US" dirty="0"/>
-              <a:t>Mirjam Nilsson</a:t>
-            </a:r>
-          </a:p>
-          <a:p>
-            <a:r>
-              <a:rPr lang="en-US" dirty="0"/>
-              <a:t>mirjam@contoso.com</a:t>
-            </a:r>
-          </a:p>
-          <a:p>
-            <a:r>
-              <a:rPr lang="en-US" dirty="0"/>
-              <a:t>www.contoso.com</a:t>
-            </a:r>
-          </a:p>
-        </p:txBody>
-      </p:sp>
-      <p:sp>
-        <p:nvSpPr>
-          <p:cNvPr id="4" name="Date Placeholder 3">
-            <a:extLst>
-              <a:ext uri="{FF2B5EF4-FFF2-40B4-BE49-F238E27FC236}">
-                <a16:creationId xmlns:a16="http://schemas.microsoft.com/office/drawing/2014/main" id="{A47C7382-18E7-4821-8C61-461D6BBE08FC}"/>
-              </a:ext>
-            </a:extLst>
-          </p:cNvPr>
-          <p:cNvSpPr>
-            <a:spLocks noGrp="1"/>
-          </p:cNvSpPr>
-          <p:nvPr>
-            <p:ph type="dt" sz="half" idx="10"/>
-          </p:nvPr>
-        </p:nvSpPr>
-        <p:spPr>
-          <a:xfrm>
-            <a:off x="4267200" y="6356350"/>
-            <a:ext cx="1774371" cy="365125"/>
-          </a:xfrm>
-        </p:spPr>
-        <p:txBody>
-          <a:bodyPr/>
-          <a:lstStyle/>
-          <a:p>
-            <a:r>
-              <a:rPr lang="en-US" dirty="0"/>
-              <a:t>20XX</a:t>
-            </a:r>
-          </a:p>
-        </p:txBody>
-      </p:sp>
-      <p:sp>
-        <p:nvSpPr>
-          <p:cNvPr id="5" name="Footer Placeholder 4">
-            <a:extLst>
-              <a:ext uri="{FF2B5EF4-FFF2-40B4-BE49-F238E27FC236}">
-                <a16:creationId xmlns:a16="http://schemas.microsoft.com/office/drawing/2014/main" id="{3990FA1B-5022-47AB-A0AE-8F5C5797997C}"/>
-              </a:ext>
-            </a:extLst>
-          </p:cNvPr>
-          <p:cNvSpPr>
-            <a:spLocks noGrp="1"/>
-          </p:cNvSpPr>
-          <p:nvPr>
-            <p:ph type="ftr" sz="quarter" idx="11"/>
-          </p:nvPr>
-        </p:nvSpPr>
-        <p:spPr>
-          <a:xfrm>
-            <a:off x="6479721" y="6356350"/>
-            <a:ext cx="2661557" cy="365125"/>
-          </a:xfrm>
-        </p:spPr>
-        <p:txBody>
-          <a:bodyPr/>
-          <a:lstStyle/>
-          <a:p>
-            <a:r>
-              <a:rPr lang="en-US" dirty="0"/>
-              <a:t>PRESENTATION TITLE</a:t>
-            </a:r>
-          </a:p>
-        </p:txBody>
-      </p:sp>
-      <p:sp>
-        <p:nvSpPr>
-          <p:cNvPr id="6" name="Slide Number Placeholder 5">
-            <a:extLst>
-              <a:ext uri="{FF2B5EF4-FFF2-40B4-BE49-F238E27FC236}">
-                <a16:creationId xmlns:a16="http://schemas.microsoft.com/office/drawing/2014/main" id="{4C127D99-645F-4FCF-9573-FDFE2A344FA9}"/>
-              </a:ext>
-            </a:extLst>
-          </p:cNvPr>
-          <p:cNvSpPr>
-            <a:spLocks noGrp="1"/>
-          </p:cNvSpPr>
-          <p:nvPr>
-            <p:ph type="sldNum" sz="quarter" idx="12"/>
-          </p:nvPr>
-        </p:nvSpPr>
-        <p:spPr>
-          <a:xfrm>
-            <a:off x="9579428" y="6356350"/>
-            <a:ext cx="1774371" cy="365125"/>
-          </a:xfrm>
-        </p:spPr>
-        <p:txBody>
-          <a:bodyPr/>
-          <a:lstStyle/>
-          <a:p>
-            <a:fld id="{A49DFD55-3C28-40EF-9E31-A92D2E4017FF}" type="slidenum">
-              <a:rPr lang="en-US" smtClean="0"/>
-              <a:pPr/>
-              <a:t>14</a:t>
-            </a:fld>
-            <a:endParaRPr lang="en-US" dirty="0"/>
-          </a:p>
-        </p:txBody>
-      </p:sp>
-    </p:spTree>
-    <p:extLst>
-      <p:ext uri="{BB962C8B-B14F-4D97-AF65-F5344CB8AC3E}">
-        <p14:creationId xmlns:p14="http://schemas.microsoft.com/office/powerpoint/2010/main" val="1969787568"/>
-      </p:ext>
-    </p:extLst>
-  </p:cSld>
-  <p:clrMapOvr>
-    <a:masterClrMapping/>
-  </p:clrMapOvr>
-</p:sld>
-</file>
-
 <file path=ppt/slides/slide2.xml><?xml version="1.0" encoding="utf-8"?>
 <p:sld xmlns:a="http://schemas.openxmlformats.org/drawingml/2006/main" xmlns:r="http://schemas.openxmlformats.org/officeDocument/2006/relationships" xmlns:p="http://schemas.openxmlformats.org/presentationml/2006/main">
   <p:cSld>
@@ -15494,2989 +10363,6 @@
     <p:extLst>
       <p:ext uri="{BB962C8B-B14F-4D97-AF65-F5344CB8AC3E}">
         <p14:creationId xmlns:p14="http://schemas.microsoft.com/office/powerpoint/2010/main" val="2303579910"/>
-      </p:ext>
-    </p:extLst>
-  </p:cSld>
-  <p:clrMapOvr>
-    <a:masterClrMapping/>
-  </p:clrMapOvr>
-</p:sld>
-</file>
-
-<file path=ppt/slides/slide5.xml><?xml version="1.0" encoding="utf-8"?>
-<p:sld xmlns:a="http://schemas.openxmlformats.org/drawingml/2006/main" xmlns:r="http://schemas.openxmlformats.org/officeDocument/2006/relationships" xmlns:p="http://schemas.openxmlformats.org/presentationml/2006/main">
-  <p:cSld>
-    <p:spTree>
-      <p:nvGrpSpPr>
-        <p:cNvPr id="1" name=""/>
-        <p:cNvGrpSpPr/>
-        <p:nvPr/>
-      </p:nvGrpSpPr>
-      <p:grpSpPr>
-        <a:xfrm>
-          <a:off x="0" y="0"/>
-          <a:ext cx="0" cy="0"/>
-          <a:chOff x="0" y="0"/>
-          <a:chExt cx="0" cy="0"/>
-        </a:xfrm>
-      </p:grpSpPr>
-      <p:sp>
-        <p:nvSpPr>
-          <p:cNvPr id="3" name="Title 2">
-            <a:extLst>
-              <a:ext uri="{FF2B5EF4-FFF2-40B4-BE49-F238E27FC236}">
-                <a16:creationId xmlns:a16="http://schemas.microsoft.com/office/drawing/2014/main" id="{3E5FEE2D-79E5-4C1D-8BF7-EE619CA7039A}"/>
-              </a:ext>
-            </a:extLst>
-          </p:cNvPr>
-          <p:cNvSpPr>
-            <a:spLocks noGrp="1"/>
-          </p:cNvSpPr>
-          <p:nvPr>
-            <p:ph type="title"/>
-          </p:nvPr>
-        </p:nvSpPr>
-        <p:spPr>
-          <a:xfrm>
-            <a:off x="838200" y="365125"/>
-            <a:ext cx="10515600" cy="1325563"/>
-          </a:xfrm>
-        </p:spPr>
-        <p:txBody>
-          <a:bodyPr/>
-          <a:lstStyle/>
-          <a:p>
-            <a:r>
-              <a:rPr lang="en-US" dirty="0"/>
-              <a:t>AREAS OF GROWTH</a:t>
-            </a:r>
-          </a:p>
-        </p:txBody>
-      </p:sp>
-      <p:graphicFrame>
-        <p:nvGraphicFramePr>
-          <p:cNvPr id="4" name="Table 4">
-            <a:extLst>
-              <a:ext uri="{FF2B5EF4-FFF2-40B4-BE49-F238E27FC236}">
-                <a16:creationId xmlns:a16="http://schemas.microsoft.com/office/drawing/2014/main" id="{390E7E75-E57A-4FF0-A0E4-A4DBCF6EA89A}"/>
-              </a:ext>
-            </a:extLst>
-          </p:cNvPr>
-          <p:cNvGraphicFramePr>
-            <a:graphicFrameLocks noGrp="1"/>
-          </p:cNvGraphicFramePr>
-          <p:nvPr>
-            <p:ph type="tbl" sz="quarter" idx="14"/>
-            <p:extLst>
-              <p:ext uri="{D42A27DB-BD31-4B8C-83A1-F6EECF244321}">
-                <p14:modId xmlns:p14="http://schemas.microsoft.com/office/powerpoint/2010/main" val="3855681044"/>
-              </p:ext>
-            </p:extLst>
-          </p:nvPr>
-        </p:nvGraphicFramePr>
-        <p:xfrm>
-          <a:off x="838200" y="2111375"/>
-          <a:ext cx="10515600" cy="3570970"/>
-        </p:xfrm>
-        <a:graphic>
-          <a:graphicData uri="http://schemas.openxmlformats.org/drawingml/2006/table">
-            <a:tbl>
-              <a:tblPr firstRow="1" bandRow="1">
-                <a:tableStyleId>{7E9639D4-E3E2-4D34-9284-5A2195B3D0D7}</a:tableStyleId>
-              </a:tblPr>
-              <a:tblGrid>
-                <a:gridCol w="2103120">
-                  <a:extLst>
-                    <a:ext uri="{9D8B030D-6E8A-4147-A177-3AD203B41FA5}">
-                      <a16:colId xmlns:a16="http://schemas.microsoft.com/office/drawing/2014/main" val="3261104555"/>
-                    </a:ext>
-                  </a:extLst>
-                </a:gridCol>
-                <a:gridCol w="2103120">
-                  <a:extLst>
-                    <a:ext uri="{9D8B030D-6E8A-4147-A177-3AD203B41FA5}">
-                      <a16:colId xmlns:a16="http://schemas.microsoft.com/office/drawing/2014/main" val="2547279344"/>
-                    </a:ext>
-                  </a:extLst>
-                </a:gridCol>
-                <a:gridCol w="2103120">
-                  <a:extLst>
-                    <a:ext uri="{9D8B030D-6E8A-4147-A177-3AD203B41FA5}">
-                      <a16:colId xmlns:a16="http://schemas.microsoft.com/office/drawing/2014/main" val="2366228292"/>
-                    </a:ext>
-                  </a:extLst>
-                </a:gridCol>
-                <a:gridCol w="2103120">
-                  <a:extLst>
-                    <a:ext uri="{9D8B030D-6E8A-4147-A177-3AD203B41FA5}">
-                      <a16:colId xmlns:a16="http://schemas.microsoft.com/office/drawing/2014/main" val="934788178"/>
-                    </a:ext>
-                  </a:extLst>
-                </a:gridCol>
-                <a:gridCol w="2103120">
-                  <a:extLst>
-                    <a:ext uri="{9D8B030D-6E8A-4147-A177-3AD203B41FA5}">
-                      <a16:colId xmlns:a16="http://schemas.microsoft.com/office/drawing/2014/main" val="2596635212"/>
-                    </a:ext>
-                  </a:extLst>
-                </a:gridCol>
-              </a:tblGrid>
-              <a:tr h="714194">
-                <a:tc>
-                  <a:txBody>
-                    <a:bodyPr/>
-                    <a:lstStyle/>
-                    <a:p>
-                      <a:pPr algn="ctr" rtl="0" fontAlgn="auto"/>
-                      <a:r>
-                        <a:rPr lang="en-US" sz="1600" b="1" i="0" dirty="0">
-                          <a:solidFill>
-                            <a:srgbClr val="FFFFFF"/>
-                          </a:solidFill>
-                          <a:effectLst/>
-                          <a:latin typeface="+mn-lt"/>
-                        </a:rPr>
-                        <a:t>​</a:t>
-                      </a:r>
-                    </a:p>
-                  </a:txBody>
-                  <a:tcPr anchor="ctr"/>
-                </a:tc>
-                <a:tc>
-                  <a:txBody>
-                    <a:bodyPr/>
-                    <a:lstStyle/>
-                    <a:p>
-                      <a:pPr algn="ctr" rtl="0" fontAlgn="base"/>
-                      <a:r>
-                        <a:rPr lang="en-US" sz="1600" b="0" i="0" dirty="0">
-                          <a:solidFill>
-                            <a:schemeClr val="accent1"/>
-                          </a:solidFill>
-                          <a:effectLst/>
-                          <a:latin typeface="+mn-lt"/>
-                        </a:rPr>
-                        <a:t>CATEGORY 1</a:t>
-                      </a:r>
-                      <a:endParaRPr lang="en-US" sz="1600" b="1" i="0" dirty="0">
-                        <a:solidFill>
-                          <a:schemeClr val="accent1"/>
-                        </a:solidFill>
-                        <a:effectLst/>
-                        <a:latin typeface="+mn-lt"/>
-                      </a:endParaRPr>
-                    </a:p>
-                  </a:txBody>
-                  <a:tcPr anchor="ctr"/>
-                </a:tc>
-                <a:tc>
-                  <a:txBody>
-                    <a:bodyPr/>
-                    <a:lstStyle/>
-                    <a:p>
-                      <a:pPr algn="ctr" rtl="0" fontAlgn="base"/>
-                      <a:r>
-                        <a:rPr lang="en-US" sz="1600" b="0" i="0" dirty="0">
-                          <a:solidFill>
-                            <a:schemeClr val="accent1"/>
-                          </a:solidFill>
-                          <a:effectLst/>
-                          <a:latin typeface="+mn-lt"/>
-                        </a:rPr>
-                        <a:t>CATEGORY 2</a:t>
-                      </a:r>
-                      <a:endParaRPr lang="en-US" sz="1600" b="1" i="0" dirty="0">
-                        <a:solidFill>
-                          <a:schemeClr val="accent1"/>
-                        </a:solidFill>
-                        <a:effectLst/>
-                        <a:latin typeface="+mn-lt"/>
-                      </a:endParaRPr>
-                    </a:p>
-                  </a:txBody>
-                  <a:tcPr anchor="ctr"/>
-                </a:tc>
-                <a:tc>
-                  <a:txBody>
-                    <a:bodyPr/>
-                    <a:lstStyle/>
-                    <a:p>
-                      <a:pPr algn="ctr" rtl="0" fontAlgn="base"/>
-                      <a:r>
-                        <a:rPr lang="en-US" sz="1600" b="0" i="0" kern="1200" dirty="0">
-                          <a:solidFill>
-                            <a:schemeClr val="accent1"/>
-                          </a:solidFill>
-                          <a:effectLst/>
-                          <a:latin typeface="+mn-lt"/>
-                          <a:ea typeface="+mn-ea"/>
-                          <a:cs typeface="+mn-cs"/>
-                        </a:rPr>
-                        <a:t>CATEGORY 3</a:t>
-                      </a:r>
-                      <a:r>
-                        <a:rPr lang="en-US" sz="1600" b="1" i="0" dirty="0">
-                          <a:solidFill>
-                            <a:srgbClr val="FFFFFF"/>
-                          </a:solidFill>
-                          <a:effectLst/>
-                          <a:latin typeface="+mn-lt"/>
-                        </a:rPr>
-                        <a:t>​</a:t>
-                      </a:r>
-                    </a:p>
-                  </a:txBody>
-                  <a:tcPr anchor="ctr"/>
-                </a:tc>
-                <a:tc>
-                  <a:txBody>
-                    <a:bodyPr/>
-                    <a:lstStyle/>
-                    <a:p>
-                      <a:pPr algn="ctr" rtl="0" fontAlgn="base"/>
-                      <a:r>
-                        <a:rPr lang="en-US" sz="1600" b="0" i="0" kern="1200" dirty="0">
-                          <a:solidFill>
-                            <a:schemeClr val="accent1"/>
-                          </a:solidFill>
-                          <a:effectLst/>
-                          <a:latin typeface="+mn-lt"/>
-                          <a:ea typeface="+mn-ea"/>
-                          <a:cs typeface="+mn-cs"/>
-                        </a:rPr>
-                        <a:t>CATEGORY 4​</a:t>
-                      </a:r>
-                    </a:p>
-                  </a:txBody>
-                  <a:tcPr anchor="ctr"/>
-                </a:tc>
-                <a:extLst>
-                  <a:ext uri="{0D108BD9-81ED-4DB2-BD59-A6C34878D82A}">
-                    <a16:rowId xmlns:a16="http://schemas.microsoft.com/office/drawing/2014/main" val="3441328149"/>
-                  </a:ext>
-                </a:extLst>
-              </a:tr>
-              <a:tr h="714194">
-                <a:tc>
-                  <a:txBody>
-                    <a:bodyPr/>
-                    <a:lstStyle/>
-                    <a:p>
-                      <a:pPr algn="ctr" rtl="0" fontAlgn="base"/>
-                      <a:r>
-                        <a:rPr lang="en-US" sz="1400" b="0" i="0" dirty="0">
-                          <a:solidFill>
-                            <a:srgbClr val="333F50"/>
-                          </a:solidFill>
-                          <a:effectLst/>
-                          <a:latin typeface="+mn-lt"/>
-                        </a:rPr>
-                        <a:t>Q1</a:t>
-                      </a:r>
-                      <a:endParaRPr lang="en-US" sz="1400" b="0" i="0" dirty="0">
-                        <a:solidFill>
-                          <a:srgbClr val="000000"/>
-                        </a:solidFill>
-                        <a:effectLst/>
-                        <a:latin typeface="+mn-lt"/>
-                      </a:endParaRPr>
-                    </a:p>
-                  </a:txBody>
-                  <a:tcPr anchor="ctr">
-                    <a:lnL w="12700" cap="flat" cmpd="sng" algn="ctr">
-                      <a:noFill/>
-                      <a:prstDash val="solid"/>
-                      <a:round/>
-                      <a:headEnd type="none" w="med" len="med"/>
-                      <a:tailEnd type="none" w="med" len="med"/>
-                    </a:lnL>
-                  </a:tcPr>
-                </a:tc>
-                <a:tc>
-                  <a:txBody>
-                    <a:bodyPr/>
-                    <a:lstStyle/>
-                    <a:p>
-                      <a:pPr algn="ctr" rtl="0" fontAlgn="base"/>
-                      <a:r>
-                        <a:rPr lang="en-US" sz="1400" b="0" i="0" dirty="0">
-                          <a:solidFill>
-                            <a:srgbClr val="333F50"/>
-                          </a:solidFill>
-                          <a:effectLst/>
-                          <a:latin typeface="+mn-lt"/>
-                        </a:rPr>
-                        <a:t>4.5</a:t>
-                      </a:r>
-                      <a:r>
-                        <a:rPr lang="en-US" sz="1400" b="0" i="0" dirty="0">
-                          <a:solidFill>
-                            <a:srgbClr val="000000"/>
-                          </a:solidFill>
-                          <a:effectLst/>
-                          <a:latin typeface="+mn-lt"/>
-                        </a:rPr>
-                        <a:t>​</a:t>
-                      </a:r>
-                    </a:p>
-                  </a:txBody>
-                  <a:tcPr anchor="ctr"/>
-                </a:tc>
-                <a:tc>
-                  <a:txBody>
-                    <a:bodyPr/>
-                    <a:lstStyle/>
-                    <a:p>
-                      <a:pPr algn="ctr" rtl="0" fontAlgn="base"/>
-                      <a:r>
-                        <a:rPr lang="en-US" sz="1400" b="0" i="0" dirty="0">
-                          <a:solidFill>
-                            <a:srgbClr val="333F50"/>
-                          </a:solidFill>
-                          <a:effectLst/>
-                          <a:latin typeface="+mn-lt"/>
-                        </a:rPr>
-                        <a:t>2.3</a:t>
-                      </a:r>
-                      <a:r>
-                        <a:rPr lang="en-US" sz="1400" b="0" i="0" dirty="0">
-                          <a:solidFill>
-                            <a:srgbClr val="000000"/>
-                          </a:solidFill>
-                          <a:effectLst/>
-                          <a:latin typeface="+mn-lt"/>
-                        </a:rPr>
-                        <a:t>​</a:t>
-                      </a:r>
-                    </a:p>
-                  </a:txBody>
-                  <a:tcPr anchor="ctr"/>
-                </a:tc>
-                <a:tc>
-                  <a:txBody>
-                    <a:bodyPr/>
-                    <a:lstStyle/>
-                    <a:p>
-                      <a:pPr algn="ctr" rtl="0" fontAlgn="base"/>
-                      <a:r>
-                        <a:rPr lang="en-US" sz="1400" b="0" i="0" dirty="0">
-                          <a:solidFill>
-                            <a:srgbClr val="333F50"/>
-                          </a:solidFill>
-                          <a:effectLst/>
-                          <a:latin typeface="+mn-lt"/>
-                        </a:rPr>
-                        <a:t>1.7</a:t>
-                      </a:r>
-                      <a:r>
-                        <a:rPr lang="en-US" sz="1400" b="0" i="0" dirty="0">
-                          <a:solidFill>
-                            <a:srgbClr val="000000"/>
-                          </a:solidFill>
-                          <a:effectLst/>
-                          <a:latin typeface="+mn-lt"/>
-                        </a:rPr>
-                        <a:t>​</a:t>
-                      </a:r>
-                    </a:p>
-                  </a:txBody>
-                  <a:tcPr anchor="ctr">
-                    <a:lnR w="12700" cap="flat" cmpd="sng" algn="ctr">
-                      <a:noFill/>
-                      <a:prstDash val="solid"/>
-                      <a:round/>
-                      <a:headEnd type="none" w="med" len="med"/>
-                      <a:tailEnd type="none" w="med" len="med"/>
-                    </a:lnR>
-                  </a:tcPr>
-                </a:tc>
-                <a:tc>
-                  <a:txBody>
-                    <a:bodyPr/>
-                    <a:lstStyle/>
-                    <a:p>
-                      <a:pPr algn="ctr" rtl="0" fontAlgn="base"/>
-                      <a:r>
-                        <a:rPr lang="en-US" sz="1400" b="0" i="0" dirty="0">
-                          <a:solidFill>
-                            <a:srgbClr val="333F50"/>
-                          </a:solidFill>
-                          <a:effectLst/>
-                          <a:latin typeface="+mn-lt"/>
-                        </a:rPr>
-                        <a:t>5</a:t>
-                      </a:r>
-                      <a:r>
-                        <a:rPr lang="en-US" sz="1400" b="0" i="0" dirty="0">
-                          <a:solidFill>
-                            <a:srgbClr val="000000"/>
-                          </a:solidFill>
-                          <a:effectLst/>
-                          <a:latin typeface="+mn-lt"/>
-                        </a:rPr>
-                        <a:t>​.0</a:t>
-                      </a:r>
-                    </a:p>
-                  </a:txBody>
-                  <a:tcPr anchor="ctr">
-                    <a:lnL w="12700" cap="flat" cmpd="sng" algn="ctr">
-                      <a:noFill/>
-                      <a:prstDash val="solid"/>
-                      <a:round/>
-                      <a:headEnd type="none" w="med" len="med"/>
-                      <a:tailEnd type="none" w="med" len="med"/>
-                    </a:lnL>
-                    <a:lnR w="12700" cap="flat" cmpd="sng" algn="ctr">
-                      <a:noFill/>
-                      <a:prstDash val="solid"/>
-                      <a:round/>
-                      <a:headEnd type="none" w="med" len="med"/>
-                      <a:tailEnd type="none" w="med" len="med"/>
-                    </a:lnR>
-                  </a:tcPr>
-                </a:tc>
-                <a:extLst>
-                  <a:ext uri="{0D108BD9-81ED-4DB2-BD59-A6C34878D82A}">
-                    <a16:rowId xmlns:a16="http://schemas.microsoft.com/office/drawing/2014/main" val="3134841754"/>
-                  </a:ext>
-                </a:extLst>
-              </a:tr>
-              <a:tr h="714194">
-                <a:tc>
-                  <a:txBody>
-                    <a:bodyPr/>
-                    <a:lstStyle/>
-                    <a:p>
-                      <a:pPr algn="ctr" rtl="0" fontAlgn="base"/>
-                      <a:r>
-                        <a:rPr lang="en-US" sz="1400" b="0" i="0" dirty="0">
-                          <a:solidFill>
-                            <a:srgbClr val="333F50"/>
-                          </a:solidFill>
-                          <a:effectLst/>
-                          <a:latin typeface="+mn-lt"/>
-                        </a:rPr>
-                        <a:t>Q2</a:t>
-                      </a:r>
-                      <a:endParaRPr lang="en-US" sz="1400" b="0" i="0" dirty="0">
-                        <a:solidFill>
-                          <a:srgbClr val="000000"/>
-                        </a:solidFill>
-                        <a:effectLst/>
-                        <a:latin typeface="+mn-lt"/>
-                      </a:endParaRPr>
-                    </a:p>
-                  </a:txBody>
-                  <a:tcPr anchor="ctr">
-                    <a:lnL w="12700" cap="flat" cmpd="sng" algn="ctr">
-                      <a:noFill/>
-                      <a:prstDash val="solid"/>
-                      <a:round/>
-                      <a:headEnd type="none" w="med" len="med"/>
-                      <a:tailEnd type="none" w="med" len="med"/>
-                    </a:lnL>
-                  </a:tcPr>
-                </a:tc>
-                <a:tc>
-                  <a:txBody>
-                    <a:bodyPr/>
-                    <a:lstStyle/>
-                    <a:p>
-                      <a:pPr algn="ctr" rtl="0" fontAlgn="base"/>
-                      <a:r>
-                        <a:rPr lang="en-US" sz="1400" b="0" i="0" dirty="0">
-                          <a:solidFill>
-                            <a:srgbClr val="333F50"/>
-                          </a:solidFill>
-                          <a:effectLst/>
-                          <a:latin typeface="+mn-lt"/>
-                        </a:rPr>
-                        <a:t>3.2</a:t>
-                      </a:r>
-                      <a:r>
-                        <a:rPr lang="en-US" sz="1400" b="0" i="0" dirty="0">
-                          <a:solidFill>
-                            <a:srgbClr val="000000"/>
-                          </a:solidFill>
-                          <a:effectLst/>
-                          <a:latin typeface="+mn-lt"/>
-                        </a:rPr>
-                        <a:t>​</a:t>
-                      </a:r>
-                    </a:p>
-                  </a:txBody>
-                  <a:tcPr anchor="ctr"/>
-                </a:tc>
-                <a:tc>
-                  <a:txBody>
-                    <a:bodyPr/>
-                    <a:lstStyle/>
-                    <a:p>
-                      <a:pPr algn="ctr" rtl="0" fontAlgn="base"/>
-                      <a:r>
-                        <a:rPr lang="en-US" sz="1400" b="0" i="0" dirty="0">
-                          <a:solidFill>
-                            <a:srgbClr val="333F50"/>
-                          </a:solidFill>
-                          <a:effectLst/>
-                          <a:latin typeface="+mn-lt"/>
-                        </a:rPr>
-                        <a:t>5.1</a:t>
-                      </a:r>
-                      <a:r>
-                        <a:rPr lang="en-US" sz="1400" b="0" i="0" dirty="0">
-                          <a:solidFill>
-                            <a:srgbClr val="000000"/>
-                          </a:solidFill>
-                          <a:effectLst/>
-                          <a:latin typeface="+mn-lt"/>
-                        </a:rPr>
-                        <a:t>​</a:t>
-                      </a:r>
-                    </a:p>
-                  </a:txBody>
-                  <a:tcPr anchor="ctr"/>
-                </a:tc>
-                <a:tc>
-                  <a:txBody>
-                    <a:bodyPr/>
-                    <a:lstStyle/>
-                    <a:p>
-                      <a:pPr algn="ctr" rtl="0" fontAlgn="base"/>
-                      <a:r>
-                        <a:rPr lang="en-US" sz="1400" b="0" i="0" dirty="0">
-                          <a:solidFill>
-                            <a:srgbClr val="333F50"/>
-                          </a:solidFill>
-                          <a:effectLst/>
-                          <a:latin typeface="+mn-lt"/>
-                        </a:rPr>
-                        <a:t>4.4</a:t>
-                      </a:r>
-                      <a:r>
-                        <a:rPr lang="en-US" sz="1400" b="0" i="0" dirty="0">
-                          <a:solidFill>
-                            <a:srgbClr val="000000"/>
-                          </a:solidFill>
-                          <a:effectLst/>
-                          <a:latin typeface="+mn-lt"/>
-                        </a:rPr>
-                        <a:t>​</a:t>
-                      </a:r>
-                    </a:p>
-                  </a:txBody>
-                  <a:tcPr anchor="ctr"/>
-                </a:tc>
-                <a:tc>
-                  <a:txBody>
-                    <a:bodyPr/>
-                    <a:lstStyle/>
-                    <a:p>
-                      <a:pPr algn="ctr" rtl="0" fontAlgn="base"/>
-                      <a:r>
-                        <a:rPr lang="en-US" sz="1400" b="0" i="0" dirty="0">
-                          <a:solidFill>
-                            <a:srgbClr val="333F50"/>
-                          </a:solidFill>
-                          <a:effectLst/>
-                          <a:latin typeface="+mn-lt"/>
-                        </a:rPr>
-                        <a:t>3</a:t>
-                      </a:r>
-                      <a:r>
-                        <a:rPr lang="en-US" sz="1400" b="0" i="0" dirty="0">
-                          <a:solidFill>
-                            <a:srgbClr val="000000"/>
-                          </a:solidFill>
-                          <a:effectLst/>
-                          <a:latin typeface="+mn-lt"/>
-                        </a:rPr>
-                        <a:t>​.0</a:t>
-                      </a:r>
-                    </a:p>
-                  </a:txBody>
-                  <a:tcPr anchor="ctr">
-                    <a:lnR w="12700" cap="flat" cmpd="sng" algn="ctr">
-                      <a:noFill/>
-                      <a:prstDash val="solid"/>
-                      <a:round/>
-                      <a:headEnd type="none" w="med" len="med"/>
-                      <a:tailEnd type="none" w="med" len="med"/>
-                    </a:lnR>
-                  </a:tcPr>
-                </a:tc>
-                <a:extLst>
-                  <a:ext uri="{0D108BD9-81ED-4DB2-BD59-A6C34878D82A}">
-                    <a16:rowId xmlns:a16="http://schemas.microsoft.com/office/drawing/2014/main" val="4129140390"/>
-                  </a:ext>
-                </a:extLst>
-              </a:tr>
-              <a:tr h="714194">
-                <a:tc>
-                  <a:txBody>
-                    <a:bodyPr/>
-                    <a:lstStyle/>
-                    <a:p>
-                      <a:pPr algn="ctr" rtl="0" fontAlgn="base"/>
-                      <a:r>
-                        <a:rPr lang="en-US" sz="1400" b="0" i="0" dirty="0">
-                          <a:solidFill>
-                            <a:srgbClr val="333F50"/>
-                          </a:solidFill>
-                          <a:effectLst/>
-                          <a:latin typeface="+mn-lt"/>
-                        </a:rPr>
-                        <a:t>Q3</a:t>
-                      </a:r>
-                      <a:endParaRPr lang="en-US" sz="1400" b="0" i="0" dirty="0">
-                        <a:solidFill>
-                          <a:srgbClr val="000000"/>
-                        </a:solidFill>
-                        <a:effectLst/>
-                        <a:latin typeface="+mn-lt"/>
-                      </a:endParaRPr>
-                    </a:p>
-                  </a:txBody>
-                  <a:tcPr anchor="ctr">
-                    <a:lnL w="12700" cap="flat" cmpd="sng" algn="ctr">
-                      <a:noFill/>
-                      <a:prstDash val="solid"/>
-                      <a:round/>
-                      <a:headEnd type="none" w="med" len="med"/>
-                      <a:tailEnd type="none" w="med" len="med"/>
-                    </a:lnL>
-                  </a:tcPr>
-                </a:tc>
-                <a:tc>
-                  <a:txBody>
-                    <a:bodyPr/>
-                    <a:lstStyle/>
-                    <a:p>
-                      <a:pPr algn="ctr" rtl="0" fontAlgn="base"/>
-                      <a:r>
-                        <a:rPr lang="en-US" sz="1400" b="0" i="0" dirty="0">
-                          <a:solidFill>
-                            <a:srgbClr val="333F50"/>
-                          </a:solidFill>
-                          <a:effectLst/>
-                          <a:latin typeface="+mn-lt"/>
-                        </a:rPr>
-                        <a:t>2.1</a:t>
-                      </a:r>
-                      <a:r>
-                        <a:rPr lang="en-US" sz="1400" b="0" i="0" dirty="0">
-                          <a:solidFill>
-                            <a:srgbClr val="000000"/>
-                          </a:solidFill>
-                          <a:effectLst/>
-                          <a:latin typeface="+mn-lt"/>
-                        </a:rPr>
-                        <a:t>​</a:t>
-                      </a:r>
-                    </a:p>
-                  </a:txBody>
-                  <a:tcPr anchor="ctr"/>
-                </a:tc>
-                <a:tc>
-                  <a:txBody>
-                    <a:bodyPr/>
-                    <a:lstStyle/>
-                    <a:p>
-                      <a:pPr algn="ctr" rtl="0" fontAlgn="base"/>
-                      <a:r>
-                        <a:rPr lang="en-US" sz="1400" b="0" i="0" dirty="0">
-                          <a:solidFill>
-                            <a:srgbClr val="333F50"/>
-                          </a:solidFill>
-                          <a:effectLst/>
-                          <a:latin typeface="+mn-lt"/>
-                        </a:rPr>
-                        <a:t>1.7</a:t>
-                      </a:r>
-                      <a:r>
-                        <a:rPr lang="en-US" sz="1400" b="0" i="0" dirty="0">
-                          <a:solidFill>
-                            <a:srgbClr val="000000"/>
-                          </a:solidFill>
-                          <a:effectLst/>
-                          <a:latin typeface="+mn-lt"/>
-                        </a:rPr>
-                        <a:t>​</a:t>
-                      </a:r>
-                    </a:p>
-                  </a:txBody>
-                  <a:tcPr anchor="ctr"/>
-                </a:tc>
-                <a:tc>
-                  <a:txBody>
-                    <a:bodyPr/>
-                    <a:lstStyle/>
-                    <a:p>
-                      <a:pPr algn="ctr" rtl="0" fontAlgn="base"/>
-                      <a:r>
-                        <a:rPr lang="en-US" sz="1400" b="0" i="0" dirty="0">
-                          <a:solidFill>
-                            <a:srgbClr val="333F50"/>
-                          </a:solidFill>
-                          <a:effectLst/>
-                          <a:latin typeface="+mn-lt"/>
-                        </a:rPr>
-                        <a:t>2.5</a:t>
-                      </a:r>
-                      <a:r>
-                        <a:rPr lang="en-US" sz="1400" b="0" i="0" dirty="0">
-                          <a:solidFill>
-                            <a:srgbClr val="000000"/>
-                          </a:solidFill>
-                          <a:effectLst/>
-                          <a:latin typeface="+mn-lt"/>
-                        </a:rPr>
-                        <a:t>​</a:t>
-                      </a:r>
-                    </a:p>
-                  </a:txBody>
-                  <a:tcPr anchor="ctr"/>
-                </a:tc>
-                <a:tc>
-                  <a:txBody>
-                    <a:bodyPr/>
-                    <a:lstStyle/>
-                    <a:p>
-                      <a:pPr algn="ctr" rtl="0" fontAlgn="base"/>
-                      <a:r>
-                        <a:rPr lang="en-US" sz="1400" b="0" i="0" dirty="0">
-                          <a:solidFill>
-                            <a:srgbClr val="333F50"/>
-                          </a:solidFill>
-                          <a:effectLst/>
-                          <a:latin typeface="+mn-lt"/>
-                        </a:rPr>
-                        <a:t>2.8</a:t>
-                      </a:r>
-                      <a:r>
-                        <a:rPr lang="en-US" sz="1400" b="0" i="0" dirty="0">
-                          <a:solidFill>
-                            <a:srgbClr val="000000"/>
-                          </a:solidFill>
-                          <a:effectLst/>
-                          <a:latin typeface="+mn-lt"/>
-                        </a:rPr>
-                        <a:t>​</a:t>
-                      </a:r>
-                    </a:p>
-                  </a:txBody>
-                  <a:tcPr anchor="ctr">
-                    <a:lnR w="12700" cap="flat" cmpd="sng" algn="ctr">
-                      <a:noFill/>
-                      <a:prstDash val="solid"/>
-                      <a:round/>
-                      <a:headEnd type="none" w="med" len="med"/>
-                      <a:tailEnd type="none" w="med" len="med"/>
-                    </a:lnR>
-                  </a:tcPr>
-                </a:tc>
-                <a:extLst>
-                  <a:ext uri="{0D108BD9-81ED-4DB2-BD59-A6C34878D82A}">
-                    <a16:rowId xmlns:a16="http://schemas.microsoft.com/office/drawing/2014/main" val="1699990805"/>
-                  </a:ext>
-                </a:extLst>
-              </a:tr>
-              <a:tr h="714194">
-                <a:tc>
-                  <a:txBody>
-                    <a:bodyPr/>
-                    <a:lstStyle/>
-                    <a:p>
-                      <a:pPr algn="ctr" rtl="0" fontAlgn="base"/>
-                      <a:r>
-                        <a:rPr lang="en-US" sz="1400" b="0" i="0" dirty="0">
-                          <a:solidFill>
-                            <a:srgbClr val="333F50"/>
-                          </a:solidFill>
-                          <a:effectLst/>
-                          <a:latin typeface="+mn-lt"/>
-                        </a:rPr>
-                        <a:t>Q4</a:t>
-                      </a:r>
-                      <a:endParaRPr lang="en-US" sz="1400" b="0" i="0" dirty="0">
-                        <a:solidFill>
-                          <a:srgbClr val="000000"/>
-                        </a:solidFill>
-                        <a:effectLst/>
-                        <a:latin typeface="+mn-lt"/>
-                      </a:endParaRPr>
-                    </a:p>
-                  </a:txBody>
-                  <a:tcPr anchor="ctr">
-                    <a:lnL w="12700" cap="flat" cmpd="sng" algn="ctr">
-                      <a:noFill/>
-                      <a:prstDash val="solid"/>
-                      <a:round/>
-                      <a:headEnd type="none" w="med" len="med"/>
-                      <a:tailEnd type="none" w="med" len="med"/>
-                    </a:lnL>
-                  </a:tcPr>
-                </a:tc>
-                <a:tc>
-                  <a:txBody>
-                    <a:bodyPr/>
-                    <a:lstStyle/>
-                    <a:p>
-                      <a:pPr algn="ctr" rtl="0" fontAlgn="base"/>
-                      <a:r>
-                        <a:rPr lang="en-US" sz="1400" b="0" i="0" dirty="0">
-                          <a:solidFill>
-                            <a:srgbClr val="333F50"/>
-                          </a:solidFill>
-                          <a:effectLst/>
-                          <a:latin typeface="+mn-lt"/>
-                        </a:rPr>
-                        <a:t>4.5</a:t>
-                      </a:r>
-                      <a:r>
-                        <a:rPr lang="en-US" sz="1400" b="0" i="0" dirty="0">
-                          <a:solidFill>
-                            <a:srgbClr val="000000"/>
-                          </a:solidFill>
-                          <a:effectLst/>
-                          <a:latin typeface="+mn-lt"/>
-                        </a:rPr>
-                        <a:t>​</a:t>
-                      </a:r>
-                    </a:p>
-                  </a:txBody>
-                  <a:tcPr anchor="ctr"/>
-                </a:tc>
-                <a:tc>
-                  <a:txBody>
-                    <a:bodyPr/>
-                    <a:lstStyle/>
-                    <a:p>
-                      <a:pPr algn="ctr" rtl="0" fontAlgn="base"/>
-                      <a:r>
-                        <a:rPr lang="en-US" sz="1400" b="0" i="0" dirty="0">
-                          <a:solidFill>
-                            <a:srgbClr val="333F50"/>
-                          </a:solidFill>
-                          <a:effectLst/>
-                          <a:latin typeface="+mn-lt"/>
-                        </a:rPr>
-                        <a:t>2.2</a:t>
-                      </a:r>
-                      <a:r>
-                        <a:rPr lang="en-US" sz="1400" b="0" i="0" dirty="0">
-                          <a:solidFill>
-                            <a:srgbClr val="000000"/>
-                          </a:solidFill>
-                          <a:effectLst/>
-                          <a:latin typeface="+mn-lt"/>
-                        </a:rPr>
-                        <a:t>​</a:t>
-                      </a:r>
-                    </a:p>
-                  </a:txBody>
-                  <a:tcPr anchor="ctr"/>
-                </a:tc>
-                <a:tc>
-                  <a:txBody>
-                    <a:bodyPr/>
-                    <a:lstStyle/>
-                    <a:p>
-                      <a:pPr algn="ctr" rtl="0" fontAlgn="base"/>
-                      <a:r>
-                        <a:rPr lang="en-US" sz="1400" b="0" i="0" dirty="0">
-                          <a:solidFill>
-                            <a:srgbClr val="333F50"/>
-                          </a:solidFill>
-                          <a:effectLst/>
-                          <a:latin typeface="+mn-lt"/>
-                        </a:rPr>
-                        <a:t>1.7</a:t>
-                      </a:r>
-                      <a:r>
-                        <a:rPr lang="en-US" sz="1400" b="0" i="0" dirty="0">
-                          <a:solidFill>
-                            <a:srgbClr val="000000"/>
-                          </a:solidFill>
-                          <a:effectLst/>
-                          <a:latin typeface="+mn-lt"/>
-                        </a:rPr>
-                        <a:t>​</a:t>
-                      </a:r>
-                    </a:p>
-                  </a:txBody>
-                  <a:tcPr anchor="ctr"/>
-                </a:tc>
-                <a:tc>
-                  <a:txBody>
-                    <a:bodyPr/>
-                    <a:lstStyle/>
-                    <a:p>
-                      <a:pPr algn="ctr" rtl="0" fontAlgn="base"/>
-                      <a:r>
-                        <a:rPr lang="en-US" sz="1400" b="0" i="0" dirty="0">
-                          <a:solidFill>
-                            <a:srgbClr val="333F50"/>
-                          </a:solidFill>
-                          <a:effectLst/>
-                          <a:latin typeface="+mn-lt"/>
-                        </a:rPr>
-                        <a:t>7.0</a:t>
-                      </a:r>
-                      <a:endParaRPr lang="en-US" sz="1400" b="0" i="0" dirty="0">
-                        <a:solidFill>
-                          <a:srgbClr val="000000"/>
-                        </a:solidFill>
-                        <a:effectLst/>
-                        <a:latin typeface="+mn-lt"/>
-                      </a:endParaRPr>
-                    </a:p>
-                  </a:txBody>
-                  <a:tcPr anchor="ctr">
-                    <a:lnR w="12700" cap="flat" cmpd="sng" algn="ctr">
-                      <a:noFill/>
-                      <a:prstDash val="solid"/>
-                      <a:round/>
-                      <a:headEnd type="none" w="med" len="med"/>
-                      <a:tailEnd type="none" w="med" len="med"/>
-                    </a:lnR>
-                  </a:tcPr>
-                </a:tc>
-                <a:extLst>
-                  <a:ext uri="{0D108BD9-81ED-4DB2-BD59-A6C34878D82A}">
-                    <a16:rowId xmlns:a16="http://schemas.microsoft.com/office/drawing/2014/main" val="3388671141"/>
-                  </a:ext>
-                </a:extLst>
-              </a:tr>
-            </a:tbl>
-          </a:graphicData>
-        </a:graphic>
-      </p:graphicFrame>
-      <p:sp>
-        <p:nvSpPr>
-          <p:cNvPr id="7" name="Date Placeholder 6">
-            <a:extLst>
-              <a:ext uri="{FF2B5EF4-FFF2-40B4-BE49-F238E27FC236}">
-                <a16:creationId xmlns:a16="http://schemas.microsoft.com/office/drawing/2014/main" id="{E7F1AE66-47AA-4110-86B9-0626D4953989}"/>
-              </a:ext>
-            </a:extLst>
-          </p:cNvPr>
-          <p:cNvSpPr>
-            <a:spLocks noGrp="1"/>
-          </p:cNvSpPr>
-          <p:nvPr>
-            <p:ph type="dt" sz="half" idx="10"/>
-          </p:nvPr>
-        </p:nvSpPr>
-        <p:spPr>
-          <a:xfrm>
-            <a:off x="838200" y="6356350"/>
-            <a:ext cx="2743200" cy="365125"/>
-          </a:xfrm>
-        </p:spPr>
-        <p:txBody>
-          <a:bodyPr/>
-          <a:lstStyle/>
-          <a:p>
-            <a:r>
-              <a:rPr lang="en-US" dirty="0"/>
-              <a:t>20XX</a:t>
-            </a:r>
-          </a:p>
-        </p:txBody>
-      </p:sp>
-      <p:sp>
-        <p:nvSpPr>
-          <p:cNvPr id="8" name="Footer Placeholder 7">
-            <a:extLst>
-              <a:ext uri="{FF2B5EF4-FFF2-40B4-BE49-F238E27FC236}">
-                <a16:creationId xmlns:a16="http://schemas.microsoft.com/office/drawing/2014/main" id="{8BA5A93F-DCAE-40B8-8E94-3239A1A6A21A}"/>
-              </a:ext>
-            </a:extLst>
-          </p:cNvPr>
-          <p:cNvSpPr>
-            <a:spLocks noGrp="1"/>
-          </p:cNvSpPr>
-          <p:nvPr>
-            <p:ph type="ftr" sz="quarter" idx="11"/>
-          </p:nvPr>
-        </p:nvSpPr>
-        <p:spPr>
-          <a:xfrm>
-            <a:off x="4038600" y="6356350"/>
-            <a:ext cx="4114800" cy="365125"/>
-          </a:xfrm>
-        </p:spPr>
-        <p:txBody>
-          <a:bodyPr/>
-          <a:lstStyle/>
-          <a:p>
-            <a:r>
-              <a:rPr lang="en-US" dirty="0"/>
-              <a:t>PRESENTATION TITLE</a:t>
-            </a:r>
-          </a:p>
-        </p:txBody>
-      </p:sp>
-      <p:sp>
-        <p:nvSpPr>
-          <p:cNvPr id="9" name="Slide Number Placeholder 8">
-            <a:extLst>
-              <a:ext uri="{FF2B5EF4-FFF2-40B4-BE49-F238E27FC236}">
-                <a16:creationId xmlns:a16="http://schemas.microsoft.com/office/drawing/2014/main" id="{03091613-153A-4005-9F4D-2F185AE5F7BF}"/>
-              </a:ext>
-            </a:extLst>
-          </p:cNvPr>
-          <p:cNvSpPr>
-            <a:spLocks noGrp="1"/>
-          </p:cNvSpPr>
-          <p:nvPr>
-            <p:ph type="sldNum" sz="quarter" idx="12"/>
-          </p:nvPr>
-        </p:nvSpPr>
-        <p:spPr>
-          <a:xfrm>
-            <a:off x="8610600" y="6356350"/>
-            <a:ext cx="2743200" cy="365125"/>
-          </a:xfrm>
-        </p:spPr>
-        <p:txBody>
-          <a:bodyPr/>
-          <a:lstStyle/>
-          <a:p>
-            <a:fld id="{A49DFD55-3C28-40EF-9E31-A92D2E4017FF}" type="slidenum">
-              <a:rPr lang="en-US" smtClean="0"/>
-              <a:pPr/>
-              <a:t>5</a:t>
-            </a:fld>
-            <a:endParaRPr lang="en-US" dirty="0"/>
-          </a:p>
-        </p:txBody>
-      </p:sp>
-    </p:spTree>
-    <p:extLst>
-      <p:ext uri="{BB962C8B-B14F-4D97-AF65-F5344CB8AC3E}">
-        <p14:creationId xmlns:p14="http://schemas.microsoft.com/office/powerpoint/2010/main" val="2499682613"/>
-      </p:ext>
-    </p:extLst>
-  </p:cSld>
-  <p:clrMapOvr>
-    <a:masterClrMapping/>
-  </p:clrMapOvr>
-</p:sld>
-</file>
-
-<file path=ppt/slides/slide6.xml><?xml version="1.0" encoding="utf-8"?>
-<p:sld xmlns:a="http://schemas.openxmlformats.org/drawingml/2006/main" xmlns:r="http://schemas.openxmlformats.org/officeDocument/2006/relationships" xmlns:p="http://schemas.openxmlformats.org/presentationml/2006/main">
-  <p:cSld>
-    <p:spTree>
-      <p:nvGrpSpPr>
-        <p:cNvPr id="1" name=""/>
-        <p:cNvGrpSpPr/>
-        <p:nvPr/>
-      </p:nvGrpSpPr>
-      <p:grpSpPr>
-        <a:xfrm>
-          <a:off x="0" y="0"/>
-          <a:ext cx="0" cy="0"/>
-          <a:chOff x="0" y="0"/>
-          <a:chExt cx="0" cy="0"/>
-        </a:xfrm>
-      </p:grpSpPr>
-      <p:sp>
-        <p:nvSpPr>
-          <p:cNvPr id="2" name="Title 1">
-            <a:extLst>
-              <a:ext uri="{FF2B5EF4-FFF2-40B4-BE49-F238E27FC236}">
-                <a16:creationId xmlns:a16="http://schemas.microsoft.com/office/drawing/2014/main" id="{D94A2CD4-732A-43E4-BCB9-CBA2055E0AC6}"/>
-              </a:ext>
-            </a:extLst>
-          </p:cNvPr>
-          <p:cNvSpPr>
-            <a:spLocks noGrp="1"/>
-          </p:cNvSpPr>
-          <p:nvPr>
-            <p:ph type="title"/>
-          </p:nvPr>
-        </p:nvSpPr>
-        <p:spPr>
-          <a:xfrm>
-            <a:off x="4657724" y="2809875"/>
-            <a:ext cx="6696075" cy="1909763"/>
-          </a:xfrm>
-        </p:spPr>
-        <p:txBody>
-          <a:bodyPr/>
-          <a:lstStyle/>
-          <a:p>
-            <a:r>
-              <a:rPr lang="en-US" dirty="0"/>
-              <a:t>BUSINESS OPPORTUNITIES ARE LIKE BUSES. THERE'S ALWAYS ANOTHER ONE COMING.​</a:t>
-            </a:r>
-          </a:p>
-        </p:txBody>
-      </p:sp>
-      <p:sp>
-        <p:nvSpPr>
-          <p:cNvPr id="3" name="Subtitle 2">
-            <a:extLst>
-              <a:ext uri="{FF2B5EF4-FFF2-40B4-BE49-F238E27FC236}">
-                <a16:creationId xmlns:a16="http://schemas.microsoft.com/office/drawing/2014/main" id="{45FD0450-A909-4CD9-8912-96A19ACEB7CB}"/>
-              </a:ext>
-            </a:extLst>
-          </p:cNvPr>
-          <p:cNvSpPr>
-            <a:spLocks noGrp="1"/>
-          </p:cNvSpPr>
-          <p:nvPr>
-            <p:ph type="subTitle" idx="1"/>
-          </p:nvPr>
-        </p:nvSpPr>
-        <p:spPr>
-          <a:xfrm>
-            <a:off x="4657725" y="5028803"/>
-            <a:ext cx="6696074" cy="365125"/>
-          </a:xfrm>
-        </p:spPr>
-        <p:txBody>
-          <a:bodyPr/>
-          <a:lstStyle/>
-          <a:p>
-            <a:r>
-              <a:rPr lang="en-US" dirty="0"/>
-              <a:t>Richard Branson</a:t>
-            </a:r>
-          </a:p>
-        </p:txBody>
-      </p:sp>
-      <p:sp>
-        <p:nvSpPr>
-          <p:cNvPr id="4" name="Date Placeholder 3">
-            <a:extLst>
-              <a:ext uri="{FF2B5EF4-FFF2-40B4-BE49-F238E27FC236}">
-                <a16:creationId xmlns:a16="http://schemas.microsoft.com/office/drawing/2014/main" id="{DA53D834-F1E2-4848-8093-D412A7B081AF}"/>
-              </a:ext>
-            </a:extLst>
-          </p:cNvPr>
-          <p:cNvSpPr>
-            <a:spLocks noGrp="1"/>
-          </p:cNvSpPr>
-          <p:nvPr>
-            <p:ph type="dt" sz="half" idx="10"/>
-          </p:nvPr>
-        </p:nvSpPr>
-        <p:spPr>
-          <a:xfrm>
-            <a:off x="4676774" y="6356350"/>
-            <a:ext cx="1695450" cy="365125"/>
-          </a:xfrm>
-        </p:spPr>
-        <p:txBody>
-          <a:bodyPr/>
-          <a:lstStyle/>
-          <a:p>
-            <a:r>
-              <a:rPr lang="en-US" dirty="0"/>
-              <a:t>20XX</a:t>
-            </a:r>
-          </a:p>
-        </p:txBody>
-      </p:sp>
-      <p:sp>
-        <p:nvSpPr>
-          <p:cNvPr id="5" name="Footer Placeholder 4">
-            <a:extLst>
-              <a:ext uri="{FF2B5EF4-FFF2-40B4-BE49-F238E27FC236}">
-                <a16:creationId xmlns:a16="http://schemas.microsoft.com/office/drawing/2014/main" id="{3555A49C-96F4-440D-B89E-A0AE94F70108}"/>
-              </a:ext>
-            </a:extLst>
-          </p:cNvPr>
-          <p:cNvSpPr>
-            <a:spLocks noGrp="1"/>
-          </p:cNvSpPr>
-          <p:nvPr>
-            <p:ph type="ftr" sz="quarter" idx="11"/>
-          </p:nvPr>
-        </p:nvSpPr>
-        <p:spPr>
-          <a:xfrm>
-            <a:off x="6743699" y="6356350"/>
-            <a:ext cx="2543175" cy="365125"/>
-          </a:xfrm>
-        </p:spPr>
-        <p:txBody>
-          <a:bodyPr/>
-          <a:lstStyle/>
-          <a:p>
-            <a:r>
-              <a:rPr lang="en-US" dirty="0"/>
-              <a:t>PRESENTATION TITLE</a:t>
-            </a:r>
-          </a:p>
-        </p:txBody>
-      </p:sp>
-      <p:sp>
-        <p:nvSpPr>
-          <p:cNvPr id="6" name="Slide Number Placeholder 5">
-            <a:extLst>
-              <a:ext uri="{FF2B5EF4-FFF2-40B4-BE49-F238E27FC236}">
-                <a16:creationId xmlns:a16="http://schemas.microsoft.com/office/drawing/2014/main" id="{F2A39FA3-9AE3-4689-A469-B7D2DFCCC2D9}"/>
-              </a:ext>
-            </a:extLst>
-          </p:cNvPr>
-          <p:cNvSpPr>
-            <a:spLocks noGrp="1"/>
-          </p:cNvSpPr>
-          <p:nvPr>
-            <p:ph type="sldNum" sz="quarter" idx="12"/>
-          </p:nvPr>
-        </p:nvSpPr>
-        <p:spPr>
-          <a:xfrm>
-            <a:off x="9658350" y="6356350"/>
-            <a:ext cx="1695450" cy="365125"/>
-          </a:xfrm>
-        </p:spPr>
-        <p:txBody>
-          <a:bodyPr/>
-          <a:lstStyle/>
-          <a:p>
-            <a:fld id="{A49DFD55-3C28-40EF-9E31-A92D2E4017FF}" type="slidenum">
-              <a:rPr lang="en-US" smtClean="0"/>
-              <a:pPr/>
-              <a:t>6</a:t>
-            </a:fld>
-            <a:endParaRPr lang="en-US" dirty="0"/>
-          </a:p>
-        </p:txBody>
-      </p:sp>
-    </p:spTree>
-    <p:extLst>
-      <p:ext uri="{BB962C8B-B14F-4D97-AF65-F5344CB8AC3E}">
-        <p14:creationId xmlns:p14="http://schemas.microsoft.com/office/powerpoint/2010/main" val="744379741"/>
-      </p:ext>
-    </p:extLst>
-  </p:cSld>
-  <p:clrMapOvr>
-    <a:masterClrMapping/>
-  </p:clrMapOvr>
-</p:sld>
-</file>
-
-<file path=ppt/slides/slide7.xml><?xml version="1.0" encoding="utf-8"?>
-<p:sld xmlns:a="http://schemas.openxmlformats.org/drawingml/2006/main" xmlns:r="http://schemas.openxmlformats.org/officeDocument/2006/relationships" xmlns:p="http://schemas.openxmlformats.org/presentationml/2006/main">
-  <p:cSld>
-    <p:spTree>
-      <p:nvGrpSpPr>
-        <p:cNvPr id="1" name=""/>
-        <p:cNvGrpSpPr/>
-        <p:nvPr/>
-      </p:nvGrpSpPr>
-      <p:grpSpPr>
-        <a:xfrm>
-          <a:off x="0" y="0"/>
-          <a:ext cx="0" cy="0"/>
-          <a:chOff x="0" y="0"/>
-          <a:chExt cx="0" cy="0"/>
-        </a:xfrm>
-      </p:grpSpPr>
-      <p:sp>
-        <p:nvSpPr>
-          <p:cNvPr id="2" name="Title 1">
-            <a:extLst>
-              <a:ext uri="{FF2B5EF4-FFF2-40B4-BE49-F238E27FC236}">
-                <a16:creationId xmlns:a16="http://schemas.microsoft.com/office/drawing/2014/main" id="{4F6A2D15-4D68-4BF7-9421-032AE6C8852C}"/>
-              </a:ext>
-            </a:extLst>
-          </p:cNvPr>
-          <p:cNvSpPr>
-            <a:spLocks noGrp="1"/>
-          </p:cNvSpPr>
-          <p:nvPr>
-            <p:ph type="title"/>
-          </p:nvPr>
-        </p:nvSpPr>
-        <p:spPr>
-          <a:xfrm>
-            <a:off x="1885156" y="892177"/>
-            <a:ext cx="8421688" cy="1325563"/>
-          </a:xfrm>
-        </p:spPr>
-        <p:txBody>
-          <a:bodyPr/>
-          <a:lstStyle/>
-          <a:p>
-            <a:r>
-              <a:rPr lang="en-US" dirty="0"/>
-              <a:t>MEET OUR TEAM</a:t>
-            </a:r>
-          </a:p>
-        </p:txBody>
-      </p:sp>
-      <p:pic>
-        <p:nvPicPr>
-          <p:cNvPr id="16" name="Picture Placeholder 15" descr="Headshot for team slides ">
-            <a:extLst>
-              <a:ext uri="{FF2B5EF4-FFF2-40B4-BE49-F238E27FC236}">
-                <a16:creationId xmlns:a16="http://schemas.microsoft.com/office/drawing/2014/main" id="{788ADF35-7762-4E85-BE67-27FDB5522B9D}"/>
-              </a:ext>
-            </a:extLst>
-          </p:cNvPr>
-          <p:cNvPicPr>
-            <a:picLocks noGrp="1" noChangeAspect="1"/>
-          </p:cNvPicPr>
-          <p:nvPr>
-            <p:ph type="pic" sz="quarter" idx="14"/>
-          </p:nvPr>
-        </p:nvPicPr>
-        <p:blipFill rotWithShape="1">
-          <a:blip r:embed="rId2" cstate="screen">
-            <a:extLst>
-              <a:ext uri="{28A0092B-C50C-407E-A947-70E740481C1C}">
-                <a14:useLocalDpi xmlns:a14="http://schemas.microsoft.com/office/drawing/2010/main" val="0"/>
-              </a:ext>
-            </a:extLst>
-          </a:blip>
-          <a:srcRect/>
-          <a:stretch/>
-        </p:blipFill>
-        <p:spPr>
-          <a:xfrm>
-            <a:off x="1487181" y="2886074"/>
-            <a:ext cx="1845511" cy="1845511"/>
-          </a:xfrm>
-        </p:spPr>
-      </p:pic>
-      <p:sp>
-        <p:nvSpPr>
-          <p:cNvPr id="3" name="Text Placeholder 2">
-            <a:extLst>
-              <a:ext uri="{FF2B5EF4-FFF2-40B4-BE49-F238E27FC236}">
-                <a16:creationId xmlns:a16="http://schemas.microsoft.com/office/drawing/2014/main" id="{78BCC184-1096-457B-AB72-BD49E6E54117}"/>
-              </a:ext>
-            </a:extLst>
-          </p:cNvPr>
-          <p:cNvSpPr>
-            <a:spLocks noGrp="1"/>
-          </p:cNvSpPr>
-          <p:nvPr>
-            <p:ph type="body" idx="1"/>
-          </p:nvPr>
-        </p:nvSpPr>
-        <p:spPr>
-          <a:xfrm>
-            <a:off x="1228568" y="5084524"/>
-            <a:ext cx="2317707" cy="343061"/>
-          </a:xfrm>
-        </p:spPr>
-        <p:txBody>
-          <a:bodyPr/>
-          <a:lstStyle/>
-          <a:p>
-            <a:r>
-              <a:rPr lang="en-US" dirty="0"/>
-              <a:t>TAKUMA HAYASHI</a:t>
-            </a:r>
-          </a:p>
-        </p:txBody>
-      </p:sp>
-      <p:sp>
-        <p:nvSpPr>
-          <p:cNvPr id="11" name="Text Placeholder 10">
-            <a:extLst>
-              <a:ext uri="{FF2B5EF4-FFF2-40B4-BE49-F238E27FC236}">
-                <a16:creationId xmlns:a16="http://schemas.microsoft.com/office/drawing/2014/main" id="{DB420882-1CC0-49B4-8DDE-24EC26687506}"/>
-              </a:ext>
-            </a:extLst>
-          </p:cNvPr>
-          <p:cNvSpPr>
-            <a:spLocks noGrp="1"/>
-          </p:cNvSpPr>
-          <p:nvPr>
-            <p:ph type="body" idx="21"/>
-          </p:nvPr>
-        </p:nvSpPr>
-        <p:spPr>
-          <a:xfrm>
-            <a:off x="1487181" y="5464114"/>
-            <a:ext cx="1845511" cy="343061"/>
-          </a:xfrm>
-        </p:spPr>
-        <p:txBody>
-          <a:bodyPr/>
-          <a:lstStyle/>
-          <a:p>
-            <a:r>
-              <a:rPr lang="en-US" dirty="0"/>
-              <a:t>President</a:t>
-            </a:r>
-          </a:p>
-        </p:txBody>
-      </p:sp>
-      <p:pic>
-        <p:nvPicPr>
-          <p:cNvPr id="18" name="Picture Placeholder 17" descr="Headshot for team slides ">
-            <a:extLst>
-              <a:ext uri="{FF2B5EF4-FFF2-40B4-BE49-F238E27FC236}">
-                <a16:creationId xmlns:a16="http://schemas.microsoft.com/office/drawing/2014/main" id="{F2557ABA-5037-481D-8C54-94B63E80E2EC}"/>
-              </a:ext>
-            </a:extLst>
-          </p:cNvPr>
-          <p:cNvPicPr>
-            <a:picLocks noGrp="1" noChangeAspect="1"/>
-          </p:cNvPicPr>
-          <p:nvPr>
-            <p:ph type="pic" sz="quarter" idx="15"/>
-          </p:nvPr>
-        </p:nvPicPr>
-        <p:blipFill rotWithShape="1">
-          <a:blip r:embed="rId3" cstate="screen">
-            <a:extLst>
-              <a:ext uri="{28A0092B-C50C-407E-A947-70E740481C1C}">
-                <a14:useLocalDpi xmlns:a14="http://schemas.microsoft.com/office/drawing/2010/main" val="0"/>
-              </a:ext>
-            </a:extLst>
-          </a:blip>
-          <a:srcRect/>
-          <a:stretch/>
-        </p:blipFill>
-        <p:spPr>
-          <a:xfrm>
-            <a:off x="3836914" y="2886074"/>
-            <a:ext cx="1845511" cy="1845511"/>
-          </a:xfrm>
-        </p:spPr>
-      </p:pic>
-      <p:sp>
-        <p:nvSpPr>
-          <p:cNvPr id="8" name="Text Placeholder 7">
-            <a:extLst>
-              <a:ext uri="{FF2B5EF4-FFF2-40B4-BE49-F238E27FC236}">
-                <a16:creationId xmlns:a16="http://schemas.microsoft.com/office/drawing/2014/main" id="{8F0714D4-1A7C-4D7F-A5C0-4F766382B6A9}"/>
-              </a:ext>
-            </a:extLst>
-          </p:cNvPr>
-          <p:cNvSpPr>
-            <a:spLocks noGrp="1"/>
-          </p:cNvSpPr>
-          <p:nvPr>
-            <p:ph type="body" idx="18"/>
-          </p:nvPr>
-        </p:nvSpPr>
-        <p:spPr>
-          <a:xfrm>
-            <a:off x="3578300" y="5084524"/>
-            <a:ext cx="2330816" cy="343061"/>
-          </a:xfrm>
-        </p:spPr>
-        <p:txBody>
-          <a:bodyPr/>
-          <a:lstStyle/>
-          <a:p>
-            <a:r>
-              <a:rPr lang="en-US" dirty="0"/>
-              <a:t>MIRJAM NILSSON</a:t>
-            </a:r>
-          </a:p>
-        </p:txBody>
-      </p:sp>
-      <p:sp>
-        <p:nvSpPr>
-          <p:cNvPr id="12" name="Text Placeholder 11">
-            <a:extLst>
-              <a:ext uri="{FF2B5EF4-FFF2-40B4-BE49-F238E27FC236}">
-                <a16:creationId xmlns:a16="http://schemas.microsoft.com/office/drawing/2014/main" id="{E017101B-2009-4267-8513-19000E37B1F0}"/>
-              </a:ext>
-            </a:extLst>
-          </p:cNvPr>
-          <p:cNvSpPr>
-            <a:spLocks noGrp="1"/>
-          </p:cNvSpPr>
-          <p:nvPr>
-            <p:ph type="body" idx="22"/>
-          </p:nvPr>
-        </p:nvSpPr>
-        <p:spPr>
-          <a:xfrm>
-            <a:off x="3836913" y="5478796"/>
-            <a:ext cx="1855949" cy="343061"/>
-          </a:xfrm>
-        </p:spPr>
-        <p:txBody>
-          <a:bodyPr/>
-          <a:lstStyle/>
-          <a:p>
-            <a:r>
-              <a:rPr lang="en-US" dirty="0"/>
-              <a:t>Chief Executive Officer</a:t>
-            </a:r>
-          </a:p>
-        </p:txBody>
-      </p:sp>
-      <p:pic>
-        <p:nvPicPr>
-          <p:cNvPr id="20" name="Picture Placeholder 19" descr="Headshot for team slides ">
-            <a:extLst>
-              <a:ext uri="{FF2B5EF4-FFF2-40B4-BE49-F238E27FC236}">
-                <a16:creationId xmlns:a16="http://schemas.microsoft.com/office/drawing/2014/main" id="{618E88B2-D607-4D3C-9519-A591A729DCC9}"/>
-              </a:ext>
-            </a:extLst>
-          </p:cNvPr>
-          <p:cNvPicPr>
-            <a:picLocks noGrp="1" noChangeAspect="1"/>
-          </p:cNvPicPr>
-          <p:nvPr>
-            <p:ph type="pic" sz="quarter" idx="16"/>
-          </p:nvPr>
-        </p:nvPicPr>
-        <p:blipFill rotWithShape="1">
-          <a:blip r:embed="rId4" cstate="screen">
-            <a:extLst>
-              <a:ext uri="{28A0092B-C50C-407E-A947-70E740481C1C}">
-                <a14:useLocalDpi xmlns:a14="http://schemas.microsoft.com/office/drawing/2010/main" val="0"/>
-              </a:ext>
-            </a:extLst>
-          </a:blip>
-          <a:srcRect/>
-          <a:stretch/>
-        </p:blipFill>
-        <p:spPr>
-          <a:xfrm>
-            <a:off x="6327578" y="2886074"/>
-            <a:ext cx="1845511" cy="1845511"/>
-          </a:xfrm>
-        </p:spPr>
-      </p:pic>
-      <p:sp>
-        <p:nvSpPr>
-          <p:cNvPr id="9" name="Text Placeholder 8">
-            <a:extLst>
-              <a:ext uri="{FF2B5EF4-FFF2-40B4-BE49-F238E27FC236}">
-                <a16:creationId xmlns:a16="http://schemas.microsoft.com/office/drawing/2014/main" id="{36AEE506-9967-4592-BC98-D3FD3028A8E5}"/>
-              </a:ext>
-            </a:extLst>
-          </p:cNvPr>
-          <p:cNvSpPr>
-            <a:spLocks noGrp="1"/>
-          </p:cNvSpPr>
-          <p:nvPr>
-            <p:ph type="body" idx="19"/>
-          </p:nvPr>
-        </p:nvSpPr>
-        <p:spPr>
-          <a:xfrm>
-            <a:off x="6068964" y="5084524"/>
-            <a:ext cx="2317707" cy="343061"/>
-          </a:xfrm>
-        </p:spPr>
-        <p:txBody>
-          <a:bodyPr/>
-          <a:lstStyle/>
-          <a:p>
-            <a:r>
-              <a:rPr lang="en-US" dirty="0"/>
-              <a:t>FLORA BERGGREN</a:t>
-            </a:r>
-          </a:p>
-        </p:txBody>
-      </p:sp>
-      <p:sp>
-        <p:nvSpPr>
-          <p:cNvPr id="13" name="Text Placeholder 12">
-            <a:extLst>
-              <a:ext uri="{FF2B5EF4-FFF2-40B4-BE49-F238E27FC236}">
-                <a16:creationId xmlns:a16="http://schemas.microsoft.com/office/drawing/2014/main" id="{D40B843D-6615-46EB-A813-BEBD624EC685}"/>
-              </a:ext>
-            </a:extLst>
-          </p:cNvPr>
-          <p:cNvSpPr>
-            <a:spLocks noGrp="1"/>
-          </p:cNvSpPr>
-          <p:nvPr>
-            <p:ph type="body" idx="23"/>
-          </p:nvPr>
-        </p:nvSpPr>
-        <p:spPr>
-          <a:xfrm>
-            <a:off x="6327577" y="5478796"/>
-            <a:ext cx="1845511" cy="343061"/>
-          </a:xfrm>
-        </p:spPr>
-        <p:txBody>
-          <a:bodyPr/>
-          <a:lstStyle/>
-          <a:p>
-            <a:r>
-              <a:rPr lang="en-US" dirty="0"/>
-              <a:t>Chief Operations Officer</a:t>
-            </a:r>
-          </a:p>
-        </p:txBody>
-      </p:sp>
-      <p:pic>
-        <p:nvPicPr>
-          <p:cNvPr id="22" name="Picture Placeholder 21" descr="Headshot for team slides ">
-            <a:extLst>
-              <a:ext uri="{FF2B5EF4-FFF2-40B4-BE49-F238E27FC236}">
-                <a16:creationId xmlns:a16="http://schemas.microsoft.com/office/drawing/2014/main" id="{82AF3253-9767-4EC7-B0DB-3A850BEFB035}"/>
-              </a:ext>
-            </a:extLst>
-          </p:cNvPr>
-          <p:cNvPicPr>
-            <a:picLocks noGrp="1" noChangeAspect="1"/>
-          </p:cNvPicPr>
-          <p:nvPr>
-            <p:ph type="pic" sz="quarter" idx="17"/>
-          </p:nvPr>
-        </p:nvPicPr>
-        <p:blipFill rotWithShape="1">
-          <a:blip r:embed="rId5" cstate="screen">
-            <a:extLst>
-              <a:ext uri="{28A0092B-C50C-407E-A947-70E740481C1C}">
-                <a14:useLocalDpi xmlns:a14="http://schemas.microsoft.com/office/drawing/2010/main" val="0"/>
-              </a:ext>
-            </a:extLst>
-          </a:blip>
-          <a:srcRect/>
-          <a:stretch/>
-        </p:blipFill>
-        <p:spPr>
-          <a:xfrm>
-            <a:off x="8747458" y="2886074"/>
-            <a:ext cx="1845511" cy="1845511"/>
-          </a:xfrm>
-        </p:spPr>
-      </p:pic>
-      <p:sp>
-        <p:nvSpPr>
-          <p:cNvPr id="10" name="Text Placeholder 9">
-            <a:extLst>
-              <a:ext uri="{FF2B5EF4-FFF2-40B4-BE49-F238E27FC236}">
-                <a16:creationId xmlns:a16="http://schemas.microsoft.com/office/drawing/2014/main" id="{F5F1AEEC-D56B-4D10-B1F5-63AA91152B53}"/>
-              </a:ext>
-            </a:extLst>
-          </p:cNvPr>
-          <p:cNvSpPr>
-            <a:spLocks noGrp="1"/>
-          </p:cNvSpPr>
-          <p:nvPr>
-            <p:ph type="body" idx="20"/>
-          </p:nvPr>
-        </p:nvSpPr>
-        <p:spPr>
-          <a:xfrm>
-            <a:off x="8488845" y="5084524"/>
-            <a:ext cx="2317706" cy="343061"/>
-          </a:xfrm>
-        </p:spPr>
-        <p:txBody>
-          <a:bodyPr/>
-          <a:lstStyle/>
-          <a:p>
-            <a:r>
-              <a:rPr lang="en-US" dirty="0"/>
-              <a:t>RAJESH SANTOSHI</a:t>
-            </a:r>
-          </a:p>
-        </p:txBody>
-      </p:sp>
-      <p:sp>
-        <p:nvSpPr>
-          <p:cNvPr id="14" name="Text Placeholder 13">
-            <a:extLst>
-              <a:ext uri="{FF2B5EF4-FFF2-40B4-BE49-F238E27FC236}">
-                <a16:creationId xmlns:a16="http://schemas.microsoft.com/office/drawing/2014/main" id="{3099A0B0-BDD0-48DA-AA3E-13153E65129F}"/>
-              </a:ext>
-            </a:extLst>
-          </p:cNvPr>
-          <p:cNvSpPr>
-            <a:spLocks noGrp="1"/>
-          </p:cNvSpPr>
-          <p:nvPr>
-            <p:ph type="body" idx="24"/>
-          </p:nvPr>
-        </p:nvSpPr>
-        <p:spPr>
-          <a:xfrm>
-            <a:off x="8747458" y="5464114"/>
-            <a:ext cx="1845510" cy="343061"/>
-          </a:xfrm>
-        </p:spPr>
-        <p:txBody>
-          <a:bodyPr/>
-          <a:lstStyle/>
-          <a:p>
-            <a:r>
-              <a:rPr lang="en-US" dirty="0"/>
-              <a:t>VP Marketing</a:t>
-            </a:r>
-          </a:p>
-        </p:txBody>
-      </p:sp>
-      <p:sp>
-        <p:nvSpPr>
-          <p:cNvPr id="23" name="Date Placeholder 22">
-            <a:extLst>
-              <a:ext uri="{FF2B5EF4-FFF2-40B4-BE49-F238E27FC236}">
-                <a16:creationId xmlns:a16="http://schemas.microsoft.com/office/drawing/2014/main" id="{637DEDF5-3FCD-4BC2-86A5-7BE2BF01EA38}"/>
-              </a:ext>
-            </a:extLst>
-          </p:cNvPr>
-          <p:cNvSpPr>
-            <a:spLocks noGrp="1"/>
-          </p:cNvSpPr>
-          <p:nvPr>
-            <p:ph type="dt" sz="half" idx="10"/>
-          </p:nvPr>
-        </p:nvSpPr>
-        <p:spPr>
-          <a:xfrm>
-            <a:off x="838200" y="6356350"/>
-            <a:ext cx="2743200" cy="365125"/>
-          </a:xfrm>
-        </p:spPr>
-        <p:txBody>
-          <a:bodyPr/>
-          <a:lstStyle/>
-          <a:p>
-            <a:r>
-              <a:rPr lang="en-US" dirty="0"/>
-              <a:t>20XX</a:t>
-            </a:r>
-          </a:p>
-        </p:txBody>
-      </p:sp>
-      <p:sp>
-        <p:nvSpPr>
-          <p:cNvPr id="24" name="Footer Placeholder 23">
-            <a:extLst>
-              <a:ext uri="{FF2B5EF4-FFF2-40B4-BE49-F238E27FC236}">
-                <a16:creationId xmlns:a16="http://schemas.microsoft.com/office/drawing/2014/main" id="{918C3C97-444D-4600-8553-B9C4C1F8483B}"/>
-              </a:ext>
-            </a:extLst>
-          </p:cNvPr>
-          <p:cNvSpPr>
-            <a:spLocks noGrp="1"/>
-          </p:cNvSpPr>
-          <p:nvPr>
-            <p:ph type="ftr" sz="quarter" idx="11"/>
-          </p:nvPr>
-        </p:nvSpPr>
-        <p:spPr>
-          <a:xfrm>
-            <a:off x="4038600" y="6356350"/>
-            <a:ext cx="4114800" cy="365125"/>
-          </a:xfrm>
-        </p:spPr>
-        <p:txBody>
-          <a:bodyPr/>
-          <a:lstStyle/>
-          <a:p>
-            <a:r>
-              <a:rPr lang="en-US" dirty="0"/>
-              <a:t>PRESENTATION TITLE</a:t>
-            </a:r>
-          </a:p>
-        </p:txBody>
-      </p:sp>
-      <p:sp>
-        <p:nvSpPr>
-          <p:cNvPr id="25" name="Slide Number Placeholder 24">
-            <a:extLst>
-              <a:ext uri="{FF2B5EF4-FFF2-40B4-BE49-F238E27FC236}">
-                <a16:creationId xmlns:a16="http://schemas.microsoft.com/office/drawing/2014/main" id="{148E9129-4CC6-47BA-ACD8-2C632A8660EC}"/>
-              </a:ext>
-            </a:extLst>
-          </p:cNvPr>
-          <p:cNvSpPr>
-            <a:spLocks noGrp="1"/>
-          </p:cNvSpPr>
-          <p:nvPr>
-            <p:ph type="sldNum" sz="quarter" idx="12"/>
-          </p:nvPr>
-        </p:nvSpPr>
-        <p:spPr>
-          <a:xfrm>
-            <a:off x="8610600" y="6356350"/>
-            <a:ext cx="2743200" cy="365125"/>
-          </a:xfrm>
-        </p:spPr>
-        <p:txBody>
-          <a:bodyPr/>
-          <a:lstStyle/>
-          <a:p>
-            <a:fld id="{A49DFD55-3C28-40EF-9E31-A92D2E4017FF}" type="slidenum">
-              <a:rPr lang="en-US" smtClean="0"/>
-              <a:pPr/>
-              <a:t>7</a:t>
-            </a:fld>
-            <a:endParaRPr lang="en-US" dirty="0"/>
-          </a:p>
-        </p:txBody>
-      </p:sp>
-    </p:spTree>
-    <p:extLst>
-      <p:ext uri="{BB962C8B-B14F-4D97-AF65-F5344CB8AC3E}">
-        <p14:creationId xmlns:p14="http://schemas.microsoft.com/office/powerpoint/2010/main" val="2619301236"/>
-      </p:ext>
-    </p:extLst>
-  </p:cSld>
-  <p:clrMapOvr>
-    <a:masterClrMapping/>
-  </p:clrMapOvr>
-</p:sld>
-</file>
-
-<file path=ppt/slides/slide8.xml><?xml version="1.0" encoding="utf-8"?>
-<p:sld xmlns:a="http://schemas.openxmlformats.org/drawingml/2006/main" xmlns:r="http://schemas.openxmlformats.org/officeDocument/2006/relationships" xmlns:p="http://schemas.openxmlformats.org/presentationml/2006/main">
-  <p:cSld>
-    <p:spTree>
-      <p:nvGrpSpPr>
-        <p:cNvPr id="1" name=""/>
-        <p:cNvGrpSpPr/>
-        <p:nvPr/>
-      </p:nvGrpSpPr>
-      <p:grpSpPr>
-        <a:xfrm>
-          <a:off x="0" y="0"/>
-          <a:ext cx="0" cy="0"/>
-          <a:chOff x="0" y="0"/>
-          <a:chExt cx="0" cy="0"/>
-        </a:xfrm>
-      </p:grpSpPr>
-      <p:sp>
-        <p:nvSpPr>
-          <p:cNvPr id="2" name="Title 1">
-            <a:extLst>
-              <a:ext uri="{FF2B5EF4-FFF2-40B4-BE49-F238E27FC236}">
-                <a16:creationId xmlns:a16="http://schemas.microsoft.com/office/drawing/2014/main" id="{42DD0E59-4C68-4F87-9821-23C69713D980}"/>
-              </a:ext>
-            </a:extLst>
-          </p:cNvPr>
-          <p:cNvSpPr>
-            <a:spLocks noGrp="1"/>
-          </p:cNvSpPr>
-          <p:nvPr>
-            <p:ph type="title"/>
-          </p:nvPr>
-        </p:nvSpPr>
-        <p:spPr>
-          <a:xfrm>
-            <a:off x="1885156" y="892177"/>
-            <a:ext cx="8421688" cy="1325563"/>
-          </a:xfrm>
-        </p:spPr>
-        <p:txBody>
-          <a:bodyPr/>
-          <a:lstStyle/>
-          <a:p>
-            <a:r>
-              <a:rPr lang="en-US" dirty="0"/>
-              <a:t>MEET OUR TEAM  </a:t>
-            </a:r>
-          </a:p>
-        </p:txBody>
-      </p:sp>
-      <p:pic>
-        <p:nvPicPr>
-          <p:cNvPr id="357" name="Picture Placeholder 356" descr="Headshot for team slides ">
-            <a:extLst>
-              <a:ext uri="{FF2B5EF4-FFF2-40B4-BE49-F238E27FC236}">
-                <a16:creationId xmlns:a16="http://schemas.microsoft.com/office/drawing/2014/main" id="{1AA9DB68-9DD0-4157-9F94-F215A6B134C1}"/>
-              </a:ext>
-            </a:extLst>
-          </p:cNvPr>
-          <p:cNvPicPr>
-            <a:picLocks noGrp="1" noChangeAspect="1"/>
-          </p:cNvPicPr>
-          <p:nvPr>
-            <p:ph type="pic" sz="quarter" idx="14"/>
-          </p:nvPr>
-        </p:nvPicPr>
-        <p:blipFill rotWithShape="1">
-          <a:blip r:embed="rId2">
-            <a:extLst>
-              <a:ext uri="{28A0092B-C50C-407E-A947-70E740481C1C}">
-                <a14:useLocalDpi xmlns:a14="http://schemas.microsoft.com/office/drawing/2010/main" val="0"/>
-              </a:ext>
-            </a:extLst>
-          </a:blip>
-          <a:srcRect/>
-          <a:stretch/>
-        </p:blipFill>
-        <p:spPr>
-          <a:xfrm>
-            <a:off x="1877176" y="2428875"/>
-            <a:ext cx="1066800" cy="1066800"/>
-          </a:xfrm>
-        </p:spPr>
-      </p:pic>
-      <p:sp>
-        <p:nvSpPr>
-          <p:cNvPr id="3" name="Text Placeholder 2">
-            <a:extLst>
-              <a:ext uri="{FF2B5EF4-FFF2-40B4-BE49-F238E27FC236}">
-                <a16:creationId xmlns:a16="http://schemas.microsoft.com/office/drawing/2014/main" id="{25A49E2A-E51F-4DB7-B643-0BACFA4CDF33}"/>
-              </a:ext>
-            </a:extLst>
-          </p:cNvPr>
-          <p:cNvSpPr>
-            <a:spLocks noGrp="1"/>
-          </p:cNvSpPr>
-          <p:nvPr>
-            <p:ph type="body" idx="1"/>
-          </p:nvPr>
-        </p:nvSpPr>
-        <p:spPr>
-          <a:xfrm>
-            <a:off x="1500168" y="3654378"/>
-            <a:ext cx="1828800" cy="343061"/>
-          </a:xfrm>
-        </p:spPr>
-        <p:txBody>
-          <a:bodyPr/>
-          <a:lstStyle/>
-          <a:p>
-            <a:r>
-              <a:rPr lang="en-US" dirty="0"/>
-              <a:t>TAKUMA HAYASHI</a:t>
-            </a:r>
-          </a:p>
-        </p:txBody>
-      </p:sp>
-      <p:sp>
-        <p:nvSpPr>
-          <p:cNvPr id="11" name="Text Placeholder 10">
-            <a:extLst>
-              <a:ext uri="{FF2B5EF4-FFF2-40B4-BE49-F238E27FC236}">
-                <a16:creationId xmlns:a16="http://schemas.microsoft.com/office/drawing/2014/main" id="{AA8375DF-11E9-44DF-BAA3-EACBE17AF4A7}"/>
-              </a:ext>
-            </a:extLst>
-          </p:cNvPr>
-          <p:cNvSpPr>
-            <a:spLocks noGrp="1"/>
-          </p:cNvSpPr>
-          <p:nvPr>
-            <p:ph type="body" idx="21"/>
-          </p:nvPr>
-        </p:nvSpPr>
-        <p:spPr>
-          <a:xfrm>
-            <a:off x="1500168" y="3809747"/>
-            <a:ext cx="1828800" cy="343061"/>
-          </a:xfrm>
-        </p:spPr>
-        <p:txBody>
-          <a:bodyPr/>
-          <a:lstStyle/>
-          <a:p>
-            <a:r>
-              <a:rPr lang="en-US" dirty="0"/>
-              <a:t>President</a:t>
-            </a:r>
-          </a:p>
-        </p:txBody>
-      </p:sp>
-      <p:pic>
-        <p:nvPicPr>
-          <p:cNvPr id="359" name="Picture Placeholder 358" descr="Headshot for team slides ">
-            <a:extLst>
-              <a:ext uri="{FF2B5EF4-FFF2-40B4-BE49-F238E27FC236}">
-                <a16:creationId xmlns:a16="http://schemas.microsoft.com/office/drawing/2014/main" id="{32C08192-2F27-4ED3-9CEE-4C37C7DFE674}"/>
-              </a:ext>
-            </a:extLst>
-          </p:cNvPr>
-          <p:cNvPicPr>
-            <a:picLocks noGrp="1" noChangeAspect="1"/>
-          </p:cNvPicPr>
-          <p:nvPr>
-            <p:ph type="pic" sz="quarter" idx="15"/>
-          </p:nvPr>
-        </p:nvPicPr>
-        <p:blipFill rotWithShape="1">
-          <a:blip r:embed="rId3">
-            <a:extLst>
-              <a:ext uri="{28A0092B-C50C-407E-A947-70E740481C1C}">
-                <a14:useLocalDpi xmlns:a14="http://schemas.microsoft.com/office/drawing/2010/main" val="0"/>
-              </a:ext>
-            </a:extLst>
-          </a:blip>
-          <a:srcRect/>
-          <a:stretch/>
-        </p:blipFill>
-        <p:spPr>
-          <a:xfrm>
-            <a:off x="4226270" y="2428875"/>
-            <a:ext cx="1066800" cy="1066800"/>
-          </a:xfrm>
-        </p:spPr>
-      </p:pic>
-      <p:sp>
-        <p:nvSpPr>
-          <p:cNvPr id="8" name="Text Placeholder 7">
-            <a:extLst>
-              <a:ext uri="{FF2B5EF4-FFF2-40B4-BE49-F238E27FC236}">
-                <a16:creationId xmlns:a16="http://schemas.microsoft.com/office/drawing/2014/main" id="{9584E2DE-7061-44CB-A94B-5555484F9744}"/>
-              </a:ext>
-            </a:extLst>
-          </p:cNvPr>
-          <p:cNvSpPr>
-            <a:spLocks noGrp="1"/>
-          </p:cNvSpPr>
-          <p:nvPr>
-            <p:ph type="body" idx="18"/>
-          </p:nvPr>
-        </p:nvSpPr>
-        <p:spPr>
-          <a:xfrm>
-            <a:off x="3849262" y="3654378"/>
-            <a:ext cx="1828800" cy="343061"/>
-          </a:xfrm>
-        </p:spPr>
-        <p:txBody>
-          <a:bodyPr/>
-          <a:lstStyle/>
-          <a:p>
-            <a:r>
-              <a:rPr lang="en-US" dirty="0"/>
-              <a:t>MIRJAM NILSSON</a:t>
-            </a:r>
-          </a:p>
-        </p:txBody>
-      </p:sp>
-      <p:sp>
-        <p:nvSpPr>
-          <p:cNvPr id="12" name="Text Placeholder 11">
-            <a:extLst>
-              <a:ext uri="{FF2B5EF4-FFF2-40B4-BE49-F238E27FC236}">
-                <a16:creationId xmlns:a16="http://schemas.microsoft.com/office/drawing/2014/main" id="{57F11552-18E0-4565-AE6F-DE5290DF1269}"/>
-              </a:ext>
-            </a:extLst>
-          </p:cNvPr>
-          <p:cNvSpPr>
-            <a:spLocks noGrp="1"/>
-          </p:cNvSpPr>
-          <p:nvPr>
-            <p:ph type="body" idx="22"/>
-          </p:nvPr>
-        </p:nvSpPr>
-        <p:spPr>
-          <a:xfrm>
-            <a:off x="3849262" y="3809747"/>
-            <a:ext cx="1828800" cy="343061"/>
-          </a:xfrm>
-        </p:spPr>
-        <p:txBody>
-          <a:bodyPr/>
-          <a:lstStyle/>
-          <a:p>
-            <a:r>
-              <a:rPr lang="en-US" dirty="0"/>
-              <a:t>Chief Executive Officer</a:t>
-            </a:r>
-          </a:p>
-        </p:txBody>
-      </p:sp>
-      <p:pic>
-        <p:nvPicPr>
-          <p:cNvPr id="361" name="Picture Placeholder 360" descr="Headshot for team slides ">
-            <a:extLst>
-              <a:ext uri="{FF2B5EF4-FFF2-40B4-BE49-F238E27FC236}">
-                <a16:creationId xmlns:a16="http://schemas.microsoft.com/office/drawing/2014/main" id="{CA581025-9A6A-4294-8F86-E611BCEFAB15}"/>
-              </a:ext>
-            </a:extLst>
-          </p:cNvPr>
-          <p:cNvPicPr>
-            <a:picLocks noGrp="1" noChangeAspect="1"/>
-          </p:cNvPicPr>
-          <p:nvPr>
-            <p:ph type="pic" sz="quarter" idx="37"/>
-          </p:nvPr>
-        </p:nvPicPr>
-        <p:blipFill rotWithShape="1">
-          <a:blip r:embed="rId4">
-            <a:extLst>
-              <a:ext uri="{28A0092B-C50C-407E-A947-70E740481C1C}">
-                <a14:useLocalDpi xmlns:a14="http://schemas.microsoft.com/office/drawing/2010/main" val="0"/>
-              </a:ext>
-            </a:extLst>
-          </a:blip>
-          <a:srcRect/>
-          <a:stretch/>
-        </p:blipFill>
-        <p:spPr>
-          <a:xfrm>
-            <a:off x="6655584" y="2428875"/>
-            <a:ext cx="1066800" cy="1066800"/>
-          </a:xfrm>
-        </p:spPr>
-      </p:pic>
-      <p:sp>
-        <p:nvSpPr>
-          <p:cNvPr id="9" name="Text Placeholder 8">
-            <a:extLst>
-              <a:ext uri="{FF2B5EF4-FFF2-40B4-BE49-F238E27FC236}">
-                <a16:creationId xmlns:a16="http://schemas.microsoft.com/office/drawing/2014/main" id="{87AF403D-91FB-404C-9346-862EFEC3564F}"/>
-              </a:ext>
-            </a:extLst>
-          </p:cNvPr>
-          <p:cNvSpPr>
-            <a:spLocks noGrp="1"/>
-          </p:cNvSpPr>
-          <p:nvPr>
-            <p:ph type="body" idx="19"/>
-          </p:nvPr>
-        </p:nvSpPr>
-        <p:spPr>
-          <a:xfrm>
-            <a:off x="6198355" y="3654378"/>
-            <a:ext cx="2105135" cy="343061"/>
-          </a:xfrm>
-        </p:spPr>
-        <p:txBody>
-          <a:bodyPr/>
-          <a:lstStyle/>
-          <a:p>
-            <a:r>
-              <a:rPr lang="en-US" dirty="0"/>
-              <a:t>RAJESH SANTOSHI</a:t>
-            </a:r>
-          </a:p>
-        </p:txBody>
-      </p:sp>
-      <p:sp>
-        <p:nvSpPr>
-          <p:cNvPr id="13" name="Text Placeholder 12">
-            <a:extLst>
-              <a:ext uri="{FF2B5EF4-FFF2-40B4-BE49-F238E27FC236}">
-                <a16:creationId xmlns:a16="http://schemas.microsoft.com/office/drawing/2014/main" id="{92682AD9-94FA-4E64-864B-DC8F7A320D5C}"/>
-              </a:ext>
-            </a:extLst>
-          </p:cNvPr>
-          <p:cNvSpPr>
-            <a:spLocks noGrp="1"/>
-          </p:cNvSpPr>
-          <p:nvPr>
-            <p:ph type="body" idx="23"/>
-          </p:nvPr>
-        </p:nvSpPr>
-        <p:spPr>
-          <a:xfrm>
-            <a:off x="6095999" y="3809747"/>
-            <a:ext cx="2299855" cy="343061"/>
-          </a:xfrm>
-        </p:spPr>
-        <p:txBody>
-          <a:bodyPr/>
-          <a:lstStyle/>
-          <a:p>
-            <a:r>
-              <a:rPr lang="en-US" dirty="0"/>
-              <a:t>Chief Operations Officer</a:t>
-            </a:r>
-          </a:p>
-        </p:txBody>
-      </p:sp>
-      <p:pic>
-        <p:nvPicPr>
-          <p:cNvPr id="363" name="Picture Placeholder 362" descr="Headshot for team slides ">
-            <a:extLst>
-              <a:ext uri="{FF2B5EF4-FFF2-40B4-BE49-F238E27FC236}">
-                <a16:creationId xmlns:a16="http://schemas.microsoft.com/office/drawing/2014/main" id="{0AB7C4F4-0E33-47EC-A40D-D03ECD81A39B}"/>
-              </a:ext>
-            </a:extLst>
-          </p:cNvPr>
-          <p:cNvPicPr>
-            <a:picLocks noGrp="1" noChangeAspect="1"/>
-          </p:cNvPicPr>
-          <p:nvPr>
-            <p:ph type="pic" sz="quarter" idx="17"/>
-          </p:nvPr>
-        </p:nvPicPr>
-        <p:blipFill rotWithShape="1">
-          <a:blip r:embed="rId5">
-            <a:extLst>
-              <a:ext uri="{28A0092B-C50C-407E-A947-70E740481C1C}">
-                <a14:useLocalDpi xmlns:a14="http://schemas.microsoft.com/office/drawing/2010/main" val="0"/>
-              </a:ext>
-            </a:extLst>
-          </a:blip>
-          <a:srcRect/>
-          <a:stretch/>
-        </p:blipFill>
-        <p:spPr>
-          <a:xfrm>
-            <a:off x="9136814" y="2428875"/>
-            <a:ext cx="1066800" cy="1066800"/>
-          </a:xfrm>
-        </p:spPr>
-      </p:pic>
-      <p:sp>
-        <p:nvSpPr>
-          <p:cNvPr id="10" name="Text Placeholder 9">
-            <a:extLst>
-              <a:ext uri="{FF2B5EF4-FFF2-40B4-BE49-F238E27FC236}">
-                <a16:creationId xmlns:a16="http://schemas.microsoft.com/office/drawing/2014/main" id="{0EE34DCC-0789-4B21-A328-FF554B1B07BE}"/>
-              </a:ext>
-            </a:extLst>
-          </p:cNvPr>
-          <p:cNvSpPr>
-            <a:spLocks noGrp="1"/>
-          </p:cNvSpPr>
-          <p:nvPr>
-            <p:ph type="body" idx="20"/>
-          </p:nvPr>
-        </p:nvSpPr>
-        <p:spPr>
-          <a:xfrm>
-            <a:off x="8759806" y="3654378"/>
-            <a:ext cx="1828800" cy="343061"/>
-          </a:xfrm>
-        </p:spPr>
-        <p:txBody>
-          <a:bodyPr/>
-          <a:lstStyle/>
-          <a:p>
-            <a:r>
-              <a:rPr lang="en-US" dirty="0"/>
-              <a:t>RAJESH SANTOSHI</a:t>
-            </a:r>
-          </a:p>
-        </p:txBody>
-      </p:sp>
-      <p:sp>
-        <p:nvSpPr>
-          <p:cNvPr id="14" name="Text Placeholder 13">
-            <a:extLst>
-              <a:ext uri="{FF2B5EF4-FFF2-40B4-BE49-F238E27FC236}">
-                <a16:creationId xmlns:a16="http://schemas.microsoft.com/office/drawing/2014/main" id="{AE93F4CF-DD26-41DA-BA4C-2DCAC0B2F5EB}"/>
-              </a:ext>
-            </a:extLst>
-          </p:cNvPr>
-          <p:cNvSpPr>
-            <a:spLocks noGrp="1"/>
-          </p:cNvSpPr>
-          <p:nvPr>
-            <p:ph type="body" idx="24"/>
-          </p:nvPr>
-        </p:nvSpPr>
-        <p:spPr>
-          <a:xfrm>
-            <a:off x="8744480" y="3809747"/>
-            <a:ext cx="1844126" cy="343061"/>
-          </a:xfrm>
-        </p:spPr>
-        <p:txBody>
-          <a:bodyPr/>
-          <a:lstStyle/>
-          <a:p>
-            <a:r>
-              <a:rPr lang="en-US" dirty="0"/>
-              <a:t>VP Marketing</a:t>
-            </a:r>
-          </a:p>
-        </p:txBody>
-      </p:sp>
-      <p:pic>
-        <p:nvPicPr>
-          <p:cNvPr id="365" name="Picture Placeholder 364" descr="Headshot for team slides ">
-            <a:extLst>
-              <a:ext uri="{FF2B5EF4-FFF2-40B4-BE49-F238E27FC236}">
-                <a16:creationId xmlns:a16="http://schemas.microsoft.com/office/drawing/2014/main" id="{13CD5AED-E130-432E-8952-7CB3F68F3312}"/>
-              </a:ext>
-            </a:extLst>
-          </p:cNvPr>
-          <p:cNvPicPr>
-            <a:picLocks noGrp="1" noChangeAspect="1"/>
-          </p:cNvPicPr>
-          <p:nvPr>
-            <p:ph type="pic" sz="quarter" idx="26"/>
-          </p:nvPr>
-        </p:nvPicPr>
-        <p:blipFill rotWithShape="1">
-          <a:blip r:embed="rId6">
-            <a:extLst>
-              <a:ext uri="{28A0092B-C50C-407E-A947-70E740481C1C}">
-                <a14:useLocalDpi xmlns:a14="http://schemas.microsoft.com/office/drawing/2010/main" val="0"/>
-              </a:ext>
-            </a:extLst>
-          </a:blip>
-          <a:srcRect/>
-          <a:stretch/>
-        </p:blipFill>
-        <p:spPr>
-          <a:xfrm>
-            <a:off x="1877176" y="4287711"/>
-            <a:ext cx="1066800" cy="1066800"/>
-          </a:xfrm>
-        </p:spPr>
-      </p:pic>
-      <p:sp>
-        <p:nvSpPr>
-          <p:cNvPr id="36" name="Text Placeholder 35">
-            <a:extLst>
-              <a:ext uri="{FF2B5EF4-FFF2-40B4-BE49-F238E27FC236}">
-                <a16:creationId xmlns:a16="http://schemas.microsoft.com/office/drawing/2014/main" id="{9935192B-6592-4598-9D51-CFDF6F0A854F}"/>
-              </a:ext>
-            </a:extLst>
-          </p:cNvPr>
-          <p:cNvSpPr>
-            <a:spLocks noGrp="1"/>
-          </p:cNvSpPr>
-          <p:nvPr>
-            <p:ph type="body" idx="25"/>
-          </p:nvPr>
-        </p:nvSpPr>
-        <p:spPr>
-          <a:xfrm>
-            <a:off x="1500168" y="5513214"/>
-            <a:ext cx="1828800" cy="343061"/>
-          </a:xfrm>
-        </p:spPr>
-        <p:txBody>
-          <a:bodyPr/>
-          <a:lstStyle/>
-          <a:p>
-            <a:r>
-              <a:rPr lang="en-US" dirty="0"/>
-              <a:t>GRAHAM BARNES</a:t>
-            </a:r>
-          </a:p>
-        </p:txBody>
-      </p:sp>
-      <p:sp>
-        <p:nvSpPr>
-          <p:cNvPr id="44" name="Text Placeholder 43">
-            <a:extLst>
-              <a:ext uri="{FF2B5EF4-FFF2-40B4-BE49-F238E27FC236}">
-                <a16:creationId xmlns:a16="http://schemas.microsoft.com/office/drawing/2014/main" id="{F759A1DD-45A5-4764-8966-C107C4C4832C}"/>
-              </a:ext>
-            </a:extLst>
-          </p:cNvPr>
-          <p:cNvSpPr>
-            <a:spLocks noGrp="1"/>
-          </p:cNvSpPr>
-          <p:nvPr>
-            <p:ph type="body" idx="33"/>
-          </p:nvPr>
-        </p:nvSpPr>
-        <p:spPr>
-          <a:xfrm>
-            <a:off x="1500168" y="5668583"/>
-            <a:ext cx="1828800" cy="343061"/>
-          </a:xfrm>
-        </p:spPr>
-        <p:txBody>
-          <a:bodyPr/>
-          <a:lstStyle/>
-          <a:p>
-            <a:r>
-              <a:rPr lang="en-US" dirty="0"/>
-              <a:t>VP Product</a:t>
-            </a:r>
-          </a:p>
-        </p:txBody>
-      </p:sp>
-      <p:pic>
-        <p:nvPicPr>
-          <p:cNvPr id="367" name="Picture Placeholder 366" descr="Headshot for team slides ">
-            <a:extLst>
-              <a:ext uri="{FF2B5EF4-FFF2-40B4-BE49-F238E27FC236}">
-                <a16:creationId xmlns:a16="http://schemas.microsoft.com/office/drawing/2014/main" id="{73D462EE-3D1E-4964-B729-2B963BD87288}"/>
-              </a:ext>
-            </a:extLst>
-          </p:cNvPr>
-          <p:cNvPicPr>
-            <a:picLocks noGrp="1" noChangeAspect="1"/>
-          </p:cNvPicPr>
-          <p:nvPr>
-            <p:ph type="pic" sz="quarter" idx="27"/>
-          </p:nvPr>
-        </p:nvPicPr>
-        <p:blipFill rotWithShape="1">
-          <a:blip r:embed="rId7">
-            <a:extLst>
-              <a:ext uri="{28A0092B-C50C-407E-A947-70E740481C1C}">
-                <a14:useLocalDpi xmlns:a14="http://schemas.microsoft.com/office/drawing/2010/main" val="0"/>
-              </a:ext>
-            </a:extLst>
-          </a:blip>
-          <a:srcRect/>
-          <a:stretch/>
-        </p:blipFill>
-        <p:spPr>
-          <a:xfrm>
-            <a:off x="4226270" y="4287711"/>
-            <a:ext cx="1066800" cy="1066800"/>
-          </a:xfrm>
-        </p:spPr>
-      </p:pic>
-      <p:sp>
-        <p:nvSpPr>
-          <p:cNvPr id="41" name="Text Placeholder 40">
-            <a:extLst>
-              <a:ext uri="{FF2B5EF4-FFF2-40B4-BE49-F238E27FC236}">
-                <a16:creationId xmlns:a16="http://schemas.microsoft.com/office/drawing/2014/main" id="{6B09ED3A-8EC7-42CA-B68B-1377E5460E75}"/>
-              </a:ext>
-            </a:extLst>
-          </p:cNvPr>
-          <p:cNvSpPr>
-            <a:spLocks noGrp="1"/>
-          </p:cNvSpPr>
-          <p:nvPr>
-            <p:ph type="body" idx="30"/>
-          </p:nvPr>
-        </p:nvSpPr>
-        <p:spPr>
-          <a:xfrm>
-            <a:off x="3849262" y="5513214"/>
-            <a:ext cx="1828800" cy="343061"/>
-          </a:xfrm>
-        </p:spPr>
-        <p:txBody>
-          <a:bodyPr/>
-          <a:lstStyle/>
-          <a:p>
-            <a:r>
-              <a:rPr lang="en-US" dirty="0"/>
-              <a:t>ROWAN MURPHY</a:t>
-            </a:r>
-          </a:p>
-        </p:txBody>
-      </p:sp>
-      <p:sp>
-        <p:nvSpPr>
-          <p:cNvPr id="45" name="Text Placeholder 44">
-            <a:extLst>
-              <a:ext uri="{FF2B5EF4-FFF2-40B4-BE49-F238E27FC236}">
-                <a16:creationId xmlns:a16="http://schemas.microsoft.com/office/drawing/2014/main" id="{021B5FEC-BECF-4604-A9AB-1C9E810794F6}"/>
-              </a:ext>
-            </a:extLst>
-          </p:cNvPr>
-          <p:cNvSpPr>
-            <a:spLocks noGrp="1"/>
-          </p:cNvSpPr>
-          <p:nvPr>
-            <p:ph type="body" idx="34"/>
-          </p:nvPr>
-        </p:nvSpPr>
-        <p:spPr>
-          <a:xfrm>
-            <a:off x="3849262" y="5668583"/>
-            <a:ext cx="1828800" cy="343061"/>
-          </a:xfrm>
-        </p:spPr>
-        <p:txBody>
-          <a:bodyPr/>
-          <a:lstStyle/>
-          <a:p>
-            <a:r>
-              <a:rPr lang="en-US" dirty="0"/>
-              <a:t>SEO Strategist</a:t>
-            </a:r>
-          </a:p>
-        </p:txBody>
-      </p:sp>
-      <p:pic>
-        <p:nvPicPr>
-          <p:cNvPr id="369" name="Picture Placeholder 368" descr="Headshot for team slides ">
-            <a:extLst>
-              <a:ext uri="{FF2B5EF4-FFF2-40B4-BE49-F238E27FC236}">
-                <a16:creationId xmlns:a16="http://schemas.microsoft.com/office/drawing/2014/main" id="{3DD82FDB-1001-45E1-AA54-7904FCC108DE}"/>
-              </a:ext>
-            </a:extLst>
-          </p:cNvPr>
-          <p:cNvPicPr>
-            <a:picLocks noGrp="1" noChangeAspect="1"/>
-          </p:cNvPicPr>
-          <p:nvPr>
-            <p:ph type="pic" sz="quarter" idx="38"/>
-          </p:nvPr>
-        </p:nvPicPr>
-        <p:blipFill rotWithShape="1">
-          <a:blip r:embed="rId8">
-            <a:extLst>
-              <a:ext uri="{28A0092B-C50C-407E-A947-70E740481C1C}">
-                <a14:useLocalDpi xmlns:a14="http://schemas.microsoft.com/office/drawing/2010/main" val="0"/>
-              </a:ext>
-            </a:extLst>
-          </a:blip>
-          <a:srcRect/>
-          <a:stretch/>
-        </p:blipFill>
-        <p:spPr>
-          <a:xfrm>
-            <a:off x="6655584" y="4287711"/>
-            <a:ext cx="1066800" cy="1066800"/>
-          </a:xfrm>
-        </p:spPr>
-      </p:pic>
-      <p:sp>
-        <p:nvSpPr>
-          <p:cNvPr id="42" name="Text Placeholder 41">
-            <a:extLst>
-              <a:ext uri="{FF2B5EF4-FFF2-40B4-BE49-F238E27FC236}">
-                <a16:creationId xmlns:a16="http://schemas.microsoft.com/office/drawing/2014/main" id="{3E07A9F3-763B-41EA-AC65-8EDB2CA31B8A}"/>
-              </a:ext>
-            </a:extLst>
-          </p:cNvPr>
-          <p:cNvSpPr>
-            <a:spLocks noGrp="1"/>
-          </p:cNvSpPr>
-          <p:nvPr>
-            <p:ph type="body" idx="31"/>
-          </p:nvPr>
-        </p:nvSpPr>
-        <p:spPr>
-          <a:xfrm>
-            <a:off x="6339926" y="5513214"/>
-            <a:ext cx="1828800" cy="343061"/>
-          </a:xfrm>
-        </p:spPr>
-        <p:txBody>
-          <a:bodyPr/>
-          <a:lstStyle/>
-          <a:p>
-            <a:r>
-              <a:rPr lang="en-US" dirty="0"/>
-              <a:t>ELIZABETH MOORE</a:t>
-            </a:r>
-          </a:p>
-        </p:txBody>
-      </p:sp>
-      <p:sp>
-        <p:nvSpPr>
-          <p:cNvPr id="46" name="Text Placeholder 45">
-            <a:extLst>
-              <a:ext uri="{FF2B5EF4-FFF2-40B4-BE49-F238E27FC236}">
-                <a16:creationId xmlns:a16="http://schemas.microsoft.com/office/drawing/2014/main" id="{53A42804-1F4C-424E-9CB4-D1CD97B11CDE}"/>
-              </a:ext>
-            </a:extLst>
-          </p:cNvPr>
-          <p:cNvSpPr>
-            <a:spLocks noGrp="1"/>
-          </p:cNvSpPr>
-          <p:nvPr>
-            <p:ph type="body" idx="35"/>
-          </p:nvPr>
-        </p:nvSpPr>
-        <p:spPr>
-          <a:xfrm>
-            <a:off x="6339926" y="5668583"/>
-            <a:ext cx="1813474" cy="343061"/>
-          </a:xfrm>
-        </p:spPr>
-        <p:txBody>
-          <a:bodyPr/>
-          <a:lstStyle/>
-          <a:p>
-            <a:r>
-              <a:rPr lang="en-US" dirty="0"/>
-              <a:t>Product Designer</a:t>
-            </a:r>
-          </a:p>
-        </p:txBody>
-      </p:sp>
-      <p:pic>
-        <p:nvPicPr>
-          <p:cNvPr id="371" name="Picture Placeholder 370" descr="Headshot for team slides ">
-            <a:extLst>
-              <a:ext uri="{FF2B5EF4-FFF2-40B4-BE49-F238E27FC236}">
-                <a16:creationId xmlns:a16="http://schemas.microsoft.com/office/drawing/2014/main" id="{5DC64598-F871-46A7-9338-8EB7BF26BEB6}"/>
-              </a:ext>
-            </a:extLst>
-          </p:cNvPr>
-          <p:cNvPicPr>
-            <a:picLocks noGrp="1" noChangeAspect="1"/>
-          </p:cNvPicPr>
-          <p:nvPr>
-            <p:ph type="pic" sz="quarter" idx="29"/>
-          </p:nvPr>
-        </p:nvPicPr>
-        <p:blipFill rotWithShape="1">
-          <a:blip r:embed="rId9">
-            <a:extLst>
-              <a:ext uri="{28A0092B-C50C-407E-A947-70E740481C1C}">
-                <a14:useLocalDpi xmlns:a14="http://schemas.microsoft.com/office/drawing/2010/main" val="0"/>
-              </a:ext>
-            </a:extLst>
-          </a:blip>
-          <a:srcRect/>
-          <a:stretch/>
-        </p:blipFill>
-        <p:spPr>
-          <a:xfrm>
-            <a:off x="9136814" y="4287711"/>
-            <a:ext cx="1066800" cy="1066800"/>
-          </a:xfrm>
-        </p:spPr>
-      </p:pic>
-      <p:sp>
-        <p:nvSpPr>
-          <p:cNvPr id="43" name="Text Placeholder 42">
-            <a:extLst>
-              <a:ext uri="{FF2B5EF4-FFF2-40B4-BE49-F238E27FC236}">
-                <a16:creationId xmlns:a16="http://schemas.microsoft.com/office/drawing/2014/main" id="{7E484450-BE48-4C65-AEE1-5650AAC06067}"/>
-              </a:ext>
-            </a:extLst>
-          </p:cNvPr>
-          <p:cNvSpPr>
-            <a:spLocks noGrp="1"/>
-          </p:cNvSpPr>
-          <p:nvPr>
-            <p:ph type="body" idx="32"/>
-          </p:nvPr>
-        </p:nvSpPr>
-        <p:spPr>
-          <a:xfrm>
-            <a:off x="8759806" y="5513214"/>
-            <a:ext cx="1828800" cy="343061"/>
-          </a:xfrm>
-        </p:spPr>
-        <p:txBody>
-          <a:bodyPr/>
-          <a:lstStyle/>
-          <a:p>
-            <a:r>
-              <a:rPr lang="en-US" dirty="0"/>
-              <a:t>ROBIN KLINE</a:t>
-            </a:r>
-          </a:p>
-        </p:txBody>
-      </p:sp>
-      <p:sp>
-        <p:nvSpPr>
-          <p:cNvPr id="47" name="Text Placeholder 46">
-            <a:extLst>
-              <a:ext uri="{FF2B5EF4-FFF2-40B4-BE49-F238E27FC236}">
-                <a16:creationId xmlns:a16="http://schemas.microsoft.com/office/drawing/2014/main" id="{8D8B5AD3-AE51-4D7A-AE7B-E9C350D0879B}"/>
-              </a:ext>
-            </a:extLst>
-          </p:cNvPr>
-          <p:cNvSpPr>
-            <a:spLocks noGrp="1"/>
-          </p:cNvSpPr>
-          <p:nvPr>
-            <p:ph type="body" idx="36"/>
-          </p:nvPr>
-        </p:nvSpPr>
-        <p:spPr>
-          <a:xfrm>
-            <a:off x="8744480" y="5668583"/>
-            <a:ext cx="1844126" cy="343061"/>
-          </a:xfrm>
-        </p:spPr>
-        <p:txBody>
-          <a:bodyPr/>
-          <a:lstStyle/>
-          <a:p>
-            <a:r>
-              <a:rPr lang="en-US" dirty="0"/>
-              <a:t>Content Developer</a:t>
-            </a:r>
-          </a:p>
-        </p:txBody>
-      </p:sp>
-      <p:sp>
-        <p:nvSpPr>
-          <p:cNvPr id="56" name="Date Placeholder 55">
-            <a:extLst>
-              <a:ext uri="{FF2B5EF4-FFF2-40B4-BE49-F238E27FC236}">
-                <a16:creationId xmlns:a16="http://schemas.microsoft.com/office/drawing/2014/main" id="{B289356A-BDA0-4234-84F2-9F2F25D0D7BD}"/>
-              </a:ext>
-            </a:extLst>
-          </p:cNvPr>
-          <p:cNvSpPr>
-            <a:spLocks noGrp="1"/>
-          </p:cNvSpPr>
-          <p:nvPr>
-            <p:ph type="dt" sz="half" idx="10"/>
-          </p:nvPr>
-        </p:nvSpPr>
-        <p:spPr>
-          <a:xfrm>
-            <a:off x="838200" y="6356350"/>
-            <a:ext cx="2743200" cy="365125"/>
-          </a:xfrm>
-        </p:spPr>
-        <p:txBody>
-          <a:bodyPr/>
-          <a:lstStyle/>
-          <a:p>
-            <a:r>
-              <a:rPr lang="en-US" dirty="0"/>
-              <a:t>20XX</a:t>
-            </a:r>
-          </a:p>
-        </p:txBody>
-      </p:sp>
-      <p:sp>
-        <p:nvSpPr>
-          <p:cNvPr id="57" name="Footer Placeholder 56">
-            <a:extLst>
-              <a:ext uri="{FF2B5EF4-FFF2-40B4-BE49-F238E27FC236}">
-                <a16:creationId xmlns:a16="http://schemas.microsoft.com/office/drawing/2014/main" id="{3A38BE84-957B-46B9-A315-4B5064DFF1A1}"/>
-              </a:ext>
-            </a:extLst>
-          </p:cNvPr>
-          <p:cNvSpPr>
-            <a:spLocks noGrp="1"/>
-          </p:cNvSpPr>
-          <p:nvPr>
-            <p:ph type="ftr" sz="quarter" idx="11"/>
-          </p:nvPr>
-        </p:nvSpPr>
-        <p:spPr>
-          <a:xfrm>
-            <a:off x="4038600" y="6356350"/>
-            <a:ext cx="4114800" cy="365125"/>
-          </a:xfrm>
-        </p:spPr>
-        <p:txBody>
-          <a:bodyPr/>
-          <a:lstStyle/>
-          <a:p>
-            <a:r>
-              <a:rPr lang="en-US" dirty="0"/>
-              <a:t>PRESENTATION TITLE</a:t>
-            </a:r>
-          </a:p>
-        </p:txBody>
-      </p:sp>
-      <p:sp>
-        <p:nvSpPr>
-          <p:cNvPr id="58" name="Slide Number Placeholder 57">
-            <a:extLst>
-              <a:ext uri="{FF2B5EF4-FFF2-40B4-BE49-F238E27FC236}">
-                <a16:creationId xmlns:a16="http://schemas.microsoft.com/office/drawing/2014/main" id="{E1900601-8B04-4FF3-B06F-6BEFAC6556D3}"/>
-              </a:ext>
-            </a:extLst>
-          </p:cNvPr>
-          <p:cNvSpPr>
-            <a:spLocks noGrp="1"/>
-          </p:cNvSpPr>
-          <p:nvPr>
-            <p:ph type="sldNum" sz="quarter" idx="12"/>
-          </p:nvPr>
-        </p:nvSpPr>
-        <p:spPr>
-          <a:xfrm>
-            <a:off x="8610600" y="6356350"/>
-            <a:ext cx="2743200" cy="365125"/>
-          </a:xfrm>
-        </p:spPr>
-        <p:txBody>
-          <a:bodyPr/>
-          <a:lstStyle/>
-          <a:p>
-            <a:fld id="{A49DFD55-3C28-40EF-9E31-A92D2E4017FF}" type="slidenum">
-              <a:rPr lang="en-US" smtClean="0"/>
-              <a:pPr/>
-              <a:t>8</a:t>
-            </a:fld>
-            <a:endParaRPr lang="en-US" dirty="0"/>
-          </a:p>
-        </p:txBody>
-      </p:sp>
-    </p:spTree>
-    <p:extLst>
-      <p:ext uri="{BB962C8B-B14F-4D97-AF65-F5344CB8AC3E}">
-        <p14:creationId xmlns:p14="http://schemas.microsoft.com/office/powerpoint/2010/main" val="4055079983"/>
-      </p:ext>
-    </p:extLst>
-  </p:cSld>
-  <p:clrMapOvr>
-    <a:masterClrMapping/>
-  </p:clrMapOvr>
-</p:sld>
-</file>
-
-<file path=ppt/slides/slide9.xml><?xml version="1.0" encoding="utf-8"?>
-<p:sld xmlns:a="http://schemas.openxmlformats.org/drawingml/2006/main" xmlns:r="http://schemas.openxmlformats.org/officeDocument/2006/relationships" xmlns:p="http://schemas.openxmlformats.org/presentationml/2006/main">
-  <p:cSld>
-    <p:spTree>
-      <p:nvGrpSpPr>
-        <p:cNvPr id="1" name=""/>
-        <p:cNvGrpSpPr/>
-        <p:nvPr/>
-      </p:nvGrpSpPr>
-      <p:grpSpPr>
-        <a:xfrm>
-          <a:off x="0" y="0"/>
-          <a:ext cx="0" cy="0"/>
-          <a:chOff x="0" y="0"/>
-          <a:chExt cx="0" cy="0"/>
-        </a:xfrm>
-      </p:grpSpPr>
-      <p:sp>
-        <p:nvSpPr>
-          <p:cNvPr id="3" name="Title 2">
-            <a:extLst>
-              <a:ext uri="{FF2B5EF4-FFF2-40B4-BE49-F238E27FC236}">
-                <a16:creationId xmlns:a16="http://schemas.microsoft.com/office/drawing/2014/main" id="{77762301-F83A-4BEA-9D11-E6C99FB574A8}"/>
-              </a:ext>
-            </a:extLst>
-          </p:cNvPr>
-          <p:cNvSpPr>
-            <a:spLocks noGrp="1"/>
-          </p:cNvSpPr>
-          <p:nvPr>
-            <p:ph type="title"/>
-          </p:nvPr>
-        </p:nvSpPr>
-        <p:spPr>
-          <a:xfrm>
-            <a:off x="838200" y="365125"/>
-            <a:ext cx="10515600" cy="1325563"/>
-          </a:xfrm>
-        </p:spPr>
-        <p:txBody>
-          <a:bodyPr/>
-          <a:lstStyle/>
-          <a:p>
-            <a:r>
-              <a:rPr lang="en-US" dirty="0"/>
-              <a:t>PLAN FOR PRODUCT LAUNCH</a:t>
-            </a:r>
-          </a:p>
-        </p:txBody>
-      </p:sp>
-      <p:graphicFrame>
-        <p:nvGraphicFramePr>
-          <p:cNvPr id="33" name="Content Placeholder 3" descr="Timeline Placeholder ">
-            <a:extLst>
-              <a:ext uri="{FF2B5EF4-FFF2-40B4-BE49-F238E27FC236}">
-                <a16:creationId xmlns:a16="http://schemas.microsoft.com/office/drawing/2014/main" id="{7BC1F95D-CCD2-421B-B06B-706699FAAD5D}"/>
-              </a:ext>
-            </a:extLst>
-          </p:cNvPr>
-          <p:cNvGraphicFramePr>
-            <a:graphicFrameLocks noGrp="1"/>
-          </p:cNvGraphicFramePr>
-          <p:nvPr>
-            <p:ph type="dgm" sz="quarter" idx="15"/>
-            <p:extLst>
-              <p:ext uri="{D42A27DB-BD31-4B8C-83A1-F6EECF244321}">
-                <p14:modId xmlns:p14="http://schemas.microsoft.com/office/powerpoint/2010/main" val="1178117526"/>
-              </p:ext>
-            </p:extLst>
-          </p:nvPr>
-        </p:nvGraphicFramePr>
-        <p:xfrm>
-          <a:off x="838200" y="2111375"/>
-          <a:ext cx="10515600" cy="3744913"/>
-        </p:xfrm>
-        <a:graphic>
-          <a:graphicData uri="http://schemas.openxmlformats.org/drawingml/2006/diagram">
-            <dgm:relIds xmlns:dgm="http://schemas.openxmlformats.org/drawingml/2006/diagram" xmlns:r="http://schemas.openxmlformats.org/officeDocument/2006/relationships" r:dm="rId2" r:lo="rId3" r:qs="rId4" r:cs="rId5"/>
-          </a:graphicData>
-        </a:graphic>
-      </p:graphicFrame>
-      <p:sp>
-        <p:nvSpPr>
-          <p:cNvPr id="6" name="Date Placeholder 5">
-            <a:extLst>
-              <a:ext uri="{FF2B5EF4-FFF2-40B4-BE49-F238E27FC236}">
-                <a16:creationId xmlns:a16="http://schemas.microsoft.com/office/drawing/2014/main" id="{3627CC26-34EF-4BB9-B289-9EC56B07D1E6}"/>
-              </a:ext>
-            </a:extLst>
-          </p:cNvPr>
-          <p:cNvSpPr>
-            <a:spLocks noGrp="1"/>
-          </p:cNvSpPr>
-          <p:nvPr>
-            <p:ph type="dt" sz="half" idx="10"/>
-          </p:nvPr>
-        </p:nvSpPr>
-        <p:spPr>
-          <a:xfrm>
-            <a:off x="838200" y="6356350"/>
-            <a:ext cx="2743200" cy="365125"/>
-          </a:xfrm>
-        </p:spPr>
-        <p:txBody>
-          <a:bodyPr/>
-          <a:lstStyle/>
-          <a:p>
-            <a:r>
-              <a:rPr lang="en-US" dirty="0"/>
-              <a:t>20XX</a:t>
-            </a:r>
-          </a:p>
-        </p:txBody>
-      </p:sp>
-      <p:sp>
-        <p:nvSpPr>
-          <p:cNvPr id="7" name="Footer Placeholder 6">
-            <a:extLst>
-              <a:ext uri="{FF2B5EF4-FFF2-40B4-BE49-F238E27FC236}">
-                <a16:creationId xmlns:a16="http://schemas.microsoft.com/office/drawing/2014/main" id="{4E98E6AD-9D37-499C-898E-ED12AC36D31D}"/>
-              </a:ext>
-            </a:extLst>
-          </p:cNvPr>
-          <p:cNvSpPr>
-            <a:spLocks noGrp="1"/>
-          </p:cNvSpPr>
-          <p:nvPr>
-            <p:ph type="ftr" sz="quarter" idx="11"/>
-          </p:nvPr>
-        </p:nvSpPr>
-        <p:spPr>
-          <a:xfrm>
-            <a:off x="4038600" y="6356350"/>
-            <a:ext cx="4114800" cy="365125"/>
-          </a:xfrm>
-        </p:spPr>
-        <p:txBody>
-          <a:bodyPr/>
-          <a:lstStyle/>
-          <a:p>
-            <a:r>
-              <a:rPr lang="en-US" dirty="0"/>
-              <a:t>PRESENTATION TITLE</a:t>
-            </a:r>
-          </a:p>
-        </p:txBody>
-      </p:sp>
-      <p:sp>
-        <p:nvSpPr>
-          <p:cNvPr id="8" name="Slide Number Placeholder 7">
-            <a:extLst>
-              <a:ext uri="{FF2B5EF4-FFF2-40B4-BE49-F238E27FC236}">
-                <a16:creationId xmlns:a16="http://schemas.microsoft.com/office/drawing/2014/main" id="{92908AF9-2A07-4B50-BC13-471792106EC8}"/>
-              </a:ext>
-            </a:extLst>
-          </p:cNvPr>
-          <p:cNvSpPr>
-            <a:spLocks noGrp="1"/>
-          </p:cNvSpPr>
-          <p:nvPr>
-            <p:ph type="sldNum" sz="quarter" idx="12"/>
-          </p:nvPr>
-        </p:nvSpPr>
-        <p:spPr>
-          <a:xfrm>
-            <a:off x="8610600" y="6356350"/>
-            <a:ext cx="2743200" cy="365125"/>
-          </a:xfrm>
-        </p:spPr>
-        <p:txBody>
-          <a:bodyPr/>
-          <a:lstStyle/>
-          <a:p>
-            <a:fld id="{A49DFD55-3C28-40EF-9E31-A92D2E4017FF}" type="slidenum">
-              <a:rPr lang="en-US" smtClean="0"/>
-              <a:pPr/>
-              <a:t>9</a:t>
-            </a:fld>
-            <a:endParaRPr lang="en-US" dirty="0"/>
-          </a:p>
-        </p:txBody>
-      </p:sp>
-    </p:spTree>
-    <p:extLst>
-      <p:ext uri="{BB962C8B-B14F-4D97-AF65-F5344CB8AC3E}">
-        <p14:creationId xmlns:p14="http://schemas.microsoft.com/office/powerpoint/2010/main" val="2896385493"/>
       </p:ext>
     </p:extLst>
   </p:cSld>
@@ -19278,6 +11164,15 @@
 </file>
 
 <file path=customXml/item1.xml><?xml version="1.0" encoding="utf-8"?>
+<?mso-contentType ?>
+<FormTemplates xmlns="http://schemas.microsoft.com/sharepoint/v3/contenttype/forms">
+  <Display>DocumentLibraryForm</Display>
+  <Edit>DocumentLibraryForm</Edit>
+  <New>DocumentLibraryForm</New>
+</FormTemplates>
+</file>
+
+<file path=customXml/item2.xml><?xml version="1.0" encoding="utf-8"?>
 <p:properties xmlns:p="http://schemas.microsoft.com/office/2006/metadata/properties" xmlns:xsi="http://www.w3.org/2001/XMLSchema-instance" xmlns:pc="http://schemas.microsoft.com/office/infopath/2007/PartnerControls">
   <documentManagement>
     <_ip_UnifiedCompliancePolicyUIAction xmlns="http://schemas.microsoft.com/sharepoint/v3" xsi:nil="true"/>
@@ -19294,15 +11189,6 @@
     <MediaServiceKeyPoints xmlns="71af3243-3dd4-4a8d-8c0d-dd76da1f02a5" xsi:nil="true"/>
   </documentManagement>
 </p:properties>
-</file>
-
-<file path=customXml/item2.xml><?xml version="1.0" encoding="utf-8"?>
-<?mso-contentType ?>
-<FormTemplates xmlns="http://schemas.microsoft.com/sharepoint/v3/contenttype/forms">
-  <Display>DocumentLibraryForm</Display>
-  <Edit>DocumentLibraryForm</Edit>
-  <New>DocumentLibraryForm</New>
-</FormTemplates>
 </file>
 
 <file path=customXml/item3.xml><?xml version="1.0" encoding="utf-8"?>
@@ -19582,21 +11468,23 @@
 </file>
 
 <file path=customXml/itemProps1.xml><?xml version="1.0" encoding="utf-8"?>
-<ds:datastoreItem xmlns:ds="http://schemas.openxmlformats.org/officeDocument/2006/customXml" ds:itemID="{29C43685-694E-4579-B109-3C418D49DA65}">
+<ds:datastoreItem xmlns:ds="http://schemas.openxmlformats.org/officeDocument/2006/customXml" ds:itemID="{0FD6FE22-81A0-4500-AFD0-342D21BB9A2C}">
   <ds:schemaRefs>
-    <ds:schemaRef ds:uri="http://schemas.microsoft.com/office/2006/metadata/properties"/>
-    <ds:schemaRef ds:uri="http://schemas.microsoft.com/office/infopath/2007/PartnerControls"/>
-    <ds:schemaRef ds:uri="http://schemas.microsoft.com/sharepoint/v3"/>
-    <ds:schemaRef ds:uri="71af3243-3dd4-4a8d-8c0d-dd76da1f02a5"/>
-    <ds:schemaRef ds:uri="230e9df3-be65-4c73-a93b-d1236ebd677e"/>
+    <ds:schemaRef ds:uri="http://schemas.microsoft.com/sharepoint/v3/contenttype/forms"/>
   </ds:schemaRefs>
 </ds:datastoreItem>
 </file>
 
 <file path=customXml/itemProps2.xml><?xml version="1.0" encoding="utf-8"?>
-<ds:datastoreItem xmlns:ds="http://schemas.openxmlformats.org/officeDocument/2006/customXml" ds:itemID="{0FD6FE22-81A0-4500-AFD0-342D21BB9A2C}">
+<ds:datastoreItem xmlns:ds="http://schemas.openxmlformats.org/officeDocument/2006/customXml" ds:itemID="{29C43685-694E-4579-B109-3C418D49DA65}">
   <ds:schemaRefs>
-    <ds:schemaRef ds:uri="http://schemas.microsoft.com/sharepoint/v3/contenttype/forms"/>
+    <ds:schemaRef ds:uri="http://schemas.microsoft.com/office/2006/metadata/properties"/>
+    <ds:schemaRef ds:uri="http://www.w3.org/2000/xmlns/"/>
+    <ds:schemaRef ds:uri="http://schemas.microsoft.com/sharepoint/v3"/>
+    <ds:schemaRef ds:uri="http://www.w3.org/2001/XMLSchema-instance"/>
+    <ds:schemaRef ds:uri="71af3243-3dd4-4a8d-8c0d-dd76da1f02a5"/>
+    <ds:schemaRef ds:uri="http://schemas.microsoft.com/office/infopath/2007/PartnerControls"/>
+    <ds:schemaRef ds:uri="230e9df3-be65-4c73-a93b-d1236ebd677e"/>
   </ds:schemaRefs>
 </ds:datastoreItem>
 </file>
@@ -19606,18 +11494,12 @@
   <ds:schemaRefs>
     <ds:schemaRef ds:uri="http://schemas.microsoft.com/office/2006/metadata/contentType"/>
     <ds:schemaRef ds:uri="http://schemas.microsoft.com/office/2006/metadata/properties/metaAttributes"/>
+    <ds:schemaRef ds:uri="http://www.w3.org/2000/xmlns/"/>
     <ds:schemaRef ds:uri="http://www.w3.org/2001/XMLSchema"/>
-    <ds:schemaRef ds:uri="http://schemas.microsoft.com/office/2006/metadata/properties"/>
     <ds:schemaRef ds:uri="http://schemas.microsoft.com/sharepoint/v3"/>
     <ds:schemaRef ds:uri="71af3243-3dd4-4a8d-8c0d-dd76da1f02a5"/>
     <ds:schemaRef ds:uri="16c05727-aa75-4e4a-9b5f-8a80a1165891"/>
     <ds:schemaRef ds:uri="230e9df3-be65-4c73-a93b-d1236ebd677e"/>
-    <ds:schemaRef ds:uri="http://schemas.microsoft.com/office/2006/documentManagement/types"/>
-    <ds:schemaRef ds:uri="http://schemas.microsoft.com/office/infopath/2007/PartnerControls"/>
-    <ds:schemaRef ds:uri="http://schemas.openxmlformats.org/package/2006/metadata/core-properties"/>
-    <ds:schemaRef ds:uri="http://purl.org/dc/elements/1.1/"/>
-    <ds:schemaRef ds:uri="http://purl.org/dc/terms/"/>
-    <ds:schemaRef ds:uri="http://schemas.microsoft.com/internal/obd"/>
   </ds:schemaRefs>
 </ds:datastoreItem>
 </file>
